--- a/5 - Sorting Algorithms/Counting Sort.pptx
+++ b/5 - Sorting Algorithms/Counting Sort.pptx
@@ -5,13 +5,14 @@
     <p:sldMasterId id="2147483648" r:id="rId4"/>
   </p:sldMasterIdLst>
   <p:notesMasterIdLst>
-    <p:notesMasterId r:id="rId9"/>
+    <p:notesMasterId r:id="rId10"/>
   </p:notesMasterIdLst>
   <p:sldIdLst>
     <p:sldId id="257" r:id="rId5"/>
     <p:sldId id="273" r:id="rId6"/>
     <p:sldId id="276" r:id="rId7"/>
     <p:sldId id="277" r:id="rId8"/>
+    <p:sldId id="278" r:id="rId9"/>
   </p:sldIdLst>
   <p:sldSz cx="12192000" cy="6858000"/>
   <p:notesSz cx="6858000" cy="9144000"/>
@@ -208,7 +209,7 @@
           <a:p>
             <a:fld id="{F666E1FD-E7A0-497B-BBC0-740BAAC97C64}" type="datetimeFigureOut">
               <a:rPr lang="en-PH" smtClean="0"/>
-              <a:t>9/14/23</a:t>
+              <a:t>14/09/2023</a:t>
             </a:fld>
             <a:endParaRPr lang="en-PH"/>
           </a:p>
@@ -812,6 +813,90 @@
 </p:notes>
 </file>
 
+<file path=ppt/notesSlides/notesSlide5.xml><?xml version="1.0" encoding="utf-8"?>
+<p:notes xmlns:a="http://schemas.openxmlformats.org/drawingml/2006/main" xmlns:r="http://schemas.openxmlformats.org/officeDocument/2006/relationships" xmlns:p="http://schemas.openxmlformats.org/presentationml/2006/main">
+  <p:cSld>
+    <p:spTree>
+      <p:nvGrpSpPr>
+        <p:cNvPr id="1" name=""/>
+        <p:cNvGrpSpPr/>
+        <p:nvPr/>
+      </p:nvGrpSpPr>
+      <p:grpSpPr>
+        <a:xfrm>
+          <a:off x="0" y="0"/>
+          <a:ext cx="0" cy="0"/>
+          <a:chOff x="0" y="0"/>
+          <a:chExt cx="0" cy="0"/>
+        </a:xfrm>
+      </p:grpSpPr>
+      <p:sp>
+        <p:nvSpPr>
+          <p:cNvPr id="2" name="Slide Image Placeholder 1"/>
+          <p:cNvSpPr>
+            <a:spLocks noGrp="1" noRot="1" noChangeAspect="1"/>
+          </p:cNvSpPr>
+          <p:nvPr>
+            <p:ph type="sldImg"/>
+          </p:nvPr>
+        </p:nvSpPr>
+        <p:spPr/>
+      </p:sp>
+      <p:sp>
+        <p:nvSpPr>
+          <p:cNvPr id="3" name="Notes Placeholder 2"/>
+          <p:cNvSpPr>
+            <a:spLocks noGrp="1"/>
+          </p:cNvSpPr>
+          <p:nvPr>
+            <p:ph type="body" idx="1"/>
+          </p:nvPr>
+        </p:nvSpPr>
+        <p:spPr/>
+        <p:txBody>
+          <a:bodyPr/>
+          <a:lstStyle/>
+          <a:p>
+            <a:endParaRPr lang="en-PH" dirty="0"/>
+          </a:p>
+        </p:txBody>
+      </p:sp>
+      <p:sp>
+        <p:nvSpPr>
+          <p:cNvPr id="4" name="Slide Number Placeholder 3"/>
+          <p:cNvSpPr>
+            <a:spLocks noGrp="1"/>
+          </p:cNvSpPr>
+          <p:nvPr>
+            <p:ph type="sldNum" sz="quarter" idx="5"/>
+          </p:nvPr>
+        </p:nvSpPr>
+        <p:spPr/>
+        <p:txBody>
+          <a:bodyPr/>
+          <a:lstStyle/>
+          <a:p>
+            <a:fld id="{FE90CCE9-4AAE-4E1F-85AD-521A406D6524}" type="slidenum">
+              <a:rPr lang="en-PH" smtClean="0"/>
+              <a:t>5</a:t>
+            </a:fld>
+            <a:endParaRPr lang="en-PH"/>
+          </a:p>
+        </p:txBody>
+      </p:sp>
+    </p:spTree>
+    <p:extLst>
+      <p:ext uri="{BB962C8B-B14F-4D97-AF65-F5344CB8AC3E}">
+        <p14:creationId xmlns:p14="http://schemas.microsoft.com/office/powerpoint/2010/main" val="3387915612"/>
+      </p:ext>
+    </p:extLst>
+  </p:cSld>
+  <p:clrMapOvr>
+    <a:masterClrMapping/>
+  </p:clrMapOvr>
+</p:notes>
+</file>
+
 <file path=ppt/slideLayouts/slideLayout1.xml><?xml version="1.0" encoding="utf-8"?>
 <p:sldLayout xmlns:a="http://schemas.openxmlformats.org/drawingml/2006/main" xmlns:r="http://schemas.openxmlformats.org/officeDocument/2006/relationships" xmlns:p="http://schemas.openxmlformats.org/presentationml/2006/main" type="title" preserve="1">
   <p:cSld name="Title Slide">
@@ -961,7 +1046,7 @@
           <a:p>
             <a:fld id="{0CCF0B81-6BD8-4C65-9459-815598C5F1F4}" type="datetimeFigureOut">
               <a:rPr lang="en-PH" smtClean="0"/>
-              <a:t>9/14/23</a:t>
+              <a:t>14/09/2023</a:t>
             </a:fld>
             <a:endParaRPr lang="en-PH"/>
           </a:p>
@@ -1161,7 +1246,7 @@
           <a:p>
             <a:fld id="{0CCF0B81-6BD8-4C65-9459-815598C5F1F4}" type="datetimeFigureOut">
               <a:rPr lang="en-PH" smtClean="0"/>
-              <a:t>9/14/23</a:t>
+              <a:t>14/09/2023</a:t>
             </a:fld>
             <a:endParaRPr lang="en-PH"/>
           </a:p>
@@ -1371,7 +1456,7 @@
           <a:p>
             <a:fld id="{0CCF0B81-6BD8-4C65-9459-815598C5F1F4}" type="datetimeFigureOut">
               <a:rPr lang="en-PH" smtClean="0"/>
-              <a:t>9/14/23</a:t>
+              <a:t>14/09/2023</a:t>
             </a:fld>
             <a:endParaRPr lang="en-PH"/>
           </a:p>
@@ -1571,7 +1656,7 @@
           <a:p>
             <a:fld id="{0CCF0B81-6BD8-4C65-9459-815598C5F1F4}" type="datetimeFigureOut">
               <a:rPr lang="en-PH" smtClean="0"/>
-              <a:t>9/14/23</a:t>
+              <a:t>14/09/2023</a:t>
             </a:fld>
             <a:endParaRPr lang="en-PH"/>
           </a:p>
@@ -1847,7 +1932,7 @@
           <a:p>
             <a:fld id="{0CCF0B81-6BD8-4C65-9459-815598C5F1F4}" type="datetimeFigureOut">
               <a:rPr lang="en-PH" smtClean="0"/>
-              <a:t>9/14/23</a:t>
+              <a:t>14/09/2023</a:t>
             </a:fld>
             <a:endParaRPr lang="en-PH"/>
           </a:p>
@@ -2115,7 +2200,7 @@
           <a:p>
             <a:fld id="{0CCF0B81-6BD8-4C65-9459-815598C5F1F4}" type="datetimeFigureOut">
               <a:rPr lang="en-PH" smtClean="0"/>
-              <a:t>9/14/23</a:t>
+              <a:t>14/09/2023</a:t>
             </a:fld>
             <a:endParaRPr lang="en-PH"/>
           </a:p>
@@ -2530,7 +2615,7 @@
           <a:p>
             <a:fld id="{0CCF0B81-6BD8-4C65-9459-815598C5F1F4}" type="datetimeFigureOut">
               <a:rPr lang="en-PH" smtClean="0"/>
-              <a:t>9/14/23</a:t>
+              <a:t>14/09/2023</a:t>
             </a:fld>
             <a:endParaRPr lang="en-PH"/>
           </a:p>
@@ -2672,7 +2757,7 @@
           <a:p>
             <a:fld id="{0CCF0B81-6BD8-4C65-9459-815598C5F1F4}" type="datetimeFigureOut">
               <a:rPr lang="en-PH" smtClean="0"/>
-              <a:t>9/14/23</a:t>
+              <a:t>14/09/2023</a:t>
             </a:fld>
             <a:endParaRPr lang="en-PH"/>
           </a:p>
@@ -2785,7 +2870,7 @@
           <a:p>
             <a:fld id="{0CCF0B81-6BD8-4C65-9459-815598C5F1F4}" type="datetimeFigureOut">
               <a:rPr lang="en-PH" smtClean="0"/>
-              <a:t>9/14/23</a:t>
+              <a:t>14/09/2023</a:t>
             </a:fld>
             <a:endParaRPr lang="en-PH"/>
           </a:p>
@@ -3098,7 +3183,7 @@
           <a:p>
             <a:fld id="{0CCF0B81-6BD8-4C65-9459-815598C5F1F4}" type="datetimeFigureOut">
               <a:rPr lang="en-PH" smtClean="0"/>
-              <a:t>9/14/23</a:t>
+              <a:t>14/09/2023</a:t>
             </a:fld>
             <a:endParaRPr lang="en-PH"/>
           </a:p>
@@ -3387,7 +3472,7 @@
           <a:p>
             <a:fld id="{0CCF0B81-6BD8-4C65-9459-815598C5F1F4}" type="datetimeFigureOut">
               <a:rPr lang="en-PH" smtClean="0"/>
-              <a:t>9/14/23</a:t>
+              <a:t>14/09/2023</a:t>
             </a:fld>
             <a:endParaRPr lang="en-PH"/>
           </a:p>
@@ -3630,7 +3715,7 @@
           <a:p>
             <a:fld id="{0CCF0B81-6BD8-4C65-9459-815598C5F1F4}" type="datetimeFigureOut">
               <a:rPr lang="en-PH" smtClean="0"/>
-              <a:t>9/14/23</a:t>
+              <a:t>14/09/2023</a:t>
             </a:fld>
             <a:endParaRPr lang="en-PH"/>
           </a:p>
@@ -4442,23 +4527,32 @@
           <a:p>
             <a:pPr algn="l"/>
             <a:r>
+              <a:rPr lang="en-US" sz="3000" b="1" dirty="0">
+                <a:latin typeface="Calibri Body"/>
+              </a:rPr>
+              <a:t>Counting sort </a:t>
+            </a:r>
+            <a:r>
               <a:rPr lang="en-US" sz="3000" dirty="0">
                 <a:latin typeface="Calibri Body"/>
               </a:rPr>
-              <a:t>Bubble sort is compares two adjacent elements and swaps them until they are in the intended order.</a:t>
+              <a:t>is a sorting algorithm that sorts the elements of an array by </a:t>
             </a:r>
-          </a:p>
-          <a:p>
-            <a:pPr algn="l"/>
-            <a:endParaRPr lang="en-US" sz="3000" dirty="0">
-              <a:latin typeface="Calibri Body"/>
-            </a:endParaRPr>
-          </a:p>
-          <a:p>
-            <a:pPr algn="l"/>
-            <a:endParaRPr lang="en-US" sz="3000" dirty="0">
-              <a:latin typeface="Calibri Body"/>
-            </a:endParaRPr>
+            <a:r>
+              <a:rPr lang="en-US" sz="3000" b="1" dirty="0">
+                <a:solidFill>
+                  <a:srgbClr val="00B0F0"/>
+                </a:solidFill>
+                <a:latin typeface="Calibri Body"/>
+              </a:rPr>
+              <a:t>counting the number of occurrences </a:t>
+            </a:r>
+            <a:r>
+              <a:rPr lang="en-US" sz="3000" dirty="0">
+                <a:latin typeface="Calibri Body"/>
+              </a:rPr>
+              <a:t>of each unique element in the array. The count is stored in an auxiliary array and the sorting is done by mapping the count as an index of the auxiliary array.</a:t>
+            </a:r>
           </a:p>
           <a:p>
             <a:pPr algn="l"/>
@@ -5364,701 +5458,6 @@
           </a:graphicData>
         </a:graphic>
       </p:graphicFrame>
-      <p:graphicFrame>
-        <p:nvGraphicFramePr>
-          <p:cNvPr id="12" name="Table 11">
-            <a:extLst>
-              <a:ext uri="{FF2B5EF4-FFF2-40B4-BE49-F238E27FC236}">
-                <a16:creationId xmlns:a16="http://schemas.microsoft.com/office/drawing/2014/main" id="{735F6414-5056-4AC3-0BEE-75DECB8CED15}"/>
-              </a:ext>
-            </a:extLst>
-          </p:cNvPr>
-          <p:cNvGraphicFramePr>
-            <a:graphicFrameLocks noGrp="1"/>
-          </p:cNvGraphicFramePr>
-          <p:nvPr>
-            <p:extLst>
-              <p:ext uri="{D42A27DB-BD31-4B8C-83A1-F6EECF244321}">
-                <p14:modId xmlns:p14="http://schemas.microsoft.com/office/powerpoint/2010/main" val="1768001576"/>
-              </p:ext>
-            </p:extLst>
-          </p:nvPr>
-        </p:nvGraphicFramePr>
-        <p:xfrm>
-          <a:off x="2032000" y="4118753"/>
-          <a:ext cx="8128000" cy="741680"/>
-        </p:xfrm>
-        <a:graphic>
-          <a:graphicData uri="http://schemas.openxmlformats.org/drawingml/2006/table">
-            <a:tbl>
-              <a:tblPr firstRow="1" bandRow="1">
-                <a:tableStyleId>{5940675A-B579-460E-94D1-54222C63F5DA}</a:tableStyleId>
-              </a:tblPr>
-              <a:tblGrid>
-                <a:gridCol w="812800">
-                  <a:extLst>
-                    <a:ext uri="{9D8B030D-6E8A-4147-A177-3AD203B41FA5}">
-                      <a16:colId xmlns:a16="http://schemas.microsoft.com/office/drawing/2014/main" val="30752810"/>
-                    </a:ext>
-                  </a:extLst>
-                </a:gridCol>
-                <a:gridCol w="812800">
-                  <a:extLst>
-                    <a:ext uri="{9D8B030D-6E8A-4147-A177-3AD203B41FA5}">
-                      <a16:colId xmlns:a16="http://schemas.microsoft.com/office/drawing/2014/main" val="2416112794"/>
-                    </a:ext>
-                  </a:extLst>
-                </a:gridCol>
-                <a:gridCol w="812800">
-                  <a:extLst>
-                    <a:ext uri="{9D8B030D-6E8A-4147-A177-3AD203B41FA5}">
-                      <a16:colId xmlns:a16="http://schemas.microsoft.com/office/drawing/2014/main" val="3172211012"/>
-                    </a:ext>
-                  </a:extLst>
-                </a:gridCol>
-                <a:gridCol w="812800">
-                  <a:extLst>
-                    <a:ext uri="{9D8B030D-6E8A-4147-A177-3AD203B41FA5}">
-                      <a16:colId xmlns:a16="http://schemas.microsoft.com/office/drawing/2014/main" val="2286246230"/>
-                    </a:ext>
-                  </a:extLst>
-                </a:gridCol>
-                <a:gridCol w="812800">
-                  <a:extLst>
-                    <a:ext uri="{9D8B030D-6E8A-4147-A177-3AD203B41FA5}">
-                      <a16:colId xmlns:a16="http://schemas.microsoft.com/office/drawing/2014/main" val="1400922798"/>
-                    </a:ext>
-                  </a:extLst>
-                </a:gridCol>
-                <a:gridCol w="812800">
-                  <a:extLst>
-                    <a:ext uri="{9D8B030D-6E8A-4147-A177-3AD203B41FA5}">
-                      <a16:colId xmlns:a16="http://schemas.microsoft.com/office/drawing/2014/main" val="29029823"/>
-                    </a:ext>
-                  </a:extLst>
-                </a:gridCol>
-                <a:gridCol w="812800">
-                  <a:extLst>
-                    <a:ext uri="{9D8B030D-6E8A-4147-A177-3AD203B41FA5}">
-                      <a16:colId xmlns:a16="http://schemas.microsoft.com/office/drawing/2014/main" val="709345255"/>
-                    </a:ext>
-                  </a:extLst>
-                </a:gridCol>
-                <a:gridCol w="812800">
-                  <a:extLst>
-                    <a:ext uri="{9D8B030D-6E8A-4147-A177-3AD203B41FA5}">
-                      <a16:colId xmlns:a16="http://schemas.microsoft.com/office/drawing/2014/main" val="3923253023"/>
-                    </a:ext>
-                  </a:extLst>
-                </a:gridCol>
-                <a:gridCol w="812800">
-                  <a:extLst>
-                    <a:ext uri="{9D8B030D-6E8A-4147-A177-3AD203B41FA5}">
-                      <a16:colId xmlns:a16="http://schemas.microsoft.com/office/drawing/2014/main" val="1716753877"/>
-                    </a:ext>
-                  </a:extLst>
-                </a:gridCol>
-                <a:gridCol w="812800">
-                  <a:extLst>
-                    <a:ext uri="{9D8B030D-6E8A-4147-A177-3AD203B41FA5}">
-                      <a16:colId xmlns:a16="http://schemas.microsoft.com/office/drawing/2014/main" val="3861973541"/>
-                    </a:ext>
-                  </a:extLst>
-                </a:gridCol>
-              </a:tblGrid>
-              <a:tr h="370840">
-                <a:tc>
-                  <a:txBody>
-                    <a:bodyPr/>
-                    <a:lstStyle/>
-                    <a:p>
-                      <a:pPr algn="ctr"/>
-                      <a:r>
-                        <a:rPr lang="en-US" dirty="0"/>
-                        <a:t>0</a:t>
-                      </a:r>
-                    </a:p>
-                  </a:txBody>
-                  <a:tcPr/>
-                </a:tc>
-                <a:tc>
-                  <a:txBody>
-                    <a:bodyPr/>
-                    <a:lstStyle/>
-                    <a:p>
-                      <a:pPr algn="ctr"/>
-                      <a:r>
-                        <a:rPr lang="en-US" dirty="0"/>
-                        <a:t>1</a:t>
-                      </a:r>
-                    </a:p>
-                  </a:txBody>
-                  <a:tcPr/>
-                </a:tc>
-                <a:tc>
-                  <a:txBody>
-                    <a:bodyPr/>
-                    <a:lstStyle/>
-                    <a:p>
-                      <a:pPr algn="ctr"/>
-                      <a:r>
-                        <a:rPr lang="en-US" dirty="0"/>
-                        <a:t>2</a:t>
-                      </a:r>
-                    </a:p>
-                  </a:txBody>
-                  <a:tcPr/>
-                </a:tc>
-                <a:tc>
-                  <a:txBody>
-                    <a:bodyPr/>
-                    <a:lstStyle/>
-                    <a:p>
-                      <a:pPr algn="ctr"/>
-                      <a:r>
-                        <a:rPr lang="en-US" dirty="0"/>
-                        <a:t>3</a:t>
-                      </a:r>
-                    </a:p>
-                  </a:txBody>
-                  <a:tcPr/>
-                </a:tc>
-                <a:tc>
-                  <a:txBody>
-                    <a:bodyPr/>
-                    <a:lstStyle/>
-                    <a:p>
-                      <a:pPr algn="ctr"/>
-                      <a:r>
-                        <a:rPr lang="en-US" dirty="0"/>
-                        <a:t>4</a:t>
-                      </a:r>
-                    </a:p>
-                  </a:txBody>
-                  <a:tcPr/>
-                </a:tc>
-                <a:tc>
-                  <a:txBody>
-                    <a:bodyPr/>
-                    <a:lstStyle/>
-                    <a:p>
-                      <a:pPr algn="ctr"/>
-                      <a:r>
-                        <a:rPr lang="en-US" dirty="0"/>
-                        <a:t>5</a:t>
-                      </a:r>
-                    </a:p>
-                  </a:txBody>
-                  <a:tcPr/>
-                </a:tc>
-                <a:tc>
-                  <a:txBody>
-                    <a:bodyPr/>
-                    <a:lstStyle/>
-                    <a:p>
-                      <a:pPr algn="ctr"/>
-                      <a:r>
-                        <a:rPr lang="en-US" dirty="0"/>
-                        <a:t>6</a:t>
-                      </a:r>
-                    </a:p>
-                  </a:txBody>
-                  <a:tcPr/>
-                </a:tc>
-                <a:tc>
-                  <a:txBody>
-                    <a:bodyPr/>
-                    <a:lstStyle/>
-                    <a:p>
-                      <a:pPr algn="ctr"/>
-                      <a:r>
-                        <a:rPr lang="en-US" dirty="0"/>
-                        <a:t>7</a:t>
-                      </a:r>
-                    </a:p>
-                  </a:txBody>
-                  <a:tcPr/>
-                </a:tc>
-                <a:tc>
-                  <a:txBody>
-                    <a:bodyPr/>
-                    <a:lstStyle/>
-                    <a:p>
-                      <a:pPr algn="ctr"/>
-                      <a:r>
-                        <a:rPr lang="en-US" dirty="0"/>
-                        <a:t>8</a:t>
-                      </a:r>
-                    </a:p>
-                  </a:txBody>
-                  <a:tcPr/>
-                </a:tc>
-                <a:tc>
-                  <a:txBody>
-                    <a:bodyPr/>
-                    <a:lstStyle/>
-                    <a:p>
-                      <a:pPr algn="ctr"/>
-                      <a:r>
-                        <a:rPr lang="en-US" dirty="0"/>
-                        <a:t>9</a:t>
-                      </a:r>
-                    </a:p>
-                  </a:txBody>
-                  <a:tcPr/>
-                </a:tc>
-                <a:extLst>
-                  <a:ext uri="{0D108BD9-81ED-4DB2-BD59-A6C34878D82A}">
-                    <a16:rowId xmlns:a16="http://schemas.microsoft.com/office/drawing/2014/main" val="2765812171"/>
-                  </a:ext>
-                </a:extLst>
-              </a:tr>
-              <a:tr h="370840">
-                <a:tc>
-                  <a:txBody>
-                    <a:bodyPr/>
-                    <a:lstStyle/>
-                    <a:p>
-                      <a:pPr algn="ctr"/>
-                      <a:r>
-                        <a:rPr lang="en-US" dirty="0"/>
-                        <a:t>0</a:t>
-                      </a:r>
-                    </a:p>
-                  </a:txBody>
-                  <a:tcPr/>
-                </a:tc>
-                <a:tc>
-                  <a:txBody>
-                    <a:bodyPr/>
-                    <a:lstStyle/>
-                    <a:p>
-                      <a:pPr algn="ctr"/>
-                      <a:r>
-                        <a:rPr lang="en-US" dirty="0"/>
-                        <a:t>2</a:t>
-                      </a:r>
-                    </a:p>
-                  </a:txBody>
-                  <a:tcPr/>
-                </a:tc>
-                <a:tc>
-                  <a:txBody>
-                    <a:bodyPr/>
-                    <a:lstStyle/>
-                    <a:p>
-                      <a:pPr algn="ctr"/>
-                      <a:r>
-                        <a:rPr lang="en-US" dirty="0"/>
-                        <a:t>4</a:t>
-                      </a:r>
-                    </a:p>
-                  </a:txBody>
-                  <a:tcPr/>
-                </a:tc>
-                <a:tc>
-                  <a:txBody>
-                    <a:bodyPr/>
-                    <a:lstStyle/>
-                    <a:p>
-                      <a:pPr algn="ctr"/>
-                      <a:r>
-                        <a:rPr lang="en-US" dirty="0"/>
-                        <a:t>4</a:t>
-                      </a:r>
-                    </a:p>
-                  </a:txBody>
-                  <a:tcPr/>
-                </a:tc>
-                <a:tc>
-                  <a:txBody>
-                    <a:bodyPr/>
-                    <a:lstStyle/>
-                    <a:p>
-                      <a:pPr algn="ctr"/>
-                      <a:r>
-                        <a:rPr lang="en-US" dirty="0"/>
-                        <a:t>5</a:t>
-                      </a:r>
-                    </a:p>
-                  </a:txBody>
-                  <a:tcPr/>
-                </a:tc>
-                <a:tc>
-                  <a:txBody>
-                    <a:bodyPr/>
-                    <a:lstStyle/>
-                    <a:p>
-                      <a:pPr algn="ctr"/>
-                      <a:r>
-                        <a:rPr lang="en-US" dirty="0"/>
-                        <a:t>6</a:t>
-                      </a:r>
-                    </a:p>
-                  </a:txBody>
-                  <a:tcPr/>
-                </a:tc>
-                <a:tc>
-                  <a:txBody>
-                    <a:bodyPr/>
-                    <a:lstStyle/>
-                    <a:p>
-                      <a:pPr algn="ctr"/>
-                      <a:r>
-                        <a:rPr lang="en-US" dirty="0"/>
-                        <a:t>6</a:t>
-                      </a:r>
-                    </a:p>
-                  </a:txBody>
-                  <a:tcPr/>
-                </a:tc>
-                <a:tc>
-                  <a:txBody>
-                    <a:bodyPr/>
-                    <a:lstStyle/>
-                    <a:p>
-                      <a:pPr algn="ctr"/>
-                      <a:r>
-                        <a:rPr lang="en-US" dirty="0"/>
-                        <a:t>7</a:t>
-                      </a:r>
-                    </a:p>
-                  </a:txBody>
-                  <a:tcPr/>
-                </a:tc>
-                <a:tc>
-                  <a:txBody>
-                    <a:bodyPr/>
-                    <a:lstStyle/>
-                    <a:p>
-                      <a:pPr algn="ctr"/>
-                      <a:r>
-                        <a:rPr lang="en-US" dirty="0"/>
-                        <a:t>7</a:t>
-                      </a:r>
-                    </a:p>
-                  </a:txBody>
-                  <a:tcPr/>
-                </a:tc>
-                <a:tc>
-                  <a:txBody>
-                    <a:bodyPr/>
-                    <a:lstStyle/>
-                    <a:p>
-                      <a:pPr algn="ctr"/>
-                      <a:r>
-                        <a:rPr lang="en-US" dirty="0"/>
-                        <a:t>7</a:t>
-                      </a:r>
-                    </a:p>
-                  </a:txBody>
-                  <a:tcPr/>
-                </a:tc>
-                <a:extLst>
-                  <a:ext uri="{0D108BD9-81ED-4DB2-BD59-A6C34878D82A}">
-                    <a16:rowId xmlns:a16="http://schemas.microsoft.com/office/drawing/2014/main" val="3386332166"/>
-                  </a:ext>
-                </a:extLst>
-              </a:tr>
-            </a:tbl>
-          </a:graphicData>
-        </a:graphic>
-      </p:graphicFrame>
-      <p:graphicFrame>
-        <p:nvGraphicFramePr>
-          <p:cNvPr id="13" name="Table 12">
-            <a:extLst>
-              <a:ext uri="{FF2B5EF4-FFF2-40B4-BE49-F238E27FC236}">
-                <a16:creationId xmlns:a16="http://schemas.microsoft.com/office/drawing/2014/main" id="{7DF57C87-258D-5B53-8A80-D4584C7769EF}"/>
-              </a:ext>
-            </a:extLst>
-          </p:cNvPr>
-          <p:cNvGraphicFramePr>
-            <a:graphicFrameLocks noGrp="1"/>
-          </p:cNvGraphicFramePr>
-          <p:nvPr>
-            <p:extLst>
-              <p:ext uri="{D42A27DB-BD31-4B8C-83A1-F6EECF244321}">
-                <p14:modId xmlns:p14="http://schemas.microsoft.com/office/powerpoint/2010/main" val="3188240726"/>
-              </p:ext>
-            </p:extLst>
-          </p:nvPr>
-        </p:nvGraphicFramePr>
-        <p:xfrm>
-          <a:off x="3251200" y="5503558"/>
-          <a:ext cx="5689600" cy="741680"/>
-        </p:xfrm>
-        <a:graphic>
-          <a:graphicData uri="http://schemas.openxmlformats.org/drawingml/2006/table">
-            <a:tbl>
-              <a:tblPr firstRow="1" bandRow="1">
-                <a:tableStyleId>{5940675A-B579-460E-94D1-54222C63F5DA}</a:tableStyleId>
-              </a:tblPr>
-              <a:tblGrid>
-                <a:gridCol w="812800">
-                  <a:extLst>
-                    <a:ext uri="{9D8B030D-6E8A-4147-A177-3AD203B41FA5}">
-                      <a16:colId xmlns:a16="http://schemas.microsoft.com/office/drawing/2014/main" val="30752810"/>
-                    </a:ext>
-                  </a:extLst>
-                </a:gridCol>
-                <a:gridCol w="812800">
-                  <a:extLst>
-                    <a:ext uri="{9D8B030D-6E8A-4147-A177-3AD203B41FA5}">
-                      <a16:colId xmlns:a16="http://schemas.microsoft.com/office/drawing/2014/main" val="2416112794"/>
-                    </a:ext>
-                  </a:extLst>
-                </a:gridCol>
-                <a:gridCol w="812800">
-                  <a:extLst>
-                    <a:ext uri="{9D8B030D-6E8A-4147-A177-3AD203B41FA5}">
-                      <a16:colId xmlns:a16="http://schemas.microsoft.com/office/drawing/2014/main" val="3172211012"/>
-                    </a:ext>
-                  </a:extLst>
-                </a:gridCol>
-                <a:gridCol w="812800">
-                  <a:extLst>
-                    <a:ext uri="{9D8B030D-6E8A-4147-A177-3AD203B41FA5}">
-                      <a16:colId xmlns:a16="http://schemas.microsoft.com/office/drawing/2014/main" val="2286246230"/>
-                    </a:ext>
-                  </a:extLst>
-                </a:gridCol>
-                <a:gridCol w="812800">
-                  <a:extLst>
-                    <a:ext uri="{9D8B030D-6E8A-4147-A177-3AD203B41FA5}">
-                      <a16:colId xmlns:a16="http://schemas.microsoft.com/office/drawing/2014/main" val="1400922798"/>
-                    </a:ext>
-                  </a:extLst>
-                </a:gridCol>
-                <a:gridCol w="812800">
-                  <a:extLst>
-                    <a:ext uri="{9D8B030D-6E8A-4147-A177-3AD203B41FA5}">
-                      <a16:colId xmlns:a16="http://schemas.microsoft.com/office/drawing/2014/main" val="29029823"/>
-                    </a:ext>
-                  </a:extLst>
-                </a:gridCol>
-                <a:gridCol w="812800">
-                  <a:extLst>
-                    <a:ext uri="{9D8B030D-6E8A-4147-A177-3AD203B41FA5}">
-                      <a16:colId xmlns:a16="http://schemas.microsoft.com/office/drawing/2014/main" val="709345255"/>
-                    </a:ext>
-                  </a:extLst>
-                </a:gridCol>
-              </a:tblGrid>
-              <a:tr h="370840">
-                <a:tc>
-                  <a:txBody>
-                    <a:bodyPr/>
-                    <a:lstStyle/>
-                    <a:p>
-                      <a:pPr algn="ctr"/>
-                      <a:r>
-                        <a:rPr lang="en-US" dirty="0"/>
-                        <a:t>0</a:t>
-                      </a:r>
-                    </a:p>
-                  </a:txBody>
-                  <a:tcPr/>
-                </a:tc>
-                <a:tc>
-                  <a:txBody>
-                    <a:bodyPr/>
-                    <a:lstStyle/>
-                    <a:p>
-                      <a:pPr algn="ctr"/>
-                      <a:r>
-                        <a:rPr lang="en-US" dirty="0"/>
-                        <a:t>1</a:t>
-                      </a:r>
-                    </a:p>
-                  </a:txBody>
-                  <a:tcPr/>
-                </a:tc>
-                <a:tc>
-                  <a:txBody>
-                    <a:bodyPr/>
-                    <a:lstStyle/>
-                    <a:p>
-                      <a:pPr algn="ctr"/>
-                      <a:r>
-                        <a:rPr lang="en-US" dirty="0"/>
-                        <a:t>2</a:t>
-                      </a:r>
-                    </a:p>
-                  </a:txBody>
-                  <a:tcPr/>
-                </a:tc>
-                <a:tc>
-                  <a:txBody>
-                    <a:bodyPr/>
-                    <a:lstStyle/>
-                    <a:p>
-                      <a:pPr algn="ctr"/>
-                      <a:r>
-                        <a:rPr lang="en-US" dirty="0"/>
-                        <a:t>3</a:t>
-                      </a:r>
-                    </a:p>
-                  </a:txBody>
-                  <a:tcPr/>
-                </a:tc>
-                <a:tc>
-                  <a:txBody>
-                    <a:bodyPr/>
-                    <a:lstStyle/>
-                    <a:p>
-                      <a:pPr algn="ctr"/>
-                      <a:r>
-                        <a:rPr lang="en-US" dirty="0"/>
-                        <a:t>4</a:t>
-                      </a:r>
-                    </a:p>
-                  </a:txBody>
-                  <a:tcPr/>
-                </a:tc>
-                <a:tc>
-                  <a:txBody>
-                    <a:bodyPr/>
-                    <a:lstStyle/>
-                    <a:p>
-                      <a:pPr algn="ctr"/>
-                      <a:r>
-                        <a:rPr lang="en-US" dirty="0"/>
-                        <a:t>5</a:t>
-                      </a:r>
-                    </a:p>
-                  </a:txBody>
-                  <a:tcPr/>
-                </a:tc>
-                <a:tc>
-                  <a:txBody>
-                    <a:bodyPr/>
-                    <a:lstStyle/>
-                    <a:p>
-                      <a:pPr algn="ctr"/>
-                      <a:r>
-                        <a:rPr lang="en-US" dirty="0"/>
-                        <a:t>6</a:t>
-                      </a:r>
-                    </a:p>
-                  </a:txBody>
-                  <a:tcPr/>
-                </a:tc>
-                <a:extLst>
-                  <a:ext uri="{0D108BD9-81ED-4DB2-BD59-A6C34878D82A}">
-                    <a16:rowId xmlns:a16="http://schemas.microsoft.com/office/drawing/2014/main" val="2765812171"/>
-                  </a:ext>
-                </a:extLst>
-              </a:tr>
-              <a:tr h="370840">
-                <a:tc>
-                  <a:txBody>
-                    <a:bodyPr/>
-                    <a:lstStyle/>
-                    <a:p>
-                      <a:pPr algn="ctr"/>
-                      <a:r>
-                        <a:rPr lang="en-US" dirty="0"/>
-                        <a:t>1</a:t>
-                      </a:r>
-                    </a:p>
-                  </a:txBody>
-                  <a:tcPr/>
-                </a:tc>
-                <a:tc>
-                  <a:txBody>
-                    <a:bodyPr/>
-                    <a:lstStyle/>
-                    <a:p>
-                      <a:pPr algn="ctr"/>
-                      <a:r>
-                        <a:rPr lang="en-US" dirty="0"/>
-                        <a:t>1</a:t>
-                      </a:r>
-                    </a:p>
-                  </a:txBody>
-                  <a:tcPr/>
-                </a:tc>
-                <a:tc>
-                  <a:txBody>
-                    <a:bodyPr/>
-                    <a:lstStyle/>
-                    <a:p>
-                      <a:pPr algn="ctr"/>
-                      <a:r>
-                        <a:rPr lang="en-US" dirty="0"/>
-                        <a:t>2</a:t>
-                      </a:r>
-                    </a:p>
-                  </a:txBody>
-                  <a:tcPr/>
-                </a:tc>
-                <a:tc>
-                  <a:txBody>
-                    <a:bodyPr/>
-                    <a:lstStyle/>
-                    <a:p>
-                      <a:pPr algn="ctr"/>
-                      <a:r>
-                        <a:rPr lang="en-US" dirty="0"/>
-                        <a:t>2</a:t>
-                      </a:r>
-                    </a:p>
-                  </a:txBody>
-                  <a:tcPr/>
-                </a:tc>
-                <a:tc>
-                  <a:txBody>
-                    <a:bodyPr/>
-                    <a:lstStyle/>
-                    <a:p>
-                      <a:pPr algn="ctr"/>
-                      <a:r>
-                        <a:rPr lang="en-US" dirty="0"/>
-                        <a:t>4</a:t>
-                      </a:r>
-                    </a:p>
-                  </a:txBody>
-                  <a:tcPr/>
-                </a:tc>
-                <a:tc>
-                  <a:txBody>
-                    <a:bodyPr/>
-                    <a:lstStyle/>
-                    <a:p>
-                      <a:pPr algn="ctr"/>
-                      <a:r>
-                        <a:rPr lang="en-US" dirty="0"/>
-                        <a:t>5</a:t>
-                      </a:r>
-                    </a:p>
-                  </a:txBody>
-                  <a:tcPr/>
-                </a:tc>
-                <a:tc>
-                  <a:txBody>
-                    <a:bodyPr/>
-                    <a:lstStyle/>
-                    <a:p>
-                      <a:pPr algn="ctr"/>
-                      <a:r>
-                        <a:rPr lang="en-US" dirty="0"/>
-                        <a:t>7</a:t>
-                      </a:r>
-                    </a:p>
-                  </a:txBody>
-                  <a:tcPr/>
-                </a:tc>
-                <a:extLst>
-                  <a:ext uri="{0D108BD9-81ED-4DB2-BD59-A6C34878D82A}">
-                    <a16:rowId xmlns:a16="http://schemas.microsoft.com/office/drawing/2014/main" val="3386332166"/>
-                  </a:ext>
-                </a:extLst>
-              </a:tr>
-            </a:tbl>
-          </a:graphicData>
-        </a:graphic>
-      </p:graphicFrame>
     </p:spTree>
     <p:extLst>
       <p:ext uri="{BB962C8B-B14F-4D97-AF65-F5344CB8AC3E}">
@@ -6681,7 +6080,7 @@
           <p:nvPr>
             <p:extLst>
               <p:ext uri="{D42A27DB-BD31-4B8C-83A1-F6EECF244321}">
-                <p14:modId xmlns:p14="http://schemas.microsoft.com/office/powerpoint/2010/main" val="2268544018"/>
+                <p14:modId xmlns:p14="http://schemas.microsoft.com/office/powerpoint/2010/main" val="411881545"/>
               </p:ext>
             </p:extLst>
           </p:nvPr>
@@ -6922,9 +6321,2757 @@
                     <a:lstStyle/>
                     <a:p>
                       <a:pPr algn="ctr"/>
+                      <a:endParaRPr lang="en-US" dirty="0"/>
+                    </a:p>
+                  </a:txBody>
+                  <a:tcPr/>
+                </a:tc>
+                <a:tc>
+                  <a:txBody>
+                    <a:bodyPr/>
+                    <a:lstStyle/>
+                    <a:p>
+                      <a:pPr algn="ctr"/>
+                      <a:endParaRPr lang="en-US" dirty="0"/>
+                    </a:p>
+                  </a:txBody>
+                  <a:tcPr/>
+                </a:tc>
+                <a:tc>
+                  <a:txBody>
+                    <a:bodyPr/>
+                    <a:lstStyle/>
+                    <a:p>
+                      <a:pPr algn="ctr"/>
+                      <a:endParaRPr lang="en-US" dirty="0"/>
+                    </a:p>
+                  </a:txBody>
+                  <a:tcPr/>
+                </a:tc>
+                <a:tc>
+                  <a:txBody>
+                    <a:bodyPr/>
+                    <a:lstStyle/>
+                    <a:p>
+                      <a:pPr algn="ctr"/>
+                      <a:endParaRPr lang="en-US" dirty="0"/>
+                    </a:p>
+                  </a:txBody>
+                  <a:tcPr/>
+                </a:tc>
+                <a:tc>
+                  <a:txBody>
+                    <a:bodyPr/>
+                    <a:lstStyle/>
+                    <a:p>
+                      <a:pPr algn="ctr"/>
+                      <a:endParaRPr lang="en-US" dirty="0"/>
+                    </a:p>
+                  </a:txBody>
+                  <a:tcPr/>
+                </a:tc>
+                <a:tc>
+                  <a:txBody>
+                    <a:bodyPr/>
+                    <a:lstStyle/>
+                    <a:p>
+                      <a:pPr algn="ctr"/>
+                      <a:endParaRPr lang="en-US" dirty="0"/>
+                    </a:p>
+                  </a:txBody>
+                  <a:tcPr/>
+                </a:tc>
+                <a:tc>
+                  <a:txBody>
+                    <a:bodyPr/>
+                    <a:lstStyle/>
+                    <a:p>
+                      <a:pPr algn="ctr"/>
+                      <a:endParaRPr lang="en-US" dirty="0"/>
+                    </a:p>
+                  </a:txBody>
+                  <a:tcPr/>
+                </a:tc>
+                <a:tc>
+                  <a:txBody>
+                    <a:bodyPr/>
+                    <a:lstStyle/>
+                    <a:p>
+                      <a:pPr algn="ctr"/>
+                      <a:endParaRPr lang="en-US" dirty="0"/>
+                    </a:p>
+                  </a:txBody>
+                  <a:tcPr/>
+                </a:tc>
+                <a:tc>
+                  <a:txBody>
+                    <a:bodyPr/>
+                    <a:lstStyle/>
+                    <a:p>
+                      <a:pPr algn="ctr"/>
+                      <a:endParaRPr lang="en-US" dirty="0"/>
+                    </a:p>
+                  </a:txBody>
+                  <a:tcPr/>
+                </a:tc>
+                <a:tc>
+                  <a:txBody>
+                    <a:bodyPr/>
+                    <a:lstStyle/>
+                    <a:p>
+                      <a:pPr algn="ctr"/>
+                      <a:endParaRPr lang="en-US" dirty="0"/>
+                    </a:p>
+                  </a:txBody>
+                  <a:tcPr/>
+                </a:tc>
+                <a:extLst>
+                  <a:ext uri="{0D108BD9-81ED-4DB2-BD59-A6C34878D82A}">
+                    <a16:rowId xmlns:a16="http://schemas.microsoft.com/office/drawing/2014/main" val="3386332166"/>
+                  </a:ext>
+                </a:extLst>
+              </a:tr>
+            </a:tbl>
+          </a:graphicData>
+        </a:graphic>
+      </p:graphicFrame>
+      <p:sp>
+        <p:nvSpPr>
+          <p:cNvPr id="3" name="TextBox 2">
+            <a:extLst>
+              <a:ext uri="{FF2B5EF4-FFF2-40B4-BE49-F238E27FC236}">
+                <a16:creationId xmlns:a16="http://schemas.microsoft.com/office/drawing/2014/main" id="{91A8DF1A-49EA-3917-9117-546010C5298F}"/>
+              </a:ext>
+            </a:extLst>
+          </p:cNvPr>
+          <p:cNvSpPr txBox="1"/>
+          <p:nvPr/>
+        </p:nvSpPr>
+        <p:spPr>
+          <a:xfrm>
+            <a:off x="2129697" y="2297849"/>
+            <a:ext cx="1097597" cy="369332"/>
+          </a:xfrm>
+          <a:prstGeom prst="rect">
+            <a:avLst/>
+          </a:prstGeom>
+          <a:noFill/>
+        </p:spPr>
+        <p:txBody>
+          <a:bodyPr wrap="square" rtlCol="0">
+            <a:spAutoFit/>
+          </a:bodyPr>
+          <a:lstStyle/>
+          <a:p>
+            <a:pPr algn="ctr"/>
+            <a:r>
+              <a:rPr lang="en-US" dirty="0"/>
+              <a:t>2</a:t>
+            </a:r>
+          </a:p>
+        </p:txBody>
+      </p:sp>
+      <p:sp>
+        <p:nvSpPr>
+          <p:cNvPr id="4" name="TextBox 3">
+            <a:extLst>
+              <a:ext uri="{FF2B5EF4-FFF2-40B4-BE49-F238E27FC236}">
+                <a16:creationId xmlns:a16="http://schemas.microsoft.com/office/drawing/2014/main" id="{89E28753-74C0-AD0F-EF4D-2535EE900432}"/>
+              </a:ext>
+            </a:extLst>
+          </p:cNvPr>
+          <p:cNvSpPr txBox="1"/>
+          <p:nvPr/>
+        </p:nvSpPr>
+        <p:spPr>
+          <a:xfrm>
+            <a:off x="1025565" y="2296341"/>
+            <a:ext cx="1097597" cy="369332"/>
+          </a:xfrm>
+          <a:prstGeom prst="rect">
+            <a:avLst/>
+          </a:prstGeom>
+          <a:noFill/>
+        </p:spPr>
+        <p:txBody>
+          <a:bodyPr wrap="square" rtlCol="0">
+            <a:spAutoFit/>
+          </a:bodyPr>
+          <a:lstStyle/>
+          <a:p>
+            <a:pPr algn="ctr"/>
+            <a:r>
+              <a:rPr lang="en-US" dirty="0"/>
+              <a:t>0</a:t>
+            </a:r>
+          </a:p>
+        </p:txBody>
+      </p:sp>
+      <p:sp>
+        <p:nvSpPr>
+          <p:cNvPr id="7" name="TextBox 6">
+            <a:extLst>
+              <a:ext uri="{FF2B5EF4-FFF2-40B4-BE49-F238E27FC236}">
+                <a16:creationId xmlns:a16="http://schemas.microsoft.com/office/drawing/2014/main" id="{2BF75335-0F49-9AC6-F41D-C921FA68252E}"/>
+              </a:ext>
+            </a:extLst>
+          </p:cNvPr>
+          <p:cNvSpPr txBox="1"/>
+          <p:nvPr/>
+        </p:nvSpPr>
+        <p:spPr>
+          <a:xfrm>
+            <a:off x="3241326" y="2302811"/>
+            <a:ext cx="1097598" cy="369332"/>
+          </a:xfrm>
+          <a:prstGeom prst="rect">
+            <a:avLst/>
+          </a:prstGeom>
+          <a:noFill/>
+        </p:spPr>
+        <p:txBody>
+          <a:bodyPr wrap="square" rtlCol="0">
+            <a:spAutoFit/>
+          </a:bodyPr>
+          <a:lstStyle/>
+          <a:p>
+            <a:pPr algn="ctr"/>
+            <a:r>
+              <a:rPr lang="en-US" dirty="0"/>
+              <a:t>2</a:t>
+            </a:r>
+          </a:p>
+        </p:txBody>
+      </p:sp>
+      <p:sp>
+        <p:nvSpPr>
+          <p:cNvPr id="8" name="TextBox 7">
+            <a:extLst>
+              <a:ext uri="{FF2B5EF4-FFF2-40B4-BE49-F238E27FC236}">
+                <a16:creationId xmlns:a16="http://schemas.microsoft.com/office/drawing/2014/main" id="{4B591312-A0D1-1395-8A34-2A9B7065085B}"/>
+              </a:ext>
+            </a:extLst>
+          </p:cNvPr>
+          <p:cNvSpPr txBox="1"/>
+          <p:nvPr/>
+        </p:nvSpPr>
+        <p:spPr>
+          <a:xfrm>
+            <a:off x="4345459" y="2307773"/>
+            <a:ext cx="1105094" cy="369332"/>
+          </a:xfrm>
+          <a:prstGeom prst="rect">
+            <a:avLst/>
+          </a:prstGeom>
+          <a:noFill/>
+        </p:spPr>
+        <p:txBody>
+          <a:bodyPr wrap="square" rtlCol="0">
+            <a:spAutoFit/>
+          </a:bodyPr>
+          <a:lstStyle/>
+          <a:p>
+            <a:pPr algn="ctr"/>
+            <a:r>
+              <a:rPr lang="en-US" dirty="0"/>
+              <a:t>0</a:t>
+            </a:r>
+          </a:p>
+        </p:txBody>
+      </p:sp>
+      <p:sp>
+        <p:nvSpPr>
+          <p:cNvPr id="9" name="TextBox 8">
+            <a:extLst>
+              <a:ext uri="{FF2B5EF4-FFF2-40B4-BE49-F238E27FC236}">
+                <a16:creationId xmlns:a16="http://schemas.microsoft.com/office/drawing/2014/main" id="{44CA9343-4B16-A736-CBA8-18944F3B770C}"/>
+              </a:ext>
+            </a:extLst>
+          </p:cNvPr>
+          <p:cNvSpPr txBox="1"/>
+          <p:nvPr/>
+        </p:nvSpPr>
+        <p:spPr>
+          <a:xfrm>
+            <a:off x="5464888" y="2296341"/>
+            <a:ext cx="1089797" cy="369332"/>
+          </a:xfrm>
+          <a:prstGeom prst="rect">
+            <a:avLst/>
+          </a:prstGeom>
+          <a:noFill/>
+        </p:spPr>
+        <p:txBody>
+          <a:bodyPr wrap="square" rtlCol="0">
+            <a:spAutoFit/>
+          </a:bodyPr>
+          <a:lstStyle/>
+          <a:p>
+            <a:pPr algn="ctr"/>
+            <a:r>
+              <a:rPr lang="en-US" dirty="0"/>
+              <a:t>1</a:t>
+            </a:r>
+          </a:p>
+        </p:txBody>
+      </p:sp>
+      <p:sp>
+        <p:nvSpPr>
+          <p:cNvPr id="10" name="TextBox 9">
+            <a:extLst>
+              <a:ext uri="{FF2B5EF4-FFF2-40B4-BE49-F238E27FC236}">
+                <a16:creationId xmlns:a16="http://schemas.microsoft.com/office/drawing/2014/main" id="{95576FEA-3B79-600E-D111-EC5163A80835}"/>
+              </a:ext>
+            </a:extLst>
+          </p:cNvPr>
+          <p:cNvSpPr txBox="1"/>
+          <p:nvPr/>
+        </p:nvSpPr>
+        <p:spPr>
+          <a:xfrm>
+            <a:off x="6568303" y="2307773"/>
+            <a:ext cx="1089797" cy="369332"/>
+          </a:xfrm>
+          <a:prstGeom prst="rect">
+            <a:avLst/>
+          </a:prstGeom>
+          <a:noFill/>
+        </p:spPr>
+        <p:txBody>
+          <a:bodyPr wrap="square" rtlCol="0">
+            <a:spAutoFit/>
+          </a:bodyPr>
+          <a:lstStyle/>
+          <a:p>
+            <a:pPr algn="ctr"/>
+            <a:r>
+              <a:rPr lang="en-US" dirty="0"/>
+              <a:t>1</a:t>
+            </a:r>
+          </a:p>
+        </p:txBody>
+      </p:sp>
+      <p:sp>
+        <p:nvSpPr>
+          <p:cNvPr id="11" name="TextBox 10">
+            <a:extLst>
+              <a:ext uri="{FF2B5EF4-FFF2-40B4-BE49-F238E27FC236}">
+                <a16:creationId xmlns:a16="http://schemas.microsoft.com/office/drawing/2014/main" id="{8735CA24-CF4D-1DD5-A06A-4839BE5F97E9}"/>
+              </a:ext>
+            </a:extLst>
+          </p:cNvPr>
+          <p:cNvSpPr txBox="1"/>
+          <p:nvPr/>
+        </p:nvSpPr>
+        <p:spPr>
+          <a:xfrm>
+            <a:off x="7680648" y="2296341"/>
+            <a:ext cx="1097599" cy="369332"/>
+          </a:xfrm>
+          <a:prstGeom prst="rect">
+            <a:avLst/>
+          </a:prstGeom>
+          <a:noFill/>
+        </p:spPr>
+        <p:txBody>
+          <a:bodyPr wrap="square" rtlCol="0">
+            <a:spAutoFit/>
+          </a:bodyPr>
+          <a:lstStyle/>
+          <a:p>
+            <a:pPr algn="ctr"/>
+            <a:r>
+              <a:rPr lang="en-US" dirty="0"/>
+              <a:t>0</a:t>
+            </a:r>
+          </a:p>
+        </p:txBody>
+      </p:sp>
+      <p:sp>
+        <p:nvSpPr>
+          <p:cNvPr id="14" name="TextBox 13">
+            <a:extLst>
+              <a:ext uri="{FF2B5EF4-FFF2-40B4-BE49-F238E27FC236}">
+                <a16:creationId xmlns:a16="http://schemas.microsoft.com/office/drawing/2014/main" id="{4D37127A-C19B-3AC9-80E0-6784E3DADB7A}"/>
+              </a:ext>
+            </a:extLst>
+          </p:cNvPr>
+          <p:cNvSpPr txBox="1"/>
+          <p:nvPr/>
+        </p:nvSpPr>
+        <p:spPr>
+          <a:xfrm>
+            <a:off x="8778247" y="2296341"/>
+            <a:ext cx="1118164" cy="369332"/>
+          </a:xfrm>
+          <a:prstGeom prst="rect">
+            <a:avLst/>
+          </a:prstGeom>
+          <a:noFill/>
+        </p:spPr>
+        <p:txBody>
+          <a:bodyPr wrap="square" rtlCol="0">
+            <a:spAutoFit/>
+          </a:bodyPr>
+          <a:lstStyle/>
+          <a:p>
+            <a:pPr algn="ctr"/>
+            <a:r>
+              <a:rPr lang="en-US" dirty="0"/>
+              <a:t>1</a:t>
+            </a:r>
+          </a:p>
+        </p:txBody>
+      </p:sp>
+      <p:sp>
+        <p:nvSpPr>
+          <p:cNvPr id="15" name="TextBox 14">
+            <a:extLst>
+              <a:ext uri="{FF2B5EF4-FFF2-40B4-BE49-F238E27FC236}">
+                <a16:creationId xmlns:a16="http://schemas.microsoft.com/office/drawing/2014/main" id="{97EF37B2-35C9-8A9C-7742-57F695677718}"/>
+              </a:ext>
+            </a:extLst>
+          </p:cNvPr>
+          <p:cNvSpPr txBox="1"/>
+          <p:nvPr/>
+        </p:nvSpPr>
+        <p:spPr>
+          <a:xfrm>
+            <a:off x="9896410" y="2296341"/>
+            <a:ext cx="1097599" cy="369332"/>
+          </a:xfrm>
+          <a:prstGeom prst="rect">
+            <a:avLst/>
+          </a:prstGeom>
+          <a:noFill/>
+        </p:spPr>
+        <p:txBody>
+          <a:bodyPr wrap="square" rtlCol="0">
+            <a:spAutoFit/>
+          </a:bodyPr>
+          <a:lstStyle/>
+          <a:p>
+            <a:pPr algn="ctr"/>
+            <a:r>
+              <a:rPr lang="en-US" dirty="0"/>
+              <a:t>0</a:t>
+            </a:r>
+          </a:p>
+        </p:txBody>
+      </p:sp>
+      <p:sp>
+        <p:nvSpPr>
+          <p:cNvPr id="16" name="TextBox 15">
+            <a:extLst>
+              <a:ext uri="{FF2B5EF4-FFF2-40B4-BE49-F238E27FC236}">
+                <a16:creationId xmlns:a16="http://schemas.microsoft.com/office/drawing/2014/main" id="{03AF4147-AEBC-7B0E-6797-CDD34DC4B008}"/>
+              </a:ext>
+            </a:extLst>
+          </p:cNvPr>
+          <p:cNvSpPr txBox="1"/>
+          <p:nvPr/>
+        </p:nvSpPr>
+        <p:spPr>
+          <a:xfrm>
+            <a:off x="11008339" y="2303486"/>
+            <a:ext cx="1097599" cy="369332"/>
+          </a:xfrm>
+          <a:prstGeom prst="rect">
+            <a:avLst/>
+          </a:prstGeom>
+          <a:noFill/>
+        </p:spPr>
+        <p:txBody>
+          <a:bodyPr wrap="square" rtlCol="0">
+            <a:spAutoFit/>
+          </a:bodyPr>
+          <a:lstStyle/>
+          <a:p>
+            <a:pPr algn="ctr"/>
+            <a:r>
+              <a:rPr lang="en-US" dirty="0"/>
+              <a:t>0</a:t>
+            </a:r>
+          </a:p>
+        </p:txBody>
+      </p:sp>
+      <p:sp>
+        <p:nvSpPr>
+          <p:cNvPr id="5" name="TextBox 4">
+            <a:extLst>
+              <a:ext uri="{FF2B5EF4-FFF2-40B4-BE49-F238E27FC236}">
+                <a16:creationId xmlns:a16="http://schemas.microsoft.com/office/drawing/2014/main" id="{98E453D7-009E-B52B-1AEF-28283FE1EE1A}"/>
+              </a:ext>
+            </a:extLst>
+          </p:cNvPr>
+          <p:cNvSpPr txBox="1"/>
+          <p:nvPr/>
+        </p:nvSpPr>
+        <p:spPr>
+          <a:xfrm>
+            <a:off x="2032000" y="4192328"/>
+            <a:ext cx="811408" cy="369332"/>
+          </a:xfrm>
+          <a:prstGeom prst="rect">
+            <a:avLst/>
+          </a:prstGeom>
+          <a:noFill/>
+        </p:spPr>
+        <p:txBody>
+          <a:bodyPr wrap="square" rtlCol="0">
+            <a:spAutoFit/>
+          </a:bodyPr>
+          <a:lstStyle/>
+          <a:p>
+            <a:pPr algn="ctr"/>
+            <a:r>
+              <a:rPr lang="en-US" dirty="0"/>
+              <a:t>0</a:t>
+            </a:r>
+          </a:p>
+        </p:txBody>
+      </p:sp>
+      <p:sp>
+        <p:nvSpPr>
+          <p:cNvPr id="13" name="TextBox 12">
+            <a:extLst>
+              <a:ext uri="{FF2B5EF4-FFF2-40B4-BE49-F238E27FC236}">
+                <a16:creationId xmlns:a16="http://schemas.microsoft.com/office/drawing/2014/main" id="{AC392D03-3506-5576-4A2D-9D5DD7CC867F}"/>
+              </a:ext>
+            </a:extLst>
+          </p:cNvPr>
+          <p:cNvSpPr txBox="1"/>
+          <p:nvPr/>
+        </p:nvSpPr>
+        <p:spPr>
+          <a:xfrm>
+            <a:off x="2843408" y="4192328"/>
+            <a:ext cx="811408" cy="369332"/>
+          </a:xfrm>
+          <a:prstGeom prst="rect">
+            <a:avLst/>
+          </a:prstGeom>
+          <a:noFill/>
+        </p:spPr>
+        <p:txBody>
+          <a:bodyPr wrap="square" rtlCol="0">
+            <a:spAutoFit/>
+          </a:bodyPr>
+          <a:lstStyle/>
+          <a:p>
+            <a:pPr algn="ctr"/>
+            <a:r>
+              <a:rPr lang="en-US" dirty="0"/>
+              <a:t>2</a:t>
+            </a:r>
+          </a:p>
+        </p:txBody>
+      </p:sp>
+      <p:sp>
+        <p:nvSpPr>
+          <p:cNvPr id="17" name="TextBox 16">
+            <a:extLst>
+              <a:ext uri="{FF2B5EF4-FFF2-40B4-BE49-F238E27FC236}">
+                <a16:creationId xmlns:a16="http://schemas.microsoft.com/office/drawing/2014/main" id="{FD6AC51E-B969-4AA2-4210-91450A496440}"/>
+              </a:ext>
+            </a:extLst>
+          </p:cNvPr>
+          <p:cNvSpPr txBox="1"/>
+          <p:nvPr/>
+        </p:nvSpPr>
+        <p:spPr>
+          <a:xfrm>
+            <a:off x="3654816" y="4190820"/>
+            <a:ext cx="811408" cy="369332"/>
+          </a:xfrm>
+          <a:prstGeom prst="rect">
+            <a:avLst/>
+          </a:prstGeom>
+          <a:noFill/>
+        </p:spPr>
+        <p:txBody>
+          <a:bodyPr wrap="square" rtlCol="0">
+            <a:spAutoFit/>
+          </a:bodyPr>
+          <a:lstStyle/>
+          <a:p>
+            <a:pPr algn="ctr"/>
+            <a:r>
+              <a:rPr lang="en-US" dirty="0"/>
+              <a:t>4</a:t>
+            </a:r>
+          </a:p>
+        </p:txBody>
+      </p:sp>
+      <p:sp>
+        <p:nvSpPr>
+          <p:cNvPr id="18" name="TextBox 17">
+            <a:extLst>
+              <a:ext uri="{FF2B5EF4-FFF2-40B4-BE49-F238E27FC236}">
+                <a16:creationId xmlns:a16="http://schemas.microsoft.com/office/drawing/2014/main" id="{BA8B625E-5E0C-A61D-8D89-6466B0C6264E}"/>
+              </a:ext>
+            </a:extLst>
+          </p:cNvPr>
+          <p:cNvSpPr txBox="1"/>
+          <p:nvPr/>
+        </p:nvSpPr>
+        <p:spPr>
+          <a:xfrm>
+            <a:off x="4466224" y="4190820"/>
+            <a:ext cx="811408" cy="369332"/>
+          </a:xfrm>
+          <a:prstGeom prst="rect">
+            <a:avLst/>
+          </a:prstGeom>
+          <a:noFill/>
+        </p:spPr>
+        <p:txBody>
+          <a:bodyPr wrap="square" rtlCol="0">
+            <a:spAutoFit/>
+          </a:bodyPr>
+          <a:lstStyle/>
+          <a:p>
+            <a:pPr algn="ctr"/>
+            <a:r>
+              <a:rPr lang="en-US" dirty="0"/>
+              <a:t>4</a:t>
+            </a:r>
+          </a:p>
+        </p:txBody>
+      </p:sp>
+      <p:sp>
+        <p:nvSpPr>
+          <p:cNvPr id="19" name="TextBox 18">
+            <a:extLst>
+              <a:ext uri="{FF2B5EF4-FFF2-40B4-BE49-F238E27FC236}">
+                <a16:creationId xmlns:a16="http://schemas.microsoft.com/office/drawing/2014/main" id="{DB6B8E7F-6567-8BF6-7868-010D6F2E5E65}"/>
+              </a:ext>
+            </a:extLst>
+          </p:cNvPr>
+          <p:cNvSpPr txBox="1"/>
+          <p:nvPr/>
+        </p:nvSpPr>
+        <p:spPr>
+          <a:xfrm>
+            <a:off x="5277632" y="4190820"/>
+            <a:ext cx="811408" cy="369332"/>
+          </a:xfrm>
+          <a:prstGeom prst="rect">
+            <a:avLst/>
+          </a:prstGeom>
+          <a:noFill/>
+        </p:spPr>
+        <p:txBody>
+          <a:bodyPr wrap="square" rtlCol="0">
+            <a:spAutoFit/>
+          </a:bodyPr>
+          <a:lstStyle/>
+          <a:p>
+            <a:pPr algn="ctr"/>
+            <a:r>
+              <a:rPr lang="en-US" dirty="0"/>
+              <a:t>5</a:t>
+            </a:r>
+          </a:p>
+        </p:txBody>
+      </p:sp>
+      <p:sp>
+        <p:nvSpPr>
+          <p:cNvPr id="20" name="TextBox 19">
+            <a:extLst>
+              <a:ext uri="{FF2B5EF4-FFF2-40B4-BE49-F238E27FC236}">
+                <a16:creationId xmlns:a16="http://schemas.microsoft.com/office/drawing/2014/main" id="{164BB792-263A-1C58-F5E6-DFF1FFEEC600}"/>
+              </a:ext>
+            </a:extLst>
+          </p:cNvPr>
+          <p:cNvSpPr txBox="1"/>
+          <p:nvPr/>
+        </p:nvSpPr>
+        <p:spPr>
+          <a:xfrm>
+            <a:off x="6102962" y="4190820"/>
+            <a:ext cx="811408" cy="369332"/>
+          </a:xfrm>
+          <a:prstGeom prst="rect">
+            <a:avLst/>
+          </a:prstGeom>
+          <a:noFill/>
+        </p:spPr>
+        <p:txBody>
+          <a:bodyPr wrap="square" rtlCol="0">
+            <a:spAutoFit/>
+          </a:bodyPr>
+          <a:lstStyle/>
+          <a:p>
+            <a:pPr algn="ctr"/>
+            <a:r>
+              <a:rPr lang="en-US" dirty="0"/>
+              <a:t>6</a:t>
+            </a:r>
+          </a:p>
+        </p:txBody>
+      </p:sp>
+      <p:sp>
+        <p:nvSpPr>
+          <p:cNvPr id="21" name="TextBox 20">
+            <a:extLst>
+              <a:ext uri="{FF2B5EF4-FFF2-40B4-BE49-F238E27FC236}">
+                <a16:creationId xmlns:a16="http://schemas.microsoft.com/office/drawing/2014/main" id="{1227505E-CDC9-542C-B894-FECFC0D66F8E}"/>
+              </a:ext>
+            </a:extLst>
+          </p:cNvPr>
+          <p:cNvSpPr txBox="1"/>
+          <p:nvPr/>
+        </p:nvSpPr>
+        <p:spPr>
+          <a:xfrm>
+            <a:off x="6914370" y="4190820"/>
+            <a:ext cx="811408" cy="369332"/>
+          </a:xfrm>
+          <a:prstGeom prst="rect">
+            <a:avLst/>
+          </a:prstGeom>
+          <a:noFill/>
+        </p:spPr>
+        <p:txBody>
+          <a:bodyPr wrap="square" rtlCol="0">
+            <a:spAutoFit/>
+          </a:bodyPr>
+          <a:lstStyle/>
+          <a:p>
+            <a:pPr algn="ctr"/>
+            <a:r>
+              <a:rPr lang="en-US" dirty="0"/>
+              <a:t>6</a:t>
+            </a:r>
+          </a:p>
+        </p:txBody>
+      </p:sp>
+      <p:sp>
+        <p:nvSpPr>
+          <p:cNvPr id="22" name="TextBox 21">
+            <a:extLst>
+              <a:ext uri="{FF2B5EF4-FFF2-40B4-BE49-F238E27FC236}">
+                <a16:creationId xmlns:a16="http://schemas.microsoft.com/office/drawing/2014/main" id="{F9321B5D-DB5D-5A17-45BF-50245713DA3C}"/>
+              </a:ext>
+            </a:extLst>
+          </p:cNvPr>
+          <p:cNvSpPr txBox="1"/>
+          <p:nvPr/>
+        </p:nvSpPr>
+        <p:spPr>
+          <a:xfrm>
+            <a:off x="7725777" y="4190820"/>
+            <a:ext cx="811408" cy="369332"/>
+          </a:xfrm>
+          <a:prstGeom prst="rect">
+            <a:avLst/>
+          </a:prstGeom>
+          <a:noFill/>
+        </p:spPr>
+        <p:txBody>
+          <a:bodyPr wrap="square" rtlCol="0">
+            <a:spAutoFit/>
+          </a:bodyPr>
+          <a:lstStyle/>
+          <a:p>
+            <a:pPr algn="ctr"/>
+            <a:r>
+              <a:rPr lang="en-US" dirty="0"/>
+              <a:t>7</a:t>
+            </a:r>
+          </a:p>
+        </p:txBody>
+      </p:sp>
+      <p:sp>
+        <p:nvSpPr>
+          <p:cNvPr id="23" name="TextBox 22">
+            <a:extLst>
+              <a:ext uri="{FF2B5EF4-FFF2-40B4-BE49-F238E27FC236}">
+                <a16:creationId xmlns:a16="http://schemas.microsoft.com/office/drawing/2014/main" id="{19D7A153-6924-397C-C3EC-083EFE0AEEAC}"/>
+              </a:ext>
+            </a:extLst>
+          </p:cNvPr>
+          <p:cNvSpPr txBox="1"/>
+          <p:nvPr/>
+        </p:nvSpPr>
+        <p:spPr>
+          <a:xfrm>
+            <a:off x="8537185" y="4189312"/>
+            <a:ext cx="811408" cy="369332"/>
+          </a:xfrm>
+          <a:prstGeom prst="rect">
+            <a:avLst/>
+          </a:prstGeom>
+          <a:noFill/>
+        </p:spPr>
+        <p:txBody>
+          <a:bodyPr wrap="square" rtlCol="0">
+            <a:spAutoFit/>
+          </a:bodyPr>
+          <a:lstStyle/>
+          <a:p>
+            <a:pPr algn="ctr"/>
+            <a:r>
+              <a:rPr lang="en-US" dirty="0"/>
+              <a:t>7</a:t>
+            </a:r>
+          </a:p>
+        </p:txBody>
+      </p:sp>
+      <p:sp>
+        <p:nvSpPr>
+          <p:cNvPr id="26" name="TextBox 25">
+            <a:extLst>
+              <a:ext uri="{FF2B5EF4-FFF2-40B4-BE49-F238E27FC236}">
+                <a16:creationId xmlns:a16="http://schemas.microsoft.com/office/drawing/2014/main" id="{ECD2AEEE-F4AE-9E91-6B40-3BEFCF15FC81}"/>
+              </a:ext>
+            </a:extLst>
+          </p:cNvPr>
+          <p:cNvSpPr txBox="1"/>
+          <p:nvPr/>
+        </p:nvSpPr>
+        <p:spPr>
+          <a:xfrm>
+            <a:off x="9348592" y="4189312"/>
+            <a:ext cx="811408" cy="369332"/>
+          </a:xfrm>
+          <a:prstGeom prst="rect">
+            <a:avLst/>
+          </a:prstGeom>
+          <a:noFill/>
+        </p:spPr>
+        <p:txBody>
+          <a:bodyPr wrap="square" rtlCol="0">
+            <a:spAutoFit/>
+          </a:bodyPr>
+          <a:lstStyle/>
+          <a:p>
+            <a:pPr algn="ctr"/>
+            <a:r>
+              <a:rPr lang="en-US" dirty="0"/>
+              <a:t>7</a:t>
+            </a:r>
+          </a:p>
+        </p:txBody>
+      </p:sp>
+    </p:spTree>
+    <p:extLst>
+      <p:ext uri="{BB962C8B-B14F-4D97-AF65-F5344CB8AC3E}">
+        <p14:creationId xmlns:p14="http://schemas.microsoft.com/office/powerpoint/2010/main" val="1334579640"/>
+      </p:ext>
+    </p:extLst>
+  </p:cSld>
+  <p:clrMapOvr>
+    <a:masterClrMapping/>
+  </p:clrMapOvr>
+  <p:timing>
+    <p:tnLst>
+      <p:par>
+        <p:cTn id="1" dur="indefinite" restart="never" nodeType="tmRoot">
+          <p:childTnLst>
+            <p:seq concurrent="1" nextAc="seek">
+              <p:cTn id="2" dur="indefinite" nodeType="mainSeq">
+                <p:childTnLst>
+                  <p:par>
+                    <p:cTn id="3" fill="hold">
+                      <p:stCondLst>
+                        <p:cond delay="indefinite"/>
+                      </p:stCondLst>
+                      <p:childTnLst>
+                        <p:par>
+                          <p:cTn id="4" fill="hold">
+                            <p:stCondLst>
+                              <p:cond delay="0"/>
+                            </p:stCondLst>
+                            <p:childTnLst>
+                              <p:par>
+                                <p:cTn id="5" presetID="1" presetClass="emph" presetSubtype="2" fill="hold" nodeType="clickEffect">
+                                  <p:stCondLst>
+                                    <p:cond delay="0"/>
+                                  </p:stCondLst>
+                                  <p:childTnLst>
+                                    <p:animClr clrSpc="rgb" dir="cw">
+                                      <p:cBhvr>
+                                        <p:cTn id="6" dur="2000" fill="hold"/>
+                                        <p:tgtEl>
+                                          <p:spTgt spid="4"/>
+                                        </p:tgtEl>
+                                        <p:attrNameLst>
+                                          <p:attrName>fillcolor</p:attrName>
+                                        </p:attrNameLst>
+                                      </p:cBhvr>
+                                      <p:to>
+                                        <a:srgbClr val="00B050"/>
+                                      </p:to>
+                                    </p:animClr>
+                                    <p:set>
+                                      <p:cBhvr>
+                                        <p:cTn id="7" dur="2000" fill="hold"/>
+                                        <p:tgtEl>
+                                          <p:spTgt spid="4"/>
+                                        </p:tgtEl>
+                                        <p:attrNameLst>
+                                          <p:attrName>fill.type</p:attrName>
+                                        </p:attrNameLst>
+                                      </p:cBhvr>
+                                      <p:to>
+                                        <p:strVal val="solid"/>
+                                      </p:to>
+                                    </p:set>
+                                    <p:set>
+                                      <p:cBhvr>
+                                        <p:cTn id="8" dur="2000" fill="hold"/>
+                                        <p:tgtEl>
+                                          <p:spTgt spid="4"/>
+                                        </p:tgtEl>
+                                        <p:attrNameLst>
+                                          <p:attrName>fill.on</p:attrName>
+                                        </p:attrNameLst>
+                                      </p:cBhvr>
+                                      <p:to>
+                                        <p:strVal val="true"/>
+                                      </p:to>
+                                    </p:set>
+                                  </p:childTnLst>
+                                </p:cTn>
+                              </p:par>
+                            </p:childTnLst>
+                          </p:cTn>
+                        </p:par>
+                      </p:childTnLst>
+                    </p:cTn>
+                  </p:par>
+                  <p:par>
+                    <p:cTn id="9" fill="hold">
+                      <p:stCondLst>
+                        <p:cond delay="indefinite"/>
+                      </p:stCondLst>
+                      <p:childTnLst>
+                        <p:par>
+                          <p:cTn id="10" fill="hold">
+                            <p:stCondLst>
+                              <p:cond delay="0"/>
+                            </p:stCondLst>
+                            <p:childTnLst>
+                              <p:par>
+                                <p:cTn id="11" presetID="42" presetClass="entr" presetSubtype="0" fill="hold" nodeType="clickEffect">
+                                  <p:stCondLst>
+                                    <p:cond delay="0"/>
+                                  </p:stCondLst>
+                                  <p:childTnLst>
+                                    <p:set>
+                                      <p:cBhvr>
+                                        <p:cTn id="12" dur="1" fill="hold">
+                                          <p:stCondLst>
+                                            <p:cond delay="0"/>
+                                          </p:stCondLst>
+                                        </p:cTn>
+                                        <p:tgtEl>
+                                          <p:spTgt spid="5"/>
+                                        </p:tgtEl>
+                                        <p:attrNameLst>
+                                          <p:attrName>style.visibility</p:attrName>
+                                        </p:attrNameLst>
+                                      </p:cBhvr>
+                                      <p:to>
+                                        <p:strVal val="visible"/>
+                                      </p:to>
+                                    </p:set>
+                                    <p:animEffect transition="in" filter="fade">
+                                      <p:cBhvr>
+                                        <p:cTn id="13" dur="1000"/>
+                                        <p:tgtEl>
+                                          <p:spTgt spid="5"/>
+                                        </p:tgtEl>
+                                      </p:cBhvr>
+                                    </p:animEffect>
+                                    <p:anim calcmode="lin" valueType="num">
+                                      <p:cBhvr>
+                                        <p:cTn id="14" dur="1000" fill="hold"/>
+                                        <p:tgtEl>
+                                          <p:spTgt spid="5"/>
+                                        </p:tgtEl>
+                                        <p:attrNameLst>
+                                          <p:attrName>ppt_x</p:attrName>
+                                        </p:attrNameLst>
+                                      </p:cBhvr>
+                                      <p:tavLst>
+                                        <p:tav tm="0">
+                                          <p:val>
+                                            <p:strVal val="#ppt_x"/>
+                                          </p:val>
+                                        </p:tav>
+                                        <p:tav tm="100000">
+                                          <p:val>
+                                            <p:strVal val="#ppt_x"/>
+                                          </p:val>
+                                        </p:tav>
+                                      </p:tavLst>
+                                    </p:anim>
+                                    <p:anim calcmode="lin" valueType="num">
+                                      <p:cBhvr>
+                                        <p:cTn id="15" dur="1000" fill="hold"/>
+                                        <p:tgtEl>
+                                          <p:spTgt spid="5"/>
+                                        </p:tgtEl>
+                                        <p:attrNameLst>
+                                          <p:attrName>ppt_y</p:attrName>
+                                        </p:attrNameLst>
+                                      </p:cBhvr>
+                                      <p:tavLst>
+                                        <p:tav tm="0">
+                                          <p:val>
+                                            <p:strVal val="#ppt_y+.1"/>
+                                          </p:val>
+                                        </p:tav>
+                                        <p:tav tm="100000">
+                                          <p:val>
+                                            <p:strVal val="#ppt_y"/>
+                                          </p:val>
+                                        </p:tav>
+                                      </p:tavLst>
+                                    </p:anim>
+                                  </p:childTnLst>
+                                </p:cTn>
+                              </p:par>
+                            </p:childTnLst>
+                          </p:cTn>
+                        </p:par>
+                      </p:childTnLst>
+                    </p:cTn>
+                  </p:par>
+                  <p:par>
+                    <p:cTn id="16" fill="hold">
+                      <p:stCondLst>
+                        <p:cond delay="indefinite"/>
+                      </p:stCondLst>
+                      <p:childTnLst>
+                        <p:par>
+                          <p:cTn id="17" fill="hold">
+                            <p:stCondLst>
+                              <p:cond delay="0"/>
+                            </p:stCondLst>
+                            <p:childTnLst>
+                              <p:par>
+                                <p:cTn id="18" presetID="1" presetClass="emph" presetSubtype="2" fill="hold" nodeType="clickEffect">
+                                  <p:stCondLst>
+                                    <p:cond delay="0"/>
+                                  </p:stCondLst>
+                                  <p:childTnLst>
+                                    <p:animClr clrSpc="rgb" dir="cw">
+                                      <p:cBhvr>
+                                        <p:cTn id="19" dur="2000" fill="hold"/>
+                                        <p:tgtEl>
+                                          <p:spTgt spid="3"/>
+                                        </p:tgtEl>
+                                        <p:attrNameLst>
+                                          <p:attrName>fillcolor</p:attrName>
+                                        </p:attrNameLst>
+                                      </p:cBhvr>
+                                      <p:to>
+                                        <a:srgbClr val="00B050"/>
+                                      </p:to>
+                                    </p:animClr>
+                                    <p:set>
+                                      <p:cBhvr>
+                                        <p:cTn id="20" dur="2000" fill="hold"/>
+                                        <p:tgtEl>
+                                          <p:spTgt spid="3"/>
+                                        </p:tgtEl>
+                                        <p:attrNameLst>
+                                          <p:attrName>fill.type</p:attrName>
+                                        </p:attrNameLst>
+                                      </p:cBhvr>
+                                      <p:to>
+                                        <p:strVal val="solid"/>
+                                      </p:to>
+                                    </p:set>
+                                    <p:set>
+                                      <p:cBhvr>
+                                        <p:cTn id="21" dur="2000" fill="hold"/>
+                                        <p:tgtEl>
+                                          <p:spTgt spid="3"/>
+                                        </p:tgtEl>
+                                        <p:attrNameLst>
+                                          <p:attrName>fill.on</p:attrName>
+                                        </p:attrNameLst>
+                                      </p:cBhvr>
+                                      <p:to>
+                                        <p:strVal val="true"/>
+                                      </p:to>
+                                    </p:set>
+                                  </p:childTnLst>
+                                </p:cTn>
+                              </p:par>
+                            </p:childTnLst>
+                          </p:cTn>
+                        </p:par>
+                      </p:childTnLst>
+                    </p:cTn>
+                  </p:par>
+                  <p:par>
+                    <p:cTn id="22" fill="hold">
+                      <p:stCondLst>
+                        <p:cond delay="indefinite"/>
+                      </p:stCondLst>
+                      <p:childTnLst>
+                        <p:par>
+                          <p:cTn id="23" fill="hold">
+                            <p:stCondLst>
+                              <p:cond delay="0"/>
+                            </p:stCondLst>
+                            <p:childTnLst>
+                              <p:par>
+                                <p:cTn id="24" presetID="42" presetClass="entr" presetSubtype="0" fill="hold" nodeType="clickEffect">
+                                  <p:stCondLst>
+                                    <p:cond delay="0"/>
+                                  </p:stCondLst>
+                                  <p:childTnLst>
+                                    <p:set>
+                                      <p:cBhvr>
+                                        <p:cTn id="25" dur="1" fill="hold">
+                                          <p:stCondLst>
+                                            <p:cond delay="0"/>
+                                          </p:stCondLst>
+                                        </p:cTn>
+                                        <p:tgtEl>
+                                          <p:spTgt spid="13"/>
+                                        </p:tgtEl>
+                                        <p:attrNameLst>
+                                          <p:attrName>style.visibility</p:attrName>
+                                        </p:attrNameLst>
+                                      </p:cBhvr>
+                                      <p:to>
+                                        <p:strVal val="visible"/>
+                                      </p:to>
+                                    </p:set>
+                                    <p:animEffect transition="in" filter="fade">
+                                      <p:cBhvr>
+                                        <p:cTn id="26" dur="1000"/>
+                                        <p:tgtEl>
+                                          <p:spTgt spid="13"/>
+                                        </p:tgtEl>
+                                      </p:cBhvr>
+                                    </p:animEffect>
+                                    <p:anim calcmode="lin" valueType="num">
+                                      <p:cBhvr>
+                                        <p:cTn id="27" dur="1000" fill="hold"/>
+                                        <p:tgtEl>
+                                          <p:spTgt spid="13"/>
+                                        </p:tgtEl>
+                                        <p:attrNameLst>
+                                          <p:attrName>ppt_x</p:attrName>
+                                        </p:attrNameLst>
+                                      </p:cBhvr>
+                                      <p:tavLst>
+                                        <p:tav tm="0">
+                                          <p:val>
+                                            <p:strVal val="#ppt_x"/>
+                                          </p:val>
+                                        </p:tav>
+                                        <p:tav tm="100000">
+                                          <p:val>
+                                            <p:strVal val="#ppt_x"/>
+                                          </p:val>
+                                        </p:tav>
+                                      </p:tavLst>
+                                    </p:anim>
+                                    <p:anim calcmode="lin" valueType="num">
+                                      <p:cBhvr>
+                                        <p:cTn id="28" dur="1000" fill="hold"/>
+                                        <p:tgtEl>
+                                          <p:spTgt spid="13"/>
+                                        </p:tgtEl>
+                                        <p:attrNameLst>
+                                          <p:attrName>ppt_y</p:attrName>
+                                        </p:attrNameLst>
+                                      </p:cBhvr>
+                                      <p:tavLst>
+                                        <p:tav tm="0">
+                                          <p:val>
+                                            <p:strVal val="#ppt_y+.1"/>
+                                          </p:val>
+                                        </p:tav>
+                                        <p:tav tm="100000">
+                                          <p:val>
+                                            <p:strVal val="#ppt_y"/>
+                                          </p:val>
+                                        </p:tav>
+                                      </p:tavLst>
+                                    </p:anim>
+                                  </p:childTnLst>
+                                </p:cTn>
+                              </p:par>
+                            </p:childTnLst>
+                          </p:cTn>
+                        </p:par>
+                      </p:childTnLst>
+                    </p:cTn>
+                  </p:par>
+                  <p:par>
+                    <p:cTn id="29" fill="hold">
+                      <p:stCondLst>
+                        <p:cond delay="indefinite"/>
+                      </p:stCondLst>
+                      <p:childTnLst>
+                        <p:par>
+                          <p:cTn id="30" fill="hold">
+                            <p:stCondLst>
+                              <p:cond delay="0"/>
+                            </p:stCondLst>
+                            <p:childTnLst>
+                              <p:par>
+                                <p:cTn id="31" presetID="1" presetClass="emph" presetSubtype="2" fill="hold" nodeType="clickEffect">
+                                  <p:stCondLst>
+                                    <p:cond delay="0"/>
+                                  </p:stCondLst>
+                                  <p:childTnLst>
+                                    <p:animClr clrSpc="rgb" dir="cw">
+                                      <p:cBhvr>
+                                        <p:cTn id="32" dur="2000" fill="hold"/>
+                                        <p:tgtEl>
+                                          <p:spTgt spid="7"/>
+                                        </p:tgtEl>
+                                        <p:attrNameLst>
+                                          <p:attrName>fillcolor</p:attrName>
+                                        </p:attrNameLst>
+                                      </p:cBhvr>
+                                      <p:to>
+                                        <a:srgbClr val="00B050"/>
+                                      </p:to>
+                                    </p:animClr>
+                                    <p:set>
+                                      <p:cBhvr>
+                                        <p:cTn id="33" dur="2000" fill="hold"/>
+                                        <p:tgtEl>
+                                          <p:spTgt spid="7"/>
+                                        </p:tgtEl>
+                                        <p:attrNameLst>
+                                          <p:attrName>fill.type</p:attrName>
+                                        </p:attrNameLst>
+                                      </p:cBhvr>
+                                      <p:to>
+                                        <p:strVal val="solid"/>
+                                      </p:to>
+                                    </p:set>
+                                    <p:set>
+                                      <p:cBhvr>
+                                        <p:cTn id="34" dur="2000" fill="hold"/>
+                                        <p:tgtEl>
+                                          <p:spTgt spid="7"/>
+                                        </p:tgtEl>
+                                        <p:attrNameLst>
+                                          <p:attrName>fill.on</p:attrName>
+                                        </p:attrNameLst>
+                                      </p:cBhvr>
+                                      <p:to>
+                                        <p:strVal val="true"/>
+                                      </p:to>
+                                    </p:set>
+                                  </p:childTnLst>
+                                </p:cTn>
+                              </p:par>
+                            </p:childTnLst>
+                          </p:cTn>
+                        </p:par>
+                      </p:childTnLst>
+                    </p:cTn>
+                  </p:par>
+                  <p:par>
+                    <p:cTn id="35" fill="hold">
+                      <p:stCondLst>
+                        <p:cond delay="indefinite"/>
+                      </p:stCondLst>
+                      <p:childTnLst>
+                        <p:par>
+                          <p:cTn id="36" fill="hold">
+                            <p:stCondLst>
+                              <p:cond delay="0"/>
+                            </p:stCondLst>
+                            <p:childTnLst>
+                              <p:par>
+                                <p:cTn id="37" presetID="42" presetClass="entr" presetSubtype="0" fill="hold" nodeType="clickEffect">
+                                  <p:stCondLst>
+                                    <p:cond delay="0"/>
+                                  </p:stCondLst>
+                                  <p:childTnLst>
+                                    <p:set>
+                                      <p:cBhvr>
+                                        <p:cTn id="38" dur="1" fill="hold">
+                                          <p:stCondLst>
+                                            <p:cond delay="0"/>
+                                          </p:stCondLst>
+                                        </p:cTn>
+                                        <p:tgtEl>
+                                          <p:spTgt spid="17"/>
+                                        </p:tgtEl>
+                                        <p:attrNameLst>
+                                          <p:attrName>style.visibility</p:attrName>
+                                        </p:attrNameLst>
+                                      </p:cBhvr>
+                                      <p:to>
+                                        <p:strVal val="visible"/>
+                                      </p:to>
+                                    </p:set>
+                                    <p:animEffect transition="in" filter="fade">
+                                      <p:cBhvr>
+                                        <p:cTn id="39" dur="1000"/>
+                                        <p:tgtEl>
+                                          <p:spTgt spid="17"/>
+                                        </p:tgtEl>
+                                      </p:cBhvr>
+                                    </p:animEffect>
+                                    <p:anim calcmode="lin" valueType="num">
+                                      <p:cBhvr>
+                                        <p:cTn id="40" dur="1000" fill="hold"/>
+                                        <p:tgtEl>
+                                          <p:spTgt spid="17"/>
+                                        </p:tgtEl>
+                                        <p:attrNameLst>
+                                          <p:attrName>ppt_x</p:attrName>
+                                        </p:attrNameLst>
+                                      </p:cBhvr>
+                                      <p:tavLst>
+                                        <p:tav tm="0">
+                                          <p:val>
+                                            <p:strVal val="#ppt_x"/>
+                                          </p:val>
+                                        </p:tav>
+                                        <p:tav tm="100000">
+                                          <p:val>
+                                            <p:strVal val="#ppt_x"/>
+                                          </p:val>
+                                        </p:tav>
+                                      </p:tavLst>
+                                    </p:anim>
+                                    <p:anim calcmode="lin" valueType="num">
+                                      <p:cBhvr>
+                                        <p:cTn id="41" dur="1000" fill="hold"/>
+                                        <p:tgtEl>
+                                          <p:spTgt spid="17"/>
+                                        </p:tgtEl>
+                                        <p:attrNameLst>
+                                          <p:attrName>ppt_y</p:attrName>
+                                        </p:attrNameLst>
+                                      </p:cBhvr>
+                                      <p:tavLst>
+                                        <p:tav tm="0">
+                                          <p:val>
+                                            <p:strVal val="#ppt_y+.1"/>
+                                          </p:val>
+                                        </p:tav>
+                                        <p:tav tm="100000">
+                                          <p:val>
+                                            <p:strVal val="#ppt_y"/>
+                                          </p:val>
+                                        </p:tav>
+                                      </p:tavLst>
+                                    </p:anim>
+                                  </p:childTnLst>
+                                </p:cTn>
+                              </p:par>
+                            </p:childTnLst>
+                          </p:cTn>
+                        </p:par>
+                      </p:childTnLst>
+                    </p:cTn>
+                  </p:par>
+                  <p:par>
+                    <p:cTn id="42" fill="hold">
+                      <p:stCondLst>
+                        <p:cond delay="indefinite"/>
+                      </p:stCondLst>
+                      <p:childTnLst>
+                        <p:par>
+                          <p:cTn id="43" fill="hold">
+                            <p:stCondLst>
+                              <p:cond delay="0"/>
+                            </p:stCondLst>
+                            <p:childTnLst>
+                              <p:par>
+                                <p:cTn id="44" presetID="1" presetClass="emph" presetSubtype="2" fill="hold" nodeType="clickEffect">
+                                  <p:stCondLst>
+                                    <p:cond delay="0"/>
+                                  </p:stCondLst>
+                                  <p:childTnLst>
+                                    <p:animClr clrSpc="rgb" dir="cw">
+                                      <p:cBhvr>
+                                        <p:cTn id="45" dur="2000" fill="hold"/>
+                                        <p:tgtEl>
+                                          <p:spTgt spid="8"/>
+                                        </p:tgtEl>
+                                        <p:attrNameLst>
+                                          <p:attrName>fillcolor</p:attrName>
+                                        </p:attrNameLst>
+                                      </p:cBhvr>
+                                      <p:to>
+                                        <a:srgbClr val="00B050"/>
+                                      </p:to>
+                                    </p:animClr>
+                                    <p:set>
+                                      <p:cBhvr>
+                                        <p:cTn id="46" dur="2000" fill="hold"/>
+                                        <p:tgtEl>
+                                          <p:spTgt spid="8"/>
+                                        </p:tgtEl>
+                                        <p:attrNameLst>
+                                          <p:attrName>fill.type</p:attrName>
+                                        </p:attrNameLst>
+                                      </p:cBhvr>
+                                      <p:to>
+                                        <p:strVal val="solid"/>
+                                      </p:to>
+                                    </p:set>
+                                    <p:set>
+                                      <p:cBhvr>
+                                        <p:cTn id="47" dur="2000" fill="hold"/>
+                                        <p:tgtEl>
+                                          <p:spTgt spid="8"/>
+                                        </p:tgtEl>
+                                        <p:attrNameLst>
+                                          <p:attrName>fill.on</p:attrName>
+                                        </p:attrNameLst>
+                                      </p:cBhvr>
+                                      <p:to>
+                                        <p:strVal val="true"/>
+                                      </p:to>
+                                    </p:set>
+                                  </p:childTnLst>
+                                </p:cTn>
+                              </p:par>
+                            </p:childTnLst>
+                          </p:cTn>
+                        </p:par>
+                      </p:childTnLst>
+                    </p:cTn>
+                  </p:par>
+                  <p:par>
+                    <p:cTn id="48" fill="hold">
+                      <p:stCondLst>
+                        <p:cond delay="indefinite"/>
+                      </p:stCondLst>
+                      <p:childTnLst>
+                        <p:par>
+                          <p:cTn id="49" fill="hold">
+                            <p:stCondLst>
+                              <p:cond delay="0"/>
+                            </p:stCondLst>
+                            <p:childTnLst>
+                              <p:par>
+                                <p:cTn id="50" presetID="42" presetClass="entr" presetSubtype="0" fill="hold" nodeType="clickEffect">
+                                  <p:stCondLst>
+                                    <p:cond delay="0"/>
+                                  </p:stCondLst>
+                                  <p:childTnLst>
+                                    <p:set>
+                                      <p:cBhvr>
+                                        <p:cTn id="51" dur="1" fill="hold">
+                                          <p:stCondLst>
+                                            <p:cond delay="0"/>
+                                          </p:stCondLst>
+                                        </p:cTn>
+                                        <p:tgtEl>
+                                          <p:spTgt spid="18"/>
+                                        </p:tgtEl>
+                                        <p:attrNameLst>
+                                          <p:attrName>style.visibility</p:attrName>
+                                        </p:attrNameLst>
+                                      </p:cBhvr>
+                                      <p:to>
+                                        <p:strVal val="visible"/>
+                                      </p:to>
+                                    </p:set>
+                                    <p:animEffect transition="in" filter="fade">
+                                      <p:cBhvr>
+                                        <p:cTn id="52" dur="1000"/>
+                                        <p:tgtEl>
+                                          <p:spTgt spid="18"/>
+                                        </p:tgtEl>
+                                      </p:cBhvr>
+                                    </p:animEffect>
+                                    <p:anim calcmode="lin" valueType="num">
+                                      <p:cBhvr>
+                                        <p:cTn id="53" dur="1000" fill="hold"/>
+                                        <p:tgtEl>
+                                          <p:spTgt spid="18"/>
+                                        </p:tgtEl>
+                                        <p:attrNameLst>
+                                          <p:attrName>ppt_x</p:attrName>
+                                        </p:attrNameLst>
+                                      </p:cBhvr>
+                                      <p:tavLst>
+                                        <p:tav tm="0">
+                                          <p:val>
+                                            <p:strVal val="#ppt_x"/>
+                                          </p:val>
+                                        </p:tav>
+                                        <p:tav tm="100000">
+                                          <p:val>
+                                            <p:strVal val="#ppt_x"/>
+                                          </p:val>
+                                        </p:tav>
+                                      </p:tavLst>
+                                    </p:anim>
+                                    <p:anim calcmode="lin" valueType="num">
+                                      <p:cBhvr>
+                                        <p:cTn id="54" dur="1000" fill="hold"/>
+                                        <p:tgtEl>
+                                          <p:spTgt spid="18"/>
+                                        </p:tgtEl>
+                                        <p:attrNameLst>
+                                          <p:attrName>ppt_y</p:attrName>
+                                        </p:attrNameLst>
+                                      </p:cBhvr>
+                                      <p:tavLst>
+                                        <p:tav tm="0">
+                                          <p:val>
+                                            <p:strVal val="#ppt_y+.1"/>
+                                          </p:val>
+                                        </p:tav>
+                                        <p:tav tm="100000">
+                                          <p:val>
+                                            <p:strVal val="#ppt_y"/>
+                                          </p:val>
+                                        </p:tav>
+                                      </p:tavLst>
+                                    </p:anim>
+                                  </p:childTnLst>
+                                </p:cTn>
+                              </p:par>
+                            </p:childTnLst>
+                          </p:cTn>
+                        </p:par>
+                      </p:childTnLst>
+                    </p:cTn>
+                  </p:par>
+                  <p:par>
+                    <p:cTn id="55" fill="hold">
+                      <p:stCondLst>
+                        <p:cond delay="indefinite"/>
+                      </p:stCondLst>
+                      <p:childTnLst>
+                        <p:par>
+                          <p:cTn id="56" fill="hold">
+                            <p:stCondLst>
+                              <p:cond delay="0"/>
+                            </p:stCondLst>
+                            <p:childTnLst>
+                              <p:par>
+                                <p:cTn id="57" presetID="1" presetClass="emph" presetSubtype="2" fill="hold" nodeType="clickEffect">
+                                  <p:stCondLst>
+                                    <p:cond delay="0"/>
+                                  </p:stCondLst>
+                                  <p:childTnLst>
+                                    <p:animClr clrSpc="rgb" dir="cw">
+                                      <p:cBhvr>
+                                        <p:cTn id="58" dur="2000" fill="hold"/>
+                                        <p:tgtEl>
+                                          <p:spTgt spid="9"/>
+                                        </p:tgtEl>
+                                        <p:attrNameLst>
+                                          <p:attrName>fillcolor</p:attrName>
+                                        </p:attrNameLst>
+                                      </p:cBhvr>
+                                      <p:to>
+                                        <a:srgbClr val="00B050"/>
+                                      </p:to>
+                                    </p:animClr>
+                                    <p:set>
+                                      <p:cBhvr>
+                                        <p:cTn id="59" dur="2000" fill="hold"/>
+                                        <p:tgtEl>
+                                          <p:spTgt spid="9"/>
+                                        </p:tgtEl>
+                                        <p:attrNameLst>
+                                          <p:attrName>fill.type</p:attrName>
+                                        </p:attrNameLst>
+                                      </p:cBhvr>
+                                      <p:to>
+                                        <p:strVal val="solid"/>
+                                      </p:to>
+                                    </p:set>
+                                    <p:set>
+                                      <p:cBhvr>
+                                        <p:cTn id="60" dur="2000" fill="hold"/>
+                                        <p:tgtEl>
+                                          <p:spTgt spid="9"/>
+                                        </p:tgtEl>
+                                        <p:attrNameLst>
+                                          <p:attrName>fill.on</p:attrName>
+                                        </p:attrNameLst>
+                                      </p:cBhvr>
+                                      <p:to>
+                                        <p:strVal val="true"/>
+                                      </p:to>
+                                    </p:set>
+                                  </p:childTnLst>
+                                </p:cTn>
+                              </p:par>
+                            </p:childTnLst>
+                          </p:cTn>
+                        </p:par>
+                      </p:childTnLst>
+                    </p:cTn>
+                  </p:par>
+                  <p:par>
+                    <p:cTn id="61" fill="hold">
+                      <p:stCondLst>
+                        <p:cond delay="indefinite"/>
+                      </p:stCondLst>
+                      <p:childTnLst>
+                        <p:par>
+                          <p:cTn id="62" fill="hold">
+                            <p:stCondLst>
+                              <p:cond delay="0"/>
+                            </p:stCondLst>
+                            <p:childTnLst>
+                              <p:par>
+                                <p:cTn id="63" presetID="42" presetClass="entr" presetSubtype="0" fill="hold" nodeType="clickEffect">
+                                  <p:stCondLst>
+                                    <p:cond delay="0"/>
+                                  </p:stCondLst>
+                                  <p:childTnLst>
+                                    <p:set>
+                                      <p:cBhvr>
+                                        <p:cTn id="64" dur="1" fill="hold">
+                                          <p:stCondLst>
+                                            <p:cond delay="0"/>
+                                          </p:stCondLst>
+                                        </p:cTn>
+                                        <p:tgtEl>
+                                          <p:spTgt spid="19"/>
+                                        </p:tgtEl>
+                                        <p:attrNameLst>
+                                          <p:attrName>style.visibility</p:attrName>
+                                        </p:attrNameLst>
+                                      </p:cBhvr>
+                                      <p:to>
+                                        <p:strVal val="visible"/>
+                                      </p:to>
+                                    </p:set>
+                                    <p:animEffect transition="in" filter="fade">
+                                      <p:cBhvr>
+                                        <p:cTn id="65" dur="1000"/>
+                                        <p:tgtEl>
+                                          <p:spTgt spid="19"/>
+                                        </p:tgtEl>
+                                      </p:cBhvr>
+                                    </p:animEffect>
+                                    <p:anim calcmode="lin" valueType="num">
+                                      <p:cBhvr>
+                                        <p:cTn id="66" dur="1000" fill="hold"/>
+                                        <p:tgtEl>
+                                          <p:spTgt spid="19"/>
+                                        </p:tgtEl>
+                                        <p:attrNameLst>
+                                          <p:attrName>ppt_x</p:attrName>
+                                        </p:attrNameLst>
+                                      </p:cBhvr>
+                                      <p:tavLst>
+                                        <p:tav tm="0">
+                                          <p:val>
+                                            <p:strVal val="#ppt_x"/>
+                                          </p:val>
+                                        </p:tav>
+                                        <p:tav tm="100000">
+                                          <p:val>
+                                            <p:strVal val="#ppt_x"/>
+                                          </p:val>
+                                        </p:tav>
+                                      </p:tavLst>
+                                    </p:anim>
+                                    <p:anim calcmode="lin" valueType="num">
+                                      <p:cBhvr>
+                                        <p:cTn id="67" dur="1000" fill="hold"/>
+                                        <p:tgtEl>
+                                          <p:spTgt spid="19"/>
+                                        </p:tgtEl>
+                                        <p:attrNameLst>
+                                          <p:attrName>ppt_y</p:attrName>
+                                        </p:attrNameLst>
+                                      </p:cBhvr>
+                                      <p:tavLst>
+                                        <p:tav tm="0">
+                                          <p:val>
+                                            <p:strVal val="#ppt_y+.1"/>
+                                          </p:val>
+                                        </p:tav>
+                                        <p:tav tm="100000">
+                                          <p:val>
+                                            <p:strVal val="#ppt_y"/>
+                                          </p:val>
+                                        </p:tav>
+                                      </p:tavLst>
+                                    </p:anim>
+                                  </p:childTnLst>
+                                </p:cTn>
+                              </p:par>
+                            </p:childTnLst>
+                          </p:cTn>
+                        </p:par>
+                      </p:childTnLst>
+                    </p:cTn>
+                  </p:par>
+                  <p:par>
+                    <p:cTn id="68" fill="hold">
+                      <p:stCondLst>
+                        <p:cond delay="indefinite"/>
+                      </p:stCondLst>
+                      <p:childTnLst>
+                        <p:par>
+                          <p:cTn id="69" fill="hold">
+                            <p:stCondLst>
+                              <p:cond delay="0"/>
+                            </p:stCondLst>
+                            <p:childTnLst>
+                              <p:par>
+                                <p:cTn id="70" presetID="1" presetClass="emph" presetSubtype="2" fill="hold" nodeType="clickEffect">
+                                  <p:stCondLst>
+                                    <p:cond delay="0"/>
+                                  </p:stCondLst>
+                                  <p:childTnLst>
+                                    <p:animClr clrSpc="rgb" dir="cw">
+                                      <p:cBhvr>
+                                        <p:cTn id="71" dur="2000" fill="hold"/>
+                                        <p:tgtEl>
+                                          <p:spTgt spid="10"/>
+                                        </p:tgtEl>
+                                        <p:attrNameLst>
+                                          <p:attrName>fillcolor</p:attrName>
+                                        </p:attrNameLst>
+                                      </p:cBhvr>
+                                      <p:to>
+                                        <a:srgbClr val="00B050"/>
+                                      </p:to>
+                                    </p:animClr>
+                                    <p:set>
+                                      <p:cBhvr>
+                                        <p:cTn id="72" dur="2000" fill="hold"/>
+                                        <p:tgtEl>
+                                          <p:spTgt spid="10"/>
+                                        </p:tgtEl>
+                                        <p:attrNameLst>
+                                          <p:attrName>fill.type</p:attrName>
+                                        </p:attrNameLst>
+                                      </p:cBhvr>
+                                      <p:to>
+                                        <p:strVal val="solid"/>
+                                      </p:to>
+                                    </p:set>
+                                    <p:set>
+                                      <p:cBhvr>
+                                        <p:cTn id="73" dur="2000" fill="hold"/>
+                                        <p:tgtEl>
+                                          <p:spTgt spid="10"/>
+                                        </p:tgtEl>
+                                        <p:attrNameLst>
+                                          <p:attrName>fill.on</p:attrName>
+                                        </p:attrNameLst>
+                                      </p:cBhvr>
+                                      <p:to>
+                                        <p:strVal val="true"/>
+                                      </p:to>
+                                    </p:set>
+                                  </p:childTnLst>
+                                </p:cTn>
+                              </p:par>
+                            </p:childTnLst>
+                          </p:cTn>
+                        </p:par>
+                      </p:childTnLst>
+                    </p:cTn>
+                  </p:par>
+                  <p:par>
+                    <p:cTn id="74" fill="hold">
+                      <p:stCondLst>
+                        <p:cond delay="indefinite"/>
+                      </p:stCondLst>
+                      <p:childTnLst>
+                        <p:par>
+                          <p:cTn id="75" fill="hold">
+                            <p:stCondLst>
+                              <p:cond delay="0"/>
+                            </p:stCondLst>
+                            <p:childTnLst>
+                              <p:par>
+                                <p:cTn id="76" presetID="42" presetClass="entr" presetSubtype="0" fill="hold" nodeType="clickEffect">
+                                  <p:stCondLst>
+                                    <p:cond delay="0"/>
+                                  </p:stCondLst>
+                                  <p:childTnLst>
+                                    <p:set>
+                                      <p:cBhvr>
+                                        <p:cTn id="77" dur="1" fill="hold">
+                                          <p:stCondLst>
+                                            <p:cond delay="0"/>
+                                          </p:stCondLst>
+                                        </p:cTn>
+                                        <p:tgtEl>
+                                          <p:spTgt spid="20"/>
+                                        </p:tgtEl>
+                                        <p:attrNameLst>
+                                          <p:attrName>style.visibility</p:attrName>
+                                        </p:attrNameLst>
+                                      </p:cBhvr>
+                                      <p:to>
+                                        <p:strVal val="visible"/>
+                                      </p:to>
+                                    </p:set>
+                                    <p:animEffect transition="in" filter="fade">
+                                      <p:cBhvr>
+                                        <p:cTn id="78" dur="1000"/>
+                                        <p:tgtEl>
+                                          <p:spTgt spid="20"/>
+                                        </p:tgtEl>
+                                      </p:cBhvr>
+                                    </p:animEffect>
+                                    <p:anim calcmode="lin" valueType="num">
+                                      <p:cBhvr>
+                                        <p:cTn id="79" dur="1000" fill="hold"/>
+                                        <p:tgtEl>
+                                          <p:spTgt spid="20"/>
+                                        </p:tgtEl>
+                                        <p:attrNameLst>
+                                          <p:attrName>ppt_x</p:attrName>
+                                        </p:attrNameLst>
+                                      </p:cBhvr>
+                                      <p:tavLst>
+                                        <p:tav tm="0">
+                                          <p:val>
+                                            <p:strVal val="#ppt_x"/>
+                                          </p:val>
+                                        </p:tav>
+                                        <p:tav tm="100000">
+                                          <p:val>
+                                            <p:strVal val="#ppt_x"/>
+                                          </p:val>
+                                        </p:tav>
+                                      </p:tavLst>
+                                    </p:anim>
+                                    <p:anim calcmode="lin" valueType="num">
+                                      <p:cBhvr>
+                                        <p:cTn id="80" dur="1000" fill="hold"/>
+                                        <p:tgtEl>
+                                          <p:spTgt spid="20"/>
+                                        </p:tgtEl>
+                                        <p:attrNameLst>
+                                          <p:attrName>ppt_y</p:attrName>
+                                        </p:attrNameLst>
+                                      </p:cBhvr>
+                                      <p:tavLst>
+                                        <p:tav tm="0">
+                                          <p:val>
+                                            <p:strVal val="#ppt_y+.1"/>
+                                          </p:val>
+                                        </p:tav>
+                                        <p:tav tm="100000">
+                                          <p:val>
+                                            <p:strVal val="#ppt_y"/>
+                                          </p:val>
+                                        </p:tav>
+                                      </p:tavLst>
+                                    </p:anim>
+                                  </p:childTnLst>
+                                </p:cTn>
+                              </p:par>
+                            </p:childTnLst>
+                          </p:cTn>
+                        </p:par>
+                      </p:childTnLst>
+                    </p:cTn>
+                  </p:par>
+                  <p:par>
+                    <p:cTn id="81" fill="hold">
+                      <p:stCondLst>
+                        <p:cond delay="indefinite"/>
+                      </p:stCondLst>
+                      <p:childTnLst>
+                        <p:par>
+                          <p:cTn id="82" fill="hold">
+                            <p:stCondLst>
+                              <p:cond delay="0"/>
+                            </p:stCondLst>
+                            <p:childTnLst>
+                              <p:par>
+                                <p:cTn id="83" presetID="1" presetClass="emph" presetSubtype="2" fill="hold" nodeType="clickEffect">
+                                  <p:stCondLst>
+                                    <p:cond delay="0"/>
+                                  </p:stCondLst>
+                                  <p:childTnLst>
+                                    <p:animClr clrSpc="rgb" dir="cw">
+                                      <p:cBhvr>
+                                        <p:cTn id="84" dur="2000" fill="hold"/>
+                                        <p:tgtEl>
+                                          <p:spTgt spid="11"/>
+                                        </p:tgtEl>
+                                        <p:attrNameLst>
+                                          <p:attrName>fillcolor</p:attrName>
+                                        </p:attrNameLst>
+                                      </p:cBhvr>
+                                      <p:to>
+                                        <a:srgbClr val="00B050"/>
+                                      </p:to>
+                                    </p:animClr>
+                                    <p:set>
+                                      <p:cBhvr>
+                                        <p:cTn id="85" dur="2000" fill="hold"/>
+                                        <p:tgtEl>
+                                          <p:spTgt spid="11"/>
+                                        </p:tgtEl>
+                                        <p:attrNameLst>
+                                          <p:attrName>fill.type</p:attrName>
+                                        </p:attrNameLst>
+                                      </p:cBhvr>
+                                      <p:to>
+                                        <p:strVal val="solid"/>
+                                      </p:to>
+                                    </p:set>
+                                    <p:set>
+                                      <p:cBhvr>
+                                        <p:cTn id="86" dur="2000" fill="hold"/>
+                                        <p:tgtEl>
+                                          <p:spTgt spid="11"/>
+                                        </p:tgtEl>
+                                        <p:attrNameLst>
+                                          <p:attrName>fill.on</p:attrName>
+                                        </p:attrNameLst>
+                                      </p:cBhvr>
+                                      <p:to>
+                                        <p:strVal val="true"/>
+                                      </p:to>
+                                    </p:set>
+                                  </p:childTnLst>
+                                </p:cTn>
+                              </p:par>
+                            </p:childTnLst>
+                          </p:cTn>
+                        </p:par>
+                      </p:childTnLst>
+                    </p:cTn>
+                  </p:par>
+                  <p:par>
+                    <p:cTn id="87" fill="hold">
+                      <p:stCondLst>
+                        <p:cond delay="indefinite"/>
+                      </p:stCondLst>
+                      <p:childTnLst>
+                        <p:par>
+                          <p:cTn id="88" fill="hold">
+                            <p:stCondLst>
+                              <p:cond delay="0"/>
+                            </p:stCondLst>
+                            <p:childTnLst>
+                              <p:par>
+                                <p:cTn id="89" presetID="42" presetClass="entr" presetSubtype="0" fill="hold" nodeType="clickEffect">
+                                  <p:stCondLst>
+                                    <p:cond delay="0"/>
+                                  </p:stCondLst>
+                                  <p:childTnLst>
+                                    <p:set>
+                                      <p:cBhvr>
+                                        <p:cTn id="90" dur="1" fill="hold">
+                                          <p:stCondLst>
+                                            <p:cond delay="0"/>
+                                          </p:stCondLst>
+                                        </p:cTn>
+                                        <p:tgtEl>
+                                          <p:spTgt spid="21"/>
+                                        </p:tgtEl>
+                                        <p:attrNameLst>
+                                          <p:attrName>style.visibility</p:attrName>
+                                        </p:attrNameLst>
+                                      </p:cBhvr>
+                                      <p:to>
+                                        <p:strVal val="visible"/>
+                                      </p:to>
+                                    </p:set>
+                                    <p:animEffect transition="in" filter="fade">
+                                      <p:cBhvr>
+                                        <p:cTn id="91" dur="1000"/>
+                                        <p:tgtEl>
+                                          <p:spTgt spid="21"/>
+                                        </p:tgtEl>
+                                      </p:cBhvr>
+                                    </p:animEffect>
+                                    <p:anim calcmode="lin" valueType="num">
+                                      <p:cBhvr>
+                                        <p:cTn id="92" dur="1000" fill="hold"/>
+                                        <p:tgtEl>
+                                          <p:spTgt spid="21"/>
+                                        </p:tgtEl>
+                                        <p:attrNameLst>
+                                          <p:attrName>ppt_x</p:attrName>
+                                        </p:attrNameLst>
+                                      </p:cBhvr>
+                                      <p:tavLst>
+                                        <p:tav tm="0">
+                                          <p:val>
+                                            <p:strVal val="#ppt_x"/>
+                                          </p:val>
+                                        </p:tav>
+                                        <p:tav tm="100000">
+                                          <p:val>
+                                            <p:strVal val="#ppt_x"/>
+                                          </p:val>
+                                        </p:tav>
+                                      </p:tavLst>
+                                    </p:anim>
+                                    <p:anim calcmode="lin" valueType="num">
+                                      <p:cBhvr>
+                                        <p:cTn id="93" dur="1000" fill="hold"/>
+                                        <p:tgtEl>
+                                          <p:spTgt spid="21"/>
+                                        </p:tgtEl>
+                                        <p:attrNameLst>
+                                          <p:attrName>ppt_y</p:attrName>
+                                        </p:attrNameLst>
+                                      </p:cBhvr>
+                                      <p:tavLst>
+                                        <p:tav tm="0">
+                                          <p:val>
+                                            <p:strVal val="#ppt_y+.1"/>
+                                          </p:val>
+                                        </p:tav>
+                                        <p:tav tm="100000">
+                                          <p:val>
+                                            <p:strVal val="#ppt_y"/>
+                                          </p:val>
+                                        </p:tav>
+                                      </p:tavLst>
+                                    </p:anim>
+                                  </p:childTnLst>
+                                </p:cTn>
+                              </p:par>
+                            </p:childTnLst>
+                          </p:cTn>
+                        </p:par>
+                      </p:childTnLst>
+                    </p:cTn>
+                  </p:par>
+                  <p:par>
+                    <p:cTn id="94" fill="hold">
+                      <p:stCondLst>
+                        <p:cond delay="indefinite"/>
+                      </p:stCondLst>
+                      <p:childTnLst>
+                        <p:par>
+                          <p:cTn id="95" fill="hold">
+                            <p:stCondLst>
+                              <p:cond delay="0"/>
+                            </p:stCondLst>
+                            <p:childTnLst>
+                              <p:par>
+                                <p:cTn id="96" presetID="1" presetClass="emph" presetSubtype="2" fill="hold" nodeType="clickEffect">
+                                  <p:stCondLst>
+                                    <p:cond delay="0"/>
+                                  </p:stCondLst>
+                                  <p:childTnLst>
+                                    <p:animClr clrSpc="rgb" dir="cw">
+                                      <p:cBhvr>
+                                        <p:cTn id="97" dur="2000" fill="hold"/>
+                                        <p:tgtEl>
+                                          <p:spTgt spid="14"/>
+                                        </p:tgtEl>
+                                        <p:attrNameLst>
+                                          <p:attrName>fillcolor</p:attrName>
+                                        </p:attrNameLst>
+                                      </p:cBhvr>
+                                      <p:to>
+                                        <a:srgbClr val="00B050"/>
+                                      </p:to>
+                                    </p:animClr>
+                                    <p:set>
+                                      <p:cBhvr>
+                                        <p:cTn id="98" dur="2000" fill="hold"/>
+                                        <p:tgtEl>
+                                          <p:spTgt spid="14"/>
+                                        </p:tgtEl>
+                                        <p:attrNameLst>
+                                          <p:attrName>fill.type</p:attrName>
+                                        </p:attrNameLst>
+                                      </p:cBhvr>
+                                      <p:to>
+                                        <p:strVal val="solid"/>
+                                      </p:to>
+                                    </p:set>
+                                    <p:set>
+                                      <p:cBhvr>
+                                        <p:cTn id="99" dur="2000" fill="hold"/>
+                                        <p:tgtEl>
+                                          <p:spTgt spid="14"/>
+                                        </p:tgtEl>
+                                        <p:attrNameLst>
+                                          <p:attrName>fill.on</p:attrName>
+                                        </p:attrNameLst>
+                                      </p:cBhvr>
+                                      <p:to>
+                                        <p:strVal val="true"/>
+                                      </p:to>
+                                    </p:set>
+                                  </p:childTnLst>
+                                </p:cTn>
+                              </p:par>
+                            </p:childTnLst>
+                          </p:cTn>
+                        </p:par>
+                      </p:childTnLst>
+                    </p:cTn>
+                  </p:par>
+                  <p:par>
+                    <p:cTn id="100" fill="hold">
+                      <p:stCondLst>
+                        <p:cond delay="indefinite"/>
+                      </p:stCondLst>
+                      <p:childTnLst>
+                        <p:par>
+                          <p:cTn id="101" fill="hold">
+                            <p:stCondLst>
+                              <p:cond delay="0"/>
+                            </p:stCondLst>
+                            <p:childTnLst>
+                              <p:par>
+                                <p:cTn id="102" presetID="42" presetClass="entr" presetSubtype="0" fill="hold" nodeType="clickEffect">
+                                  <p:stCondLst>
+                                    <p:cond delay="0"/>
+                                  </p:stCondLst>
+                                  <p:childTnLst>
+                                    <p:set>
+                                      <p:cBhvr>
+                                        <p:cTn id="103" dur="1" fill="hold">
+                                          <p:stCondLst>
+                                            <p:cond delay="0"/>
+                                          </p:stCondLst>
+                                        </p:cTn>
+                                        <p:tgtEl>
+                                          <p:spTgt spid="22"/>
+                                        </p:tgtEl>
+                                        <p:attrNameLst>
+                                          <p:attrName>style.visibility</p:attrName>
+                                        </p:attrNameLst>
+                                      </p:cBhvr>
+                                      <p:to>
+                                        <p:strVal val="visible"/>
+                                      </p:to>
+                                    </p:set>
+                                    <p:animEffect transition="in" filter="fade">
+                                      <p:cBhvr>
+                                        <p:cTn id="104" dur="1000"/>
+                                        <p:tgtEl>
+                                          <p:spTgt spid="22"/>
+                                        </p:tgtEl>
+                                      </p:cBhvr>
+                                    </p:animEffect>
+                                    <p:anim calcmode="lin" valueType="num">
+                                      <p:cBhvr>
+                                        <p:cTn id="105" dur="1000" fill="hold"/>
+                                        <p:tgtEl>
+                                          <p:spTgt spid="22"/>
+                                        </p:tgtEl>
+                                        <p:attrNameLst>
+                                          <p:attrName>ppt_x</p:attrName>
+                                        </p:attrNameLst>
+                                      </p:cBhvr>
+                                      <p:tavLst>
+                                        <p:tav tm="0">
+                                          <p:val>
+                                            <p:strVal val="#ppt_x"/>
+                                          </p:val>
+                                        </p:tav>
+                                        <p:tav tm="100000">
+                                          <p:val>
+                                            <p:strVal val="#ppt_x"/>
+                                          </p:val>
+                                        </p:tav>
+                                      </p:tavLst>
+                                    </p:anim>
+                                    <p:anim calcmode="lin" valueType="num">
+                                      <p:cBhvr>
+                                        <p:cTn id="106" dur="1000" fill="hold"/>
+                                        <p:tgtEl>
+                                          <p:spTgt spid="22"/>
+                                        </p:tgtEl>
+                                        <p:attrNameLst>
+                                          <p:attrName>ppt_y</p:attrName>
+                                        </p:attrNameLst>
+                                      </p:cBhvr>
+                                      <p:tavLst>
+                                        <p:tav tm="0">
+                                          <p:val>
+                                            <p:strVal val="#ppt_y+.1"/>
+                                          </p:val>
+                                        </p:tav>
+                                        <p:tav tm="100000">
+                                          <p:val>
+                                            <p:strVal val="#ppt_y"/>
+                                          </p:val>
+                                        </p:tav>
+                                      </p:tavLst>
+                                    </p:anim>
+                                  </p:childTnLst>
+                                </p:cTn>
+                              </p:par>
+                            </p:childTnLst>
+                          </p:cTn>
+                        </p:par>
+                      </p:childTnLst>
+                    </p:cTn>
+                  </p:par>
+                  <p:par>
+                    <p:cTn id="107" fill="hold">
+                      <p:stCondLst>
+                        <p:cond delay="indefinite"/>
+                      </p:stCondLst>
+                      <p:childTnLst>
+                        <p:par>
+                          <p:cTn id="108" fill="hold">
+                            <p:stCondLst>
+                              <p:cond delay="0"/>
+                            </p:stCondLst>
+                            <p:childTnLst>
+                              <p:par>
+                                <p:cTn id="109" presetID="1" presetClass="emph" presetSubtype="2" fill="hold" nodeType="clickEffect">
+                                  <p:stCondLst>
+                                    <p:cond delay="0"/>
+                                  </p:stCondLst>
+                                  <p:childTnLst>
+                                    <p:animClr clrSpc="rgb" dir="cw">
+                                      <p:cBhvr>
+                                        <p:cTn id="110" dur="2000" fill="hold"/>
+                                        <p:tgtEl>
+                                          <p:spTgt spid="15"/>
+                                        </p:tgtEl>
+                                        <p:attrNameLst>
+                                          <p:attrName>fillcolor</p:attrName>
+                                        </p:attrNameLst>
+                                      </p:cBhvr>
+                                      <p:to>
+                                        <a:srgbClr val="00B050"/>
+                                      </p:to>
+                                    </p:animClr>
+                                    <p:set>
+                                      <p:cBhvr>
+                                        <p:cTn id="111" dur="2000" fill="hold"/>
+                                        <p:tgtEl>
+                                          <p:spTgt spid="15"/>
+                                        </p:tgtEl>
+                                        <p:attrNameLst>
+                                          <p:attrName>fill.type</p:attrName>
+                                        </p:attrNameLst>
+                                      </p:cBhvr>
+                                      <p:to>
+                                        <p:strVal val="solid"/>
+                                      </p:to>
+                                    </p:set>
+                                    <p:set>
+                                      <p:cBhvr>
+                                        <p:cTn id="112" dur="2000" fill="hold"/>
+                                        <p:tgtEl>
+                                          <p:spTgt spid="15"/>
+                                        </p:tgtEl>
+                                        <p:attrNameLst>
+                                          <p:attrName>fill.on</p:attrName>
+                                        </p:attrNameLst>
+                                      </p:cBhvr>
+                                      <p:to>
+                                        <p:strVal val="true"/>
+                                      </p:to>
+                                    </p:set>
+                                  </p:childTnLst>
+                                </p:cTn>
+                              </p:par>
+                            </p:childTnLst>
+                          </p:cTn>
+                        </p:par>
+                      </p:childTnLst>
+                    </p:cTn>
+                  </p:par>
+                  <p:par>
+                    <p:cTn id="113" fill="hold">
+                      <p:stCondLst>
+                        <p:cond delay="indefinite"/>
+                      </p:stCondLst>
+                      <p:childTnLst>
+                        <p:par>
+                          <p:cTn id="114" fill="hold">
+                            <p:stCondLst>
+                              <p:cond delay="0"/>
+                            </p:stCondLst>
+                            <p:childTnLst>
+                              <p:par>
+                                <p:cTn id="115" presetID="42" presetClass="entr" presetSubtype="0" fill="hold" nodeType="clickEffect">
+                                  <p:stCondLst>
+                                    <p:cond delay="0"/>
+                                  </p:stCondLst>
+                                  <p:childTnLst>
+                                    <p:set>
+                                      <p:cBhvr>
+                                        <p:cTn id="116" dur="1" fill="hold">
+                                          <p:stCondLst>
+                                            <p:cond delay="0"/>
+                                          </p:stCondLst>
+                                        </p:cTn>
+                                        <p:tgtEl>
+                                          <p:spTgt spid="23"/>
+                                        </p:tgtEl>
+                                        <p:attrNameLst>
+                                          <p:attrName>style.visibility</p:attrName>
+                                        </p:attrNameLst>
+                                      </p:cBhvr>
+                                      <p:to>
+                                        <p:strVal val="visible"/>
+                                      </p:to>
+                                    </p:set>
+                                    <p:animEffect transition="in" filter="fade">
+                                      <p:cBhvr>
+                                        <p:cTn id="117" dur="1000"/>
+                                        <p:tgtEl>
+                                          <p:spTgt spid="23"/>
+                                        </p:tgtEl>
+                                      </p:cBhvr>
+                                    </p:animEffect>
+                                    <p:anim calcmode="lin" valueType="num">
+                                      <p:cBhvr>
+                                        <p:cTn id="118" dur="1000" fill="hold"/>
+                                        <p:tgtEl>
+                                          <p:spTgt spid="23"/>
+                                        </p:tgtEl>
+                                        <p:attrNameLst>
+                                          <p:attrName>ppt_x</p:attrName>
+                                        </p:attrNameLst>
+                                      </p:cBhvr>
+                                      <p:tavLst>
+                                        <p:tav tm="0">
+                                          <p:val>
+                                            <p:strVal val="#ppt_x"/>
+                                          </p:val>
+                                        </p:tav>
+                                        <p:tav tm="100000">
+                                          <p:val>
+                                            <p:strVal val="#ppt_x"/>
+                                          </p:val>
+                                        </p:tav>
+                                      </p:tavLst>
+                                    </p:anim>
+                                    <p:anim calcmode="lin" valueType="num">
+                                      <p:cBhvr>
+                                        <p:cTn id="119" dur="1000" fill="hold"/>
+                                        <p:tgtEl>
+                                          <p:spTgt spid="23"/>
+                                        </p:tgtEl>
+                                        <p:attrNameLst>
+                                          <p:attrName>ppt_y</p:attrName>
+                                        </p:attrNameLst>
+                                      </p:cBhvr>
+                                      <p:tavLst>
+                                        <p:tav tm="0">
+                                          <p:val>
+                                            <p:strVal val="#ppt_y+.1"/>
+                                          </p:val>
+                                        </p:tav>
+                                        <p:tav tm="100000">
+                                          <p:val>
+                                            <p:strVal val="#ppt_y"/>
+                                          </p:val>
+                                        </p:tav>
+                                      </p:tavLst>
+                                    </p:anim>
+                                  </p:childTnLst>
+                                </p:cTn>
+                              </p:par>
+                            </p:childTnLst>
+                          </p:cTn>
+                        </p:par>
+                      </p:childTnLst>
+                    </p:cTn>
+                  </p:par>
+                  <p:par>
+                    <p:cTn id="120" fill="hold">
+                      <p:stCondLst>
+                        <p:cond delay="indefinite"/>
+                      </p:stCondLst>
+                      <p:childTnLst>
+                        <p:par>
+                          <p:cTn id="121" fill="hold">
+                            <p:stCondLst>
+                              <p:cond delay="0"/>
+                            </p:stCondLst>
+                            <p:childTnLst>
+                              <p:par>
+                                <p:cTn id="122" presetID="1" presetClass="emph" presetSubtype="2" fill="hold" nodeType="clickEffect">
+                                  <p:stCondLst>
+                                    <p:cond delay="0"/>
+                                  </p:stCondLst>
+                                  <p:childTnLst>
+                                    <p:animClr clrSpc="rgb" dir="cw">
+                                      <p:cBhvr>
+                                        <p:cTn id="123" dur="2000" fill="hold"/>
+                                        <p:tgtEl>
+                                          <p:spTgt spid="16"/>
+                                        </p:tgtEl>
+                                        <p:attrNameLst>
+                                          <p:attrName>fillcolor</p:attrName>
+                                        </p:attrNameLst>
+                                      </p:cBhvr>
+                                      <p:to>
+                                        <a:srgbClr val="00B050"/>
+                                      </p:to>
+                                    </p:animClr>
+                                    <p:set>
+                                      <p:cBhvr>
+                                        <p:cTn id="124" dur="2000" fill="hold"/>
+                                        <p:tgtEl>
+                                          <p:spTgt spid="16"/>
+                                        </p:tgtEl>
+                                        <p:attrNameLst>
+                                          <p:attrName>fill.type</p:attrName>
+                                        </p:attrNameLst>
+                                      </p:cBhvr>
+                                      <p:to>
+                                        <p:strVal val="solid"/>
+                                      </p:to>
+                                    </p:set>
+                                    <p:set>
+                                      <p:cBhvr>
+                                        <p:cTn id="125" dur="2000" fill="hold"/>
+                                        <p:tgtEl>
+                                          <p:spTgt spid="16"/>
+                                        </p:tgtEl>
+                                        <p:attrNameLst>
+                                          <p:attrName>fill.on</p:attrName>
+                                        </p:attrNameLst>
+                                      </p:cBhvr>
+                                      <p:to>
+                                        <p:strVal val="true"/>
+                                      </p:to>
+                                    </p:set>
+                                  </p:childTnLst>
+                                </p:cTn>
+                              </p:par>
+                            </p:childTnLst>
+                          </p:cTn>
+                        </p:par>
+                      </p:childTnLst>
+                    </p:cTn>
+                  </p:par>
+                  <p:par>
+                    <p:cTn id="126" fill="hold">
+                      <p:stCondLst>
+                        <p:cond delay="indefinite"/>
+                      </p:stCondLst>
+                      <p:childTnLst>
+                        <p:par>
+                          <p:cTn id="127" fill="hold">
+                            <p:stCondLst>
+                              <p:cond delay="0"/>
+                            </p:stCondLst>
+                            <p:childTnLst>
+                              <p:par>
+                                <p:cTn id="128" presetID="42" presetClass="entr" presetSubtype="0" fill="hold" nodeType="clickEffect">
+                                  <p:stCondLst>
+                                    <p:cond delay="0"/>
+                                  </p:stCondLst>
+                                  <p:childTnLst>
+                                    <p:set>
+                                      <p:cBhvr>
+                                        <p:cTn id="129" dur="1" fill="hold">
+                                          <p:stCondLst>
+                                            <p:cond delay="0"/>
+                                          </p:stCondLst>
+                                        </p:cTn>
+                                        <p:tgtEl>
+                                          <p:spTgt spid="26"/>
+                                        </p:tgtEl>
+                                        <p:attrNameLst>
+                                          <p:attrName>style.visibility</p:attrName>
+                                        </p:attrNameLst>
+                                      </p:cBhvr>
+                                      <p:to>
+                                        <p:strVal val="visible"/>
+                                      </p:to>
+                                    </p:set>
+                                    <p:animEffect transition="in" filter="fade">
+                                      <p:cBhvr>
+                                        <p:cTn id="130" dur="1000"/>
+                                        <p:tgtEl>
+                                          <p:spTgt spid="26"/>
+                                        </p:tgtEl>
+                                      </p:cBhvr>
+                                    </p:animEffect>
+                                    <p:anim calcmode="lin" valueType="num">
+                                      <p:cBhvr>
+                                        <p:cTn id="131" dur="1000" fill="hold"/>
+                                        <p:tgtEl>
+                                          <p:spTgt spid="26"/>
+                                        </p:tgtEl>
+                                        <p:attrNameLst>
+                                          <p:attrName>ppt_x</p:attrName>
+                                        </p:attrNameLst>
+                                      </p:cBhvr>
+                                      <p:tavLst>
+                                        <p:tav tm="0">
+                                          <p:val>
+                                            <p:strVal val="#ppt_x"/>
+                                          </p:val>
+                                        </p:tav>
+                                        <p:tav tm="100000">
+                                          <p:val>
+                                            <p:strVal val="#ppt_x"/>
+                                          </p:val>
+                                        </p:tav>
+                                      </p:tavLst>
+                                    </p:anim>
+                                    <p:anim calcmode="lin" valueType="num">
+                                      <p:cBhvr>
+                                        <p:cTn id="132" dur="1000" fill="hold"/>
+                                        <p:tgtEl>
+                                          <p:spTgt spid="26"/>
+                                        </p:tgtEl>
+                                        <p:attrNameLst>
+                                          <p:attrName>ppt_y</p:attrName>
+                                        </p:attrNameLst>
+                                      </p:cBhvr>
+                                      <p:tavLst>
+                                        <p:tav tm="0">
+                                          <p:val>
+                                            <p:strVal val="#ppt_y+.1"/>
+                                          </p:val>
+                                        </p:tav>
+                                        <p:tav tm="100000">
+                                          <p:val>
+                                            <p:strVal val="#ppt_y"/>
+                                          </p:val>
+                                        </p:tav>
+                                      </p:tavLst>
+                                    </p:anim>
+                                  </p:childTnLst>
+                                </p:cTn>
+                              </p:par>
+                            </p:childTnLst>
+                          </p:cTn>
+                        </p:par>
+                      </p:childTnLst>
+                    </p:cTn>
+                  </p:par>
+                </p:childTnLst>
+              </p:cTn>
+              <p:prevCondLst>
+                <p:cond evt="onPrev" delay="0">
+                  <p:tgtEl>
+                    <p:sldTgt/>
+                  </p:tgtEl>
+                </p:cond>
+              </p:prevCondLst>
+              <p:nextCondLst>
+                <p:cond evt="onNext" delay="0">
+                  <p:tgtEl>
+                    <p:sldTgt/>
+                  </p:tgtEl>
+                </p:cond>
+              </p:nextCondLst>
+            </p:seq>
+          </p:childTnLst>
+        </p:cTn>
+      </p:par>
+    </p:tnLst>
+  </p:timing>
+</p:sld>
+</file>
+
+<file path=ppt/slides/slide5.xml><?xml version="1.0" encoding="utf-8"?>
+<p:sld xmlns:a="http://schemas.openxmlformats.org/drawingml/2006/main" xmlns:r="http://schemas.openxmlformats.org/officeDocument/2006/relationships" xmlns:p="http://schemas.openxmlformats.org/presentationml/2006/main">
+  <p:cSld>
+    <p:bg>
+      <p:bgPr>
+        <a:blipFill dpi="0" rotWithShape="1">
+          <a:blip r:embed="rId3">
+            <a:alphaModFix amt="99000"/>
+            <a:lum/>
+          </a:blip>
+          <a:srcRect/>
+          <a:stretch>
+            <a:fillRect t="89000" r="85000" b="-1000"/>
+          </a:stretch>
+        </a:blipFill>
+        <a:effectLst/>
+      </p:bgPr>
+    </p:bg>
+    <p:spTree>
+      <p:nvGrpSpPr>
+        <p:cNvPr id="1" name=""/>
+        <p:cNvGrpSpPr/>
+        <p:nvPr/>
+      </p:nvGrpSpPr>
+      <p:grpSpPr>
+        <a:xfrm>
+          <a:off x="0" y="0"/>
+          <a:ext cx="0" cy="0"/>
+          <a:chOff x="0" y="0"/>
+          <a:chExt cx="0" cy="0"/>
+        </a:xfrm>
+      </p:grpSpPr>
+      <p:sp>
+        <p:nvSpPr>
+          <p:cNvPr id="2" name="Title 1">
+            <a:extLst>
+              <a:ext uri="{FF2B5EF4-FFF2-40B4-BE49-F238E27FC236}">
+                <a16:creationId xmlns:a16="http://schemas.microsoft.com/office/drawing/2014/main" id="{6A3DCE86-C2BA-4713-9E7A-73589E8D6CCF}"/>
+              </a:ext>
+            </a:extLst>
+          </p:cNvPr>
+          <p:cNvSpPr>
+            <a:spLocks noGrp="1"/>
+          </p:cNvSpPr>
+          <p:nvPr>
+            <p:ph type="ctrTitle"/>
+          </p:nvPr>
+        </p:nvSpPr>
+        <p:spPr>
+          <a:xfrm>
+            <a:off x="732773" y="497150"/>
+            <a:ext cx="9935227" cy="718459"/>
+          </a:xfrm>
+        </p:spPr>
+        <p:txBody>
+          <a:bodyPr>
+            <a:normAutofit fontScale="90000"/>
+          </a:bodyPr>
+          <a:lstStyle/>
+          <a:p>
+            <a:r>
+              <a:rPr lang="en-US" b="1" dirty="0"/>
+              <a:t>Counting Sort</a:t>
+            </a:r>
+            <a:endParaRPr lang="en-PH" b="1" dirty="0"/>
+          </a:p>
+        </p:txBody>
+      </p:sp>
+      <p:graphicFrame>
+        <p:nvGraphicFramePr>
+          <p:cNvPr id="12" name="Table 11">
+            <a:extLst>
+              <a:ext uri="{FF2B5EF4-FFF2-40B4-BE49-F238E27FC236}">
+                <a16:creationId xmlns:a16="http://schemas.microsoft.com/office/drawing/2014/main" id="{735F6414-5056-4AC3-0BEE-75DECB8CED15}"/>
+              </a:ext>
+            </a:extLst>
+          </p:cNvPr>
+          <p:cNvGraphicFramePr>
+            <a:graphicFrameLocks noGrp="1"/>
+          </p:cNvGraphicFramePr>
+          <p:nvPr>
+            <p:extLst>
+              <p:ext uri="{D42A27DB-BD31-4B8C-83A1-F6EECF244321}">
+                <p14:modId xmlns:p14="http://schemas.microsoft.com/office/powerpoint/2010/main" val="1142365054"/>
+              </p:ext>
+            </p:extLst>
+          </p:nvPr>
+        </p:nvGraphicFramePr>
+        <p:xfrm>
+          <a:off x="1962150" y="2669219"/>
+          <a:ext cx="8128000" cy="741680"/>
+        </p:xfrm>
+        <a:graphic>
+          <a:graphicData uri="http://schemas.openxmlformats.org/drawingml/2006/table">
+            <a:tbl>
+              <a:tblPr firstRow="1" bandRow="1">
+                <a:tableStyleId>{5940675A-B579-460E-94D1-54222C63F5DA}</a:tableStyleId>
+              </a:tblPr>
+              <a:tblGrid>
+                <a:gridCol w="812800">
+                  <a:extLst>
+                    <a:ext uri="{9D8B030D-6E8A-4147-A177-3AD203B41FA5}">
+                      <a16:colId xmlns:a16="http://schemas.microsoft.com/office/drawing/2014/main" val="30752810"/>
+                    </a:ext>
+                  </a:extLst>
+                </a:gridCol>
+                <a:gridCol w="812800">
+                  <a:extLst>
+                    <a:ext uri="{9D8B030D-6E8A-4147-A177-3AD203B41FA5}">
+                      <a16:colId xmlns:a16="http://schemas.microsoft.com/office/drawing/2014/main" val="2416112794"/>
+                    </a:ext>
+                  </a:extLst>
+                </a:gridCol>
+                <a:gridCol w="812800">
+                  <a:extLst>
+                    <a:ext uri="{9D8B030D-6E8A-4147-A177-3AD203B41FA5}">
+                      <a16:colId xmlns:a16="http://schemas.microsoft.com/office/drawing/2014/main" val="3172211012"/>
+                    </a:ext>
+                  </a:extLst>
+                </a:gridCol>
+                <a:gridCol w="812800">
+                  <a:extLst>
+                    <a:ext uri="{9D8B030D-6E8A-4147-A177-3AD203B41FA5}">
+                      <a16:colId xmlns:a16="http://schemas.microsoft.com/office/drawing/2014/main" val="2286246230"/>
+                    </a:ext>
+                  </a:extLst>
+                </a:gridCol>
+                <a:gridCol w="812800">
+                  <a:extLst>
+                    <a:ext uri="{9D8B030D-6E8A-4147-A177-3AD203B41FA5}">
+                      <a16:colId xmlns:a16="http://schemas.microsoft.com/office/drawing/2014/main" val="1400922798"/>
+                    </a:ext>
+                  </a:extLst>
+                </a:gridCol>
+                <a:gridCol w="812800">
+                  <a:extLst>
+                    <a:ext uri="{9D8B030D-6E8A-4147-A177-3AD203B41FA5}">
+                      <a16:colId xmlns:a16="http://schemas.microsoft.com/office/drawing/2014/main" val="29029823"/>
+                    </a:ext>
+                  </a:extLst>
+                </a:gridCol>
+                <a:gridCol w="812800">
+                  <a:extLst>
+                    <a:ext uri="{9D8B030D-6E8A-4147-A177-3AD203B41FA5}">
+                      <a16:colId xmlns:a16="http://schemas.microsoft.com/office/drawing/2014/main" val="709345255"/>
+                    </a:ext>
+                  </a:extLst>
+                </a:gridCol>
+                <a:gridCol w="812800">
+                  <a:extLst>
+                    <a:ext uri="{9D8B030D-6E8A-4147-A177-3AD203B41FA5}">
+                      <a16:colId xmlns:a16="http://schemas.microsoft.com/office/drawing/2014/main" val="3923253023"/>
+                    </a:ext>
+                  </a:extLst>
+                </a:gridCol>
+                <a:gridCol w="812800">
+                  <a:extLst>
+                    <a:ext uri="{9D8B030D-6E8A-4147-A177-3AD203B41FA5}">
+                      <a16:colId xmlns:a16="http://schemas.microsoft.com/office/drawing/2014/main" val="1716753877"/>
+                    </a:ext>
+                  </a:extLst>
+                </a:gridCol>
+                <a:gridCol w="812800">
+                  <a:extLst>
+                    <a:ext uri="{9D8B030D-6E8A-4147-A177-3AD203B41FA5}">
+                      <a16:colId xmlns:a16="http://schemas.microsoft.com/office/drawing/2014/main" val="3861973541"/>
+                    </a:ext>
+                  </a:extLst>
+                </a:gridCol>
+              </a:tblGrid>
+              <a:tr h="370840">
+                <a:tc>
+                  <a:txBody>
+                    <a:bodyPr/>
+                    <a:lstStyle/>
+                    <a:p>
+                      <a:pPr algn="ctr"/>
                       <a:r>
                         <a:rPr lang="en-US" dirty="0"/>
                         <a:t>0</a:t>
+                      </a:r>
+                    </a:p>
+                  </a:txBody>
+                  <a:tcPr/>
+                </a:tc>
+                <a:tc>
+                  <a:txBody>
+                    <a:bodyPr/>
+                    <a:lstStyle/>
+                    <a:p>
+                      <a:pPr algn="ctr"/>
+                      <a:r>
+                        <a:rPr lang="en-US" dirty="0"/>
+                        <a:t>1</a:t>
                       </a:r>
                     </a:p>
                   </a:txBody>
@@ -6952,7 +9099,7 @@
                       <a:pPr algn="ctr"/>
                       <a:r>
                         <a:rPr lang="en-US" dirty="0"/>
-                        <a:t>4</a:t>
+                        <a:t>3</a:t>
                       </a:r>
                     </a:p>
                   </a:txBody>
@@ -7008,20 +9155,6 @@
                       <a:pPr algn="ctr"/>
                       <a:r>
                         <a:rPr lang="en-US" dirty="0"/>
-                        <a:t>6</a:t>
-                      </a:r>
-                    </a:p>
-                  </a:txBody>
-                  <a:tcPr/>
-                </a:tc>
-                <a:tc>
-                  <a:txBody>
-                    <a:bodyPr/>
-                    <a:lstStyle/>
-                    <a:p>
-                      <a:pPr algn="ctr"/>
-                      <a:r>
-                        <a:rPr lang="en-US" dirty="0"/>
                         <a:t>7</a:t>
                       </a:r>
                     </a:p>
@@ -7036,7 +9169,7 @@
                       <a:pPr algn="ctr"/>
                       <a:r>
                         <a:rPr lang="en-US" dirty="0"/>
-                        <a:t>7</a:t>
+                        <a:t>8</a:t>
                       </a:r>
                     </a:p>
                   </a:txBody>
@@ -7050,8 +9183,125 @@
                       <a:pPr algn="ctr"/>
                       <a:r>
                         <a:rPr lang="en-US" dirty="0"/>
-                        <a:t>7</a:t>
+                        <a:t>9</a:t>
                       </a:r>
+                    </a:p>
+                  </a:txBody>
+                  <a:tcPr/>
+                </a:tc>
+                <a:extLst>
+                  <a:ext uri="{0D108BD9-81ED-4DB2-BD59-A6C34878D82A}">
+                    <a16:rowId xmlns:a16="http://schemas.microsoft.com/office/drawing/2014/main" val="2765812171"/>
+                  </a:ext>
+                </a:extLst>
+              </a:tr>
+              <a:tr h="370840">
+                <a:tc>
+                  <a:txBody>
+                    <a:bodyPr/>
+                    <a:lstStyle/>
+                    <a:p>
+                      <a:pPr algn="ctr"/>
+                      <a:endParaRPr lang="en-US" dirty="0"/>
+                    </a:p>
+                  </a:txBody>
+                  <a:tcPr/>
+                </a:tc>
+                <a:tc>
+                  <a:txBody>
+                    <a:bodyPr/>
+                    <a:lstStyle/>
+                    <a:p>
+                      <a:pPr algn="ctr"/>
+                      <a:endParaRPr lang="en-US" dirty="0"/>
+                    </a:p>
+                  </a:txBody>
+                  <a:tcPr/>
+                </a:tc>
+                <a:tc>
+                  <a:txBody>
+                    <a:bodyPr/>
+                    <a:lstStyle/>
+                    <a:p>
+                      <a:pPr algn="ctr"/>
+                      <a:endParaRPr lang="en-US" dirty="0"/>
+                    </a:p>
+                  </a:txBody>
+                  <a:tcPr/>
+                </a:tc>
+                <a:tc>
+                  <a:txBody>
+                    <a:bodyPr/>
+                    <a:lstStyle/>
+                    <a:p>
+                      <a:pPr algn="ctr"/>
+                      <a:endParaRPr lang="en-US" dirty="0"/>
+                    </a:p>
+                  </a:txBody>
+                  <a:tcPr/>
+                </a:tc>
+                <a:tc>
+                  <a:txBody>
+                    <a:bodyPr/>
+                    <a:lstStyle/>
+                    <a:p>
+                      <a:pPr algn="ctr"/>
+                      <a:endParaRPr lang="en-US" dirty="0"/>
+                    </a:p>
+                  </a:txBody>
+                  <a:tcPr/>
+                </a:tc>
+                <a:tc>
+                  <a:txBody>
+                    <a:bodyPr/>
+                    <a:lstStyle/>
+                    <a:p>
+                      <a:pPr algn="ctr"/>
+                      <a:endParaRPr lang="en-US" dirty="0"/>
+                    </a:p>
+                  </a:txBody>
+                  <a:tcPr/>
+                </a:tc>
+                <a:tc>
+                  <a:txBody>
+                    <a:bodyPr/>
+                    <a:lstStyle/>
+                    <a:p>
+                      <a:pPr algn="ctr"/>
+                      <a:endParaRPr lang="en-US" dirty="0"/>
+                    </a:p>
+                  </a:txBody>
+                  <a:tcPr/>
+                </a:tc>
+                <a:tc>
+                  <a:txBody>
+                    <a:bodyPr/>
+                    <a:lstStyle/>
+                    <a:p>
+                      <a:pPr algn="ctr"/>
+                      <a:endParaRPr lang="en-US" dirty="0"/>
+                    </a:p>
+                  </a:txBody>
+                  <a:tcPr/>
+                </a:tc>
+                <a:tc>
+                  <a:txBody>
+                    <a:bodyPr/>
+                    <a:lstStyle/>
+                    <a:p>
+                      <a:pPr algn="ctr"/>
+                      <a:endParaRPr lang="en-US" dirty="0"/>
+                    </a:p>
+                  </a:txBody>
+                  <a:tcPr/>
+                </a:tc>
+                <a:tc>
+                  <a:txBody>
+                    <a:bodyPr/>
+                    <a:lstStyle/>
+                    <a:p>
+                      <a:pPr algn="ctr"/>
+                      <a:endParaRPr lang="en-US" dirty="0"/>
                     </a:p>
                   </a:txBody>
                   <a:tcPr/>
@@ -7068,10 +9318,10 @@
       </p:graphicFrame>
       <p:sp>
         <p:nvSpPr>
-          <p:cNvPr id="3" name="TextBox 2">
+          <p:cNvPr id="5" name="TextBox 4">
             <a:extLst>
               <a:ext uri="{FF2B5EF4-FFF2-40B4-BE49-F238E27FC236}">
-                <a16:creationId xmlns:a16="http://schemas.microsoft.com/office/drawing/2014/main" id="{91A8DF1A-49EA-3917-9117-546010C5298F}"/>
+                <a16:creationId xmlns:a16="http://schemas.microsoft.com/office/drawing/2014/main" id="{98E453D7-009E-B52B-1AEF-28283FE1EE1A}"/>
               </a:ext>
             </a:extLst>
           </p:cNvPr>
@@ -7080,8 +9330,8 @@
         </p:nvSpPr>
         <p:spPr>
           <a:xfrm>
-            <a:off x="2151529" y="2297849"/>
-            <a:ext cx="1075765" cy="369332"/>
+            <a:off x="1962150" y="3041567"/>
+            <a:ext cx="811408" cy="369332"/>
           </a:xfrm>
           <a:prstGeom prst="rect">
             <a:avLst/>
@@ -7097,17 +9347,17 @@
             <a:pPr algn="ctr"/>
             <a:r>
               <a:rPr lang="en-US" dirty="0"/>
-              <a:t>2</a:t>
+              <a:t>0</a:t>
             </a:r>
           </a:p>
         </p:txBody>
       </p:sp>
       <p:sp>
         <p:nvSpPr>
-          <p:cNvPr id="4" name="TextBox 3">
+          <p:cNvPr id="13" name="TextBox 12">
             <a:extLst>
               <a:ext uri="{FF2B5EF4-FFF2-40B4-BE49-F238E27FC236}">
-                <a16:creationId xmlns:a16="http://schemas.microsoft.com/office/drawing/2014/main" id="{89E28753-74C0-AD0F-EF4D-2535EE900432}"/>
+                <a16:creationId xmlns:a16="http://schemas.microsoft.com/office/drawing/2014/main" id="{AC392D03-3506-5576-4A2D-9D5DD7CC867F}"/>
               </a:ext>
             </a:extLst>
           </p:cNvPr>
@@ -7116,8 +9366,8 @@
         </p:nvSpPr>
         <p:spPr>
           <a:xfrm>
-            <a:off x="1075764" y="2297849"/>
-            <a:ext cx="1075765" cy="369332"/>
+            <a:off x="2773558" y="3041567"/>
+            <a:ext cx="811408" cy="369332"/>
           </a:xfrm>
           <a:prstGeom prst="rect">
             <a:avLst/>
@@ -7133,17 +9383,17 @@
             <a:pPr algn="ctr"/>
             <a:r>
               <a:rPr lang="en-US" dirty="0"/>
-              <a:t>0</a:t>
+              <a:t>2</a:t>
             </a:r>
           </a:p>
         </p:txBody>
       </p:sp>
       <p:sp>
         <p:nvSpPr>
-          <p:cNvPr id="7" name="TextBox 6">
+          <p:cNvPr id="17" name="TextBox 16">
             <a:extLst>
               <a:ext uri="{FF2B5EF4-FFF2-40B4-BE49-F238E27FC236}">
-                <a16:creationId xmlns:a16="http://schemas.microsoft.com/office/drawing/2014/main" id="{2BF75335-0F49-9AC6-F41D-C921FA68252E}"/>
+                <a16:creationId xmlns:a16="http://schemas.microsoft.com/office/drawing/2014/main" id="{FD6AC51E-B969-4AA2-4210-91450A496440}"/>
               </a:ext>
             </a:extLst>
           </p:cNvPr>
@@ -7152,8 +9402,8 @@
         </p:nvSpPr>
         <p:spPr>
           <a:xfrm>
-            <a:off x="3227294" y="2302811"/>
-            <a:ext cx="1075765" cy="369332"/>
+            <a:off x="3584966" y="3040059"/>
+            <a:ext cx="811408" cy="369332"/>
           </a:xfrm>
           <a:prstGeom prst="rect">
             <a:avLst/>
@@ -7169,17 +9419,17 @@
             <a:pPr algn="ctr"/>
             <a:r>
               <a:rPr lang="en-US" dirty="0"/>
-              <a:t>2</a:t>
+              <a:t>4</a:t>
             </a:r>
           </a:p>
         </p:txBody>
       </p:sp>
       <p:sp>
         <p:nvSpPr>
-          <p:cNvPr id="8" name="TextBox 7">
+          <p:cNvPr id="18" name="TextBox 17">
             <a:extLst>
               <a:ext uri="{FF2B5EF4-FFF2-40B4-BE49-F238E27FC236}">
-                <a16:creationId xmlns:a16="http://schemas.microsoft.com/office/drawing/2014/main" id="{4B591312-A0D1-1395-8A34-2A9B7065085B}"/>
+                <a16:creationId xmlns:a16="http://schemas.microsoft.com/office/drawing/2014/main" id="{BA8B625E-5E0C-A61D-8D89-6466B0C6264E}"/>
               </a:ext>
             </a:extLst>
           </p:cNvPr>
@@ -7188,8 +9438,8 @@
         </p:nvSpPr>
         <p:spPr>
           <a:xfrm>
-            <a:off x="4389123" y="2307773"/>
-            <a:ext cx="1075765" cy="369332"/>
+            <a:off x="4396374" y="3040059"/>
+            <a:ext cx="811408" cy="369332"/>
           </a:xfrm>
           <a:prstGeom prst="rect">
             <a:avLst/>
@@ -7205,17 +9455,17 @@
             <a:pPr algn="ctr"/>
             <a:r>
               <a:rPr lang="en-US" dirty="0"/>
-              <a:t>0</a:t>
+              <a:t>4</a:t>
             </a:r>
           </a:p>
         </p:txBody>
       </p:sp>
       <p:sp>
         <p:nvSpPr>
-          <p:cNvPr id="9" name="TextBox 8">
+          <p:cNvPr id="19" name="TextBox 18">
             <a:extLst>
               <a:ext uri="{FF2B5EF4-FFF2-40B4-BE49-F238E27FC236}">
-                <a16:creationId xmlns:a16="http://schemas.microsoft.com/office/drawing/2014/main" id="{44CA9343-4B16-A736-CBA8-18944F3B770C}"/>
+                <a16:creationId xmlns:a16="http://schemas.microsoft.com/office/drawing/2014/main" id="{DB6B8E7F-6567-8BF6-7868-010D6F2E5E65}"/>
               </a:ext>
             </a:extLst>
           </p:cNvPr>
@@ -7224,8 +9474,8 @@
         </p:nvSpPr>
         <p:spPr>
           <a:xfrm>
-            <a:off x="5464888" y="2296341"/>
-            <a:ext cx="1075765" cy="369332"/>
+            <a:off x="5221705" y="3038551"/>
+            <a:ext cx="797483" cy="369332"/>
           </a:xfrm>
           <a:prstGeom prst="rect">
             <a:avLst/>
@@ -7241,17 +9491,17 @@
             <a:pPr algn="ctr"/>
             <a:r>
               <a:rPr lang="en-US" dirty="0"/>
-              <a:t>1</a:t>
+              <a:t>5</a:t>
             </a:r>
           </a:p>
         </p:txBody>
       </p:sp>
       <p:sp>
         <p:nvSpPr>
-          <p:cNvPr id="10" name="TextBox 9">
+          <p:cNvPr id="20" name="TextBox 19">
             <a:extLst>
               <a:ext uri="{FF2B5EF4-FFF2-40B4-BE49-F238E27FC236}">
-                <a16:creationId xmlns:a16="http://schemas.microsoft.com/office/drawing/2014/main" id="{95576FEA-3B79-600E-D111-EC5163A80835}"/>
+                <a16:creationId xmlns:a16="http://schemas.microsoft.com/office/drawing/2014/main" id="{164BB792-263A-1C58-F5E6-DFF1FFEEC600}"/>
               </a:ext>
             </a:extLst>
           </p:cNvPr>
@@ -7260,8 +9510,8 @@
         </p:nvSpPr>
         <p:spPr>
           <a:xfrm>
-            <a:off x="6540653" y="2307773"/>
-            <a:ext cx="1075765" cy="369332"/>
+            <a:off x="6033112" y="3040059"/>
+            <a:ext cx="797484" cy="369332"/>
           </a:xfrm>
           <a:prstGeom prst="rect">
             <a:avLst/>
@@ -7277,17 +9527,17 @@
             <a:pPr algn="ctr"/>
             <a:r>
               <a:rPr lang="en-US" dirty="0"/>
-              <a:t>1</a:t>
+              <a:t>6</a:t>
             </a:r>
           </a:p>
         </p:txBody>
       </p:sp>
       <p:sp>
         <p:nvSpPr>
-          <p:cNvPr id="11" name="TextBox 10">
+          <p:cNvPr id="21" name="TextBox 20">
             <a:extLst>
               <a:ext uri="{FF2B5EF4-FFF2-40B4-BE49-F238E27FC236}">
-                <a16:creationId xmlns:a16="http://schemas.microsoft.com/office/drawing/2014/main" id="{8735CA24-CF4D-1DD5-A06A-4839BE5F97E9}"/>
+                <a16:creationId xmlns:a16="http://schemas.microsoft.com/office/drawing/2014/main" id="{1227505E-CDC9-542C-B894-FECFC0D66F8E}"/>
               </a:ext>
             </a:extLst>
           </p:cNvPr>
@@ -7296,8 +9546,8 @@
         </p:nvSpPr>
         <p:spPr>
           <a:xfrm>
-            <a:off x="7702482" y="2296341"/>
-            <a:ext cx="1075765" cy="369332"/>
+            <a:off x="6844520" y="3040059"/>
+            <a:ext cx="811408" cy="369332"/>
           </a:xfrm>
           <a:prstGeom prst="rect">
             <a:avLst/>
@@ -7313,17 +9563,17 @@
             <a:pPr algn="ctr"/>
             <a:r>
               <a:rPr lang="en-US" dirty="0"/>
-              <a:t>0</a:t>
+              <a:t>6</a:t>
             </a:r>
           </a:p>
         </p:txBody>
       </p:sp>
       <p:sp>
         <p:nvSpPr>
-          <p:cNvPr id="14" name="TextBox 13">
+          <p:cNvPr id="22" name="TextBox 21">
             <a:extLst>
               <a:ext uri="{FF2B5EF4-FFF2-40B4-BE49-F238E27FC236}">
-                <a16:creationId xmlns:a16="http://schemas.microsoft.com/office/drawing/2014/main" id="{4D37127A-C19B-3AC9-80E0-6784E3DADB7A}"/>
+                <a16:creationId xmlns:a16="http://schemas.microsoft.com/office/drawing/2014/main" id="{F9321B5D-DB5D-5A17-45BF-50245713DA3C}"/>
               </a:ext>
             </a:extLst>
           </p:cNvPr>
@@ -7332,8 +9582,8 @@
         </p:nvSpPr>
         <p:spPr>
           <a:xfrm>
-            <a:off x="8778247" y="2296341"/>
-            <a:ext cx="1075765" cy="369332"/>
+            <a:off x="7655927" y="3040059"/>
+            <a:ext cx="811408" cy="369332"/>
           </a:xfrm>
           <a:prstGeom prst="rect">
             <a:avLst/>
@@ -7349,17 +9599,17 @@
             <a:pPr algn="ctr"/>
             <a:r>
               <a:rPr lang="en-US" dirty="0"/>
-              <a:t>1</a:t>
+              <a:t>7</a:t>
             </a:r>
           </a:p>
         </p:txBody>
       </p:sp>
       <p:sp>
         <p:nvSpPr>
-          <p:cNvPr id="15" name="TextBox 14">
+          <p:cNvPr id="23" name="TextBox 22">
             <a:extLst>
               <a:ext uri="{FF2B5EF4-FFF2-40B4-BE49-F238E27FC236}">
-                <a16:creationId xmlns:a16="http://schemas.microsoft.com/office/drawing/2014/main" id="{97EF37B2-35C9-8A9C-7742-57F695677718}"/>
+                <a16:creationId xmlns:a16="http://schemas.microsoft.com/office/drawing/2014/main" id="{19D7A153-6924-397C-C3EC-083EFE0AEEAC}"/>
               </a:ext>
             </a:extLst>
           </p:cNvPr>
@@ -7368,8 +9618,8 @@
         </p:nvSpPr>
         <p:spPr>
           <a:xfrm>
-            <a:off x="9864770" y="2296341"/>
-            <a:ext cx="1075765" cy="369332"/>
+            <a:off x="8467335" y="3038551"/>
+            <a:ext cx="811408" cy="369332"/>
           </a:xfrm>
           <a:prstGeom prst="rect">
             <a:avLst/>
@@ -7385,17 +9635,17 @@
             <a:pPr algn="ctr"/>
             <a:r>
               <a:rPr lang="en-US" dirty="0"/>
-              <a:t>0</a:t>
+              <a:t>7</a:t>
             </a:r>
           </a:p>
         </p:txBody>
       </p:sp>
       <p:sp>
         <p:nvSpPr>
-          <p:cNvPr id="16" name="TextBox 15">
+          <p:cNvPr id="26" name="TextBox 25">
             <a:extLst>
               <a:ext uri="{FF2B5EF4-FFF2-40B4-BE49-F238E27FC236}">
-                <a16:creationId xmlns:a16="http://schemas.microsoft.com/office/drawing/2014/main" id="{03AF4147-AEBC-7B0E-6797-CDD34DC4B008}"/>
+                <a16:creationId xmlns:a16="http://schemas.microsoft.com/office/drawing/2014/main" id="{ECD2AEEE-F4AE-9E91-6B40-3BEFCF15FC81}"/>
               </a:ext>
             </a:extLst>
           </p:cNvPr>
@@ -7404,8 +9654,8 @@
         </p:nvSpPr>
         <p:spPr>
           <a:xfrm>
-            <a:off x="10979975" y="2303486"/>
-            <a:ext cx="1075765" cy="369332"/>
+            <a:off x="9278742" y="3038551"/>
+            <a:ext cx="811408" cy="369332"/>
           </a:xfrm>
           <a:prstGeom prst="rect">
             <a:avLst/>
@@ -7421,7 +9671,1012 @@
             <a:pPr algn="ctr"/>
             <a:r>
               <a:rPr lang="en-US" dirty="0"/>
-              <a:t>0</a:t>
+              <a:t>7</a:t>
+            </a:r>
+          </a:p>
+        </p:txBody>
+      </p:sp>
+      <p:graphicFrame>
+        <p:nvGraphicFramePr>
+          <p:cNvPr id="24" name="Table 23">
+            <a:extLst>
+              <a:ext uri="{FF2B5EF4-FFF2-40B4-BE49-F238E27FC236}">
+                <a16:creationId xmlns:a16="http://schemas.microsoft.com/office/drawing/2014/main" id="{D6BED835-12EC-F670-D5B6-F5A4D90F5F72}"/>
+              </a:ext>
+            </a:extLst>
+          </p:cNvPr>
+          <p:cNvGraphicFramePr>
+            <a:graphicFrameLocks noGrp="1"/>
+          </p:cNvGraphicFramePr>
+          <p:nvPr>
+            <p:extLst>
+              <p:ext uri="{D42A27DB-BD31-4B8C-83A1-F6EECF244321}">
+                <p14:modId xmlns:p14="http://schemas.microsoft.com/office/powerpoint/2010/main" val="1018347915"/>
+              </p:ext>
+            </p:extLst>
+          </p:nvPr>
+        </p:nvGraphicFramePr>
+        <p:xfrm>
+          <a:off x="3174390" y="4170058"/>
+          <a:ext cx="5689600" cy="741680"/>
+        </p:xfrm>
+        <a:graphic>
+          <a:graphicData uri="http://schemas.openxmlformats.org/drawingml/2006/table">
+            <a:tbl>
+              <a:tblPr firstRow="1" bandRow="1">
+                <a:tableStyleId>{5940675A-B579-460E-94D1-54222C63F5DA}</a:tableStyleId>
+              </a:tblPr>
+              <a:tblGrid>
+                <a:gridCol w="812800">
+                  <a:extLst>
+                    <a:ext uri="{9D8B030D-6E8A-4147-A177-3AD203B41FA5}">
+                      <a16:colId xmlns:a16="http://schemas.microsoft.com/office/drawing/2014/main" val="30752810"/>
+                    </a:ext>
+                  </a:extLst>
+                </a:gridCol>
+                <a:gridCol w="812800">
+                  <a:extLst>
+                    <a:ext uri="{9D8B030D-6E8A-4147-A177-3AD203B41FA5}">
+                      <a16:colId xmlns:a16="http://schemas.microsoft.com/office/drawing/2014/main" val="2416112794"/>
+                    </a:ext>
+                  </a:extLst>
+                </a:gridCol>
+                <a:gridCol w="812800">
+                  <a:extLst>
+                    <a:ext uri="{9D8B030D-6E8A-4147-A177-3AD203B41FA5}">
+                      <a16:colId xmlns:a16="http://schemas.microsoft.com/office/drawing/2014/main" val="3172211012"/>
+                    </a:ext>
+                  </a:extLst>
+                </a:gridCol>
+                <a:gridCol w="812800">
+                  <a:extLst>
+                    <a:ext uri="{9D8B030D-6E8A-4147-A177-3AD203B41FA5}">
+                      <a16:colId xmlns:a16="http://schemas.microsoft.com/office/drawing/2014/main" val="2286246230"/>
+                    </a:ext>
+                  </a:extLst>
+                </a:gridCol>
+                <a:gridCol w="812800">
+                  <a:extLst>
+                    <a:ext uri="{9D8B030D-6E8A-4147-A177-3AD203B41FA5}">
+                      <a16:colId xmlns:a16="http://schemas.microsoft.com/office/drawing/2014/main" val="1400922798"/>
+                    </a:ext>
+                  </a:extLst>
+                </a:gridCol>
+                <a:gridCol w="812800">
+                  <a:extLst>
+                    <a:ext uri="{9D8B030D-6E8A-4147-A177-3AD203B41FA5}">
+                      <a16:colId xmlns:a16="http://schemas.microsoft.com/office/drawing/2014/main" val="29029823"/>
+                    </a:ext>
+                  </a:extLst>
+                </a:gridCol>
+                <a:gridCol w="812800">
+                  <a:extLst>
+                    <a:ext uri="{9D8B030D-6E8A-4147-A177-3AD203B41FA5}">
+                      <a16:colId xmlns:a16="http://schemas.microsoft.com/office/drawing/2014/main" val="709345255"/>
+                    </a:ext>
+                  </a:extLst>
+                </a:gridCol>
+              </a:tblGrid>
+              <a:tr h="370840">
+                <a:tc>
+                  <a:txBody>
+                    <a:bodyPr/>
+                    <a:lstStyle/>
+                    <a:p>
+                      <a:pPr algn="ctr"/>
+                      <a:r>
+                        <a:rPr lang="en-US" dirty="0"/>
+                        <a:t>0</a:t>
+                      </a:r>
+                    </a:p>
+                  </a:txBody>
+                  <a:tcPr/>
+                </a:tc>
+                <a:tc>
+                  <a:txBody>
+                    <a:bodyPr/>
+                    <a:lstStyle/>
+                    <a:p>
+                      <a:pPr algn="ctr"/>
+                      <a:r>
+                        <a:rPr lang="en-US" dirty="0"/>
+                        <a:t>1</a:t>
+                      </a:r>
+                    </a:p>
+                  </a:txBody>
+                  <a:tcPr/>
+                </a:tc>
+                <a:tc>
+                  <a:txBody>
+                    <a:bodyPr/>
+                    <a:lstStyle/>
+                    <a:p>
+                      <a:pPr algn="ctr"/>
+                      <a:r>
+                        <a:rPr lang="en-US" dirty="0"/>
+                        <a:t>2</a:t>
+                      </a:r>
+                    </a:p>
+                  </a:txBody>
+                  <a:tcPr/>
+                </a:tc>
+                <a:tc>
+                  <a:txBody>
+                    <a:bodyPr/>
+                    <a:lstStyle/>
+                    <a:p>
+                      <a:pPr algn="ctr"/>
+                      <a:r>
+                        <a:rPr lang="en-US" dirty="0"/>
+                        <a:t>3</a:t>
+                      </a:r>
+                    </a:p>
+                  </a:txBody>
+                  <a:tcPr/>
+                </a:tc>
+                <a:tc>
+                  <a:txBody>
+                    <a:bodyPr/>
+                    <a:lstStyle/>
+                    <a:p>
+                      <a:pPr algn="ctr"/>
+                      <a:r>
+                        <a:rPr lang="en-US" dirty="0"/>
+                        <a:t>4</a:t>
+                      </a:r>
+                    </a:p>
+                  </a:txBody>
+                  <a:tcPr/>
+                </a:tc>
+                <a:tc>
+                  <a:txBody>
+                    <a:bodyPr/>
+                    <a:lstStyle/>
+                    <a:p>
+                      <a:pPr algn="ctr"/>
+                      <a:r>
+                        <a:rPr lang="en-US" dirty="0"/>
+                        <a:t>5</a:t>
+                      </a:r>
+                    </a:p>
+                  </a:txBody>
+                  <a:tcPr/>
+                </a:tc>
+                <a:tc>
+                  <a:txBody>
+                    <a:bodyPr/>
+                    <a:lstStyle/>
+                    <a:p>
+                      <a:pPr algn="ctr"/>
+                      <a:r>
+                        <a:rPr lang="en-US" dirty="0"/>
+                        <a:t>6</a:t>
+                      </a:r>
+                    </a:p>
+                  </a:txBody>
+                  <a:tcPr/>
+                </a:tc>
+                <a:extLst>
+                  <a:ext uri="{0D108BD9-81ED-4DB2-BD59-A6C34878D82A}">
+                    <a16:rowId xmlns:a16="http://schemas.microsoft.com/office/drawing/2014/main" val="2765812171"/>
+                  </a:ext>
+                </a:extLst>
+              </a:tr>
+              <a:tr h="370840">
+                <a:tc>
+                  <a:txBody>
+                    <a:bodyPr/>
+                    <a:lstStyle/>
+                    <a:p>
+                      <a:pPr algn="ctr"/>
+                      <a:endParaRPr lang="en-US" dirty="0"/>
+                    </a:p>
+                  </a:txBody>
+                  <a:tcPr/>
+                </a:tc>
+                <a:tc>
+                  <a:txBody>
+                    <a:bodyPr/>
+                    <a:lstStyle/>
+                    <a:p>
+                      <a:pPr algn="ctr"/>
+                      <a:endParaRPr lang="en-US" dirty="0"/>
+                    </a:p>
+                  </a:txBody>
+                  <a:tcPr/>
+                </a:tc>
+                <a:tc>
+                  <a:txBody>
+                    <a:bodyPr/>
+                    <a:lstStyle/>
+                    <a:p>
+                      <a:pPr algn="ctr"/>
+                      <a:endParaRPr lang="en-US" dirty="0"/>
+                    </a:p>
+                  </a:txBody>
+                  <a:tcPr/>
+                </a:tc>
+                <a:tc>
+                  <a:txBody>
+                    <a:bodyPr/>
+                    <a:lstStyle/>
+                    <a:p>
+                      <a:pPr algn="ctr"/>
+                      <a:endParaRPr lang="en-US" dirty="0"/>
+                    </a:p>
+                  </a:txBody>
+                  <a:tcPr/>
+                </a:tc>
+                <a:tc>
+                  <a:txBody>
+                    <a:bodyPr/>
+                    <a:lstStyle/>
+                    <a:p>
+                      <a:pPr algn="ctr"/>
+                      <a:endParaRPr lang="en-US" dirty="0"/>
+                    </a:p>
+                  </a:txBody>
+                  <a:tcPr/>
+                </a:tc>
+                <a:tc>
+                  <a:txBody>
+                    <a:bodyPr/>
+                    <a:lstStyle/>
+                    <a:p>
+                      <a:pPr algn="ctr"/>
+                      <a:endParaRPr lang="en-US" dirty="0"/>
+                    </a:p>
+                  </a:txBody>
+                  <a:tcPr/>
+                </a:tc>
+                <a:tc>
+                  <a:txBody>
+                    <a:bodyPr/>
+                    <a:lstStyle/>
+                    <a:p>
+                      <a:pPr algn="ctr"/>
+                      <a:endParaRPr lang="en-US" dirty="0"/>
+                    </a:p>
+                  </a:txBody>
+                  <a:tcPr/>
+                </a:tc>
+                <a:extLst>
+                  <a:ext uri="{0D108BD9-81ED-4DB2-BD59-A6C34878D82A}">
+                    <a16:rowId xmlns:a16="http://schemas.microsoft.com/office/drawing/2014/main" val="3386332166"/>
+                  </a:ext>
+                </a:extLst>
+              </a:tr>
+            </a:tbl>
+          </a:graphicData>
+        </a:graphic>
+      </p:graphicFrame>
+      <p:sp>
+        <p:nvSpPr>
+          <p:cNvPr id="25" name="TextBox 24">
+            <a:extLst>
+              <a:ext uri="{FF2B5EF4-FFF2-40B4-BE49-F238E27FC236}">
+                <a16:creationId xmlns:a16="http://schemas.microsoft.com/office/drawing/2014/main" id="{326D96BC-6BBD-3AD2-9F25-D0E270033745}"/>
+              </a:ext>
+            </a:extLst>
+          </p:cNvPr>
+          <p:cNvSpPr txBox="1"/>
+          <p:nvPr/>
+        </p:nvSpPr>
+        <p:spPr>
+          <a:xfrm>
+            <a:off x="3174390" y="4540898"/>
+            <a:ext cx="811408" cy="369332"/>
+          </a:xfrm>
+          <a:prstGeom prst="rect">
+            <a:avLst/>
+          </a:prstGeom>
+          <a:noFill/>
+        </p:spPr>
+        <p:txBody>
+          <a:bodyPr wrap="square" rtlCol="0">
+            <a:spAutoFit/>
+          </a:bodyPr>
+          <a:lstStyle/>
+          <a:p>
+            <a:pPr algn="ctr"/>
+            <a:r>
+              <a:rPr lang="en-US" dirty="0"/>
+              <a:t>1</a:t>
+            </a:r>
+          </a:p>
+        </p:txBody>
+      </p:sp>
+      <p:sp>
+        <p:nvSpPr>
+          <p:cNvPr id="27" name="TextBox 26">
+            <a:extLst>
+              <a:ext uri="{FF2B5EF4-FFF2-40B4-BE49-F238E27FC236}">
+                <a16:creationId xmlns:a16="http://schemas.microsoft.com/office/drawing/2014/main" id="{95894E24-D5AE-CFEA-DB0E-92137166C182}"/>
+              </a:ext>
+            </a:extLst>
+          </p:cNvPr>
+          <p:cNvSpPr txBox="1"/>
+          <p:nvPr/>
+        </p:nvSpPr>
+        <p:spPr>
+          <a:xfrm>
+            <a:off x="3985798" y="4540898"/>
+            <a:ext cx="811408" cy="369332"/>
+          </a:xfrm>
+          <a:prstGeom prst="rect">
+            <a:avLst/>
+          </a:prstGeom>
+          <a:noFill/>
+        </p:spPr>
+        <p:txBody>
+          <a:bodyPr wrap="square" rtlCol="0">
+            <a:spAutoFit/>
+          </a:bodyPr>
+          <a:lstStyle/>
+          <a:p>
+            <a:pPr algn="ctr"/>
+            <a:r>
+              <a:rPr lang="en-US" dirty="0"/>
+              <a:t>1</a:t>
+            </a:r>
+          </a:p>
+        </p:txBody>
+      </p:sp>
+      <p:sp>
+        <p:nvSpPr>
+          <p:cNvPr id="28" name="TextBox 27">
+            <a:extLst>
+              <a:ext uri="{FF2B5EF4-FFF2-40B4-BE49-F238E27FC236}">
+                <a16:creationId xmlns:a16="http://schemas.microsoft.com/office/drawing/2014/main" id="{6B6410BD-FE00-FB71-9A8A-EF738032E1F0}"/>
+              </a:ext>
+            </a:extLst>
+          </p:cNvPr>
+          <p:cNvSpPr txBox="1"/>
+          <p:nvPr/>
+        </p:nvSpPr>
+        <p:spPr>
+          <a:xfrm>
+            <a:off x="4797206" y="4540898"/>
+            <a:ext cx="811408" cy="369332"/>
+          </a:xfrm>
+          <a:prstGeom prst="rect">
+            <a:avLst/>
+          </a:prstGeom>
+          <a:noFill/>
+        </p:spPr>
+        <p:txBody>
+          <a:bodyPr wrap="square" rtlCol="0">
+            <a:spAutoFit/>
+          </a:bodyPr>
+          <a:lstStyle/>
+          <a:p>
+            <a:pPr algn="ctr"/>
+            <a:r>
+              <a:rPr lang="en-US" dirty="0"/>
+              <a:t>2</a:t>
+            </a:r>
+          </a:p>
+        </p:txBody>
+      </p:sp>
+      <p:sp>
+        <p:nvSpPr>
+          <p:cNvPr id="29" name="TextBox 28">
+            <a:extLst>
+              <a:ext uri="{FF2B5EF4-FFF2-40B4-BE49-F238E27FC236}">
+                <a16:creationId xmlns:a16="http://schemas.microsoft.com/office/drawing/2014/main" id="{1D091B92-A46B-3086-4D5E-94B1DA3260D2}"/>
+              </a:ext>
+            </a:extLst>
+          </p:cNvPr>
+          <p:cNvSpPr txBox="1"/>
+          <p:nvPr/>
+        </p:nvSpPr>
+        <p:spPr>
+          <a:xfrm>
+            <a:off x="5613486" y="4540898"/>
+            <a:ext cx="811408" cy="369332"/>
+          </a:xfrm>
+          <a:prstGeom prst="rect">
+            <a:avLst/>
+          </a:prstGeom>
+          <a:noFill/>
+        </p:spPr>
+        <p:txBody>
+          <a:bodyPr wrap="square" rtlCol="0">
+            <a:spAutoFit/>
+          </a:bodyPr>
+          <a:lstStyle/>
+          <a:p>
+            <a:pPr algn="ctr"/>
+            <a:r>
+              <a:rPr lang="en-US" dirty="0"/>
+              <a:t>2</a:t>
+            </a:r>
+          </a:p>
+        </p:txBody>
+      </p:sp>
+      <p:sp>
+        <p:nvSpPr>
+          <p:cNvPr id="30" name="TextBox 29">
+            <a:extLst>
+              <a:ext uri="{FF2B5EF4-FFF2-40B4-BE49-F238E27FC236}">
+                <a16:creationId xmlns:a16="http://schemas.microsoft.com/office/drawing/2014/main" id="{D5F2827D-A835-8AE4-43C2-CB121F73948F}"/>
+              </a:ext>
+            </a:extLst>
+          </p:cNvPr>
+          <p:cNvSpPr txBox="1"/>
+          <p:nvPr/>
+        </p:nvSpPr>
+        <p:spPr>
+          <a:xfrm>
+            <a:off x="6429766" y="4540898"/>
+            <a:ext cx="811408" cy="369332"/>
+          </a:xfrm>
+          <a:prstGeom prst="rect">
+            <a:avLst/>
+          </a:prstGeom>
+          <a:noFill/>
+        </p:spPr>
+        <p:txBody>
+          <a:bodyPr wrap="square" rtlCol="0">
+            <a:spAutoFit/>
+          </a:bodyPr>
+          <a:lstStyle/>
+          <a:p>
+            <a:pPr algn="ctr"/>
+            <a:r>
+              <a:rPr lang="en-US" dirty="0"/>
+              <a:t>4</a:t>
+            </a:r>
+          </a:p>
+        </p:txBody>
+      </p:sp>
+      <p:sp>
+        <p:nvSpPr>
+          <p:cNvPr id="31" name="TextBox 30">
+            <a:extLst>
+              <a:ext uri="{FF2B5EF4-FFF2-40B4-BE49-F238E27FC236}">
+                <a16:creationId xmlns:a16="http://schemas.microsoft.com/office/drawing/2014/main" id="{3094B3F3-3152-8A04-CC93-8F63592D0ADE}"/>
+              </a:ext>
+            </a:extLst>
+          </p:cNvPr>
+          <p:cNvSpPr txBox="1"/>
+          <p:nvPr/>
+        </p:nvSpPr>
+        <p:spPr>
+          <a:xfrm>
+            <a:off x="7241174" y="4540898"/>
+            <a:ext cx="811408" cy="369332"/>
+          </a:xfrm>
+          <a:prstGeom prst="rect">
+            <a:avLst/>
+          </a:prstGeom>
+          <a:noFill/>
+        </p:spPr>
+        <p:txBody>
+          <a:bodyPr wrap="square" rtlCol="0">
+            <a:spAutoFit/>
+          </a:bodyPr>
+          <a:lstStyle/>
+          <a:p>
+            <a:pPr algn="ctr"/>
+            <a:r>
+              <a:rPr lang="en-US" dirty="0"/>
+              <a:t>5</a:t>
+            </a:r>
+          </a:p>
+        </p:txBody>
+      </p:sp>
+      <p:sp>
+        <p:nvSpPr>
+          <p:cNvPr id="32" name="TextBox 31">
+            <a:extLst>
+              <a:ext uri="{FF2B5EF4-FFF2-40B4-BE49-F238E27FC236}">
+                <a16:creationId xmlns:a16="http://schemas.microsoft.com/office/drawing/2014/main" id="{F66CAAB3-E90A-D1AA-3685-CE79CF0FFAC5}"/>
+              </a:ext>
+            </a:extLst>
+          </p:cNvPr>
+          <p:cNvSpPr txBox="1"/>
+          <p:nvPr/>
+        </p:nvSpPr>
+        <p:spPr>
+          <a:xfrm>
+            <a:off x="8052582" y="4540898"/>
+            <a:ext cx="811408" cy="369332"/>
+          </a:xfrm>
+          <a:prstGeom prst="rect">
+            <a:avLst/>
+          </a:prstGeom>
+          <a:noFill/>
+        </p:spPr>
+        <p:txBody>
+          <a:bodyPr wrap="square" rtlCol="0">
+            <a:spAutoFit/>
+          </a:bodyPr>
+          <a:lstStyle/>
+          <a:p>
+            <a:pPr algn="ctr"/>
+            <a:r>
+              <a:rPr lang="en-US" dirty="0"/>
+              <a:t>7</a:t>
+            </a:r>
+          </a:p>
+        </p:txBody>
+      </p:sp>
+      <p:graphicFrame>
+        <p:nvGraphicFramePr>
+          <p:cNvPr id="33" name="Table 32">
+            <a:extLst>
+              <a:ext uri="{FF2B5EF4-FFF2-40B4-BE49-F238E27FC236}">
+                <a16:creationId xmlns:a16="http://schemas.microsoft.com/office/drawing/2014/main" id="{C19604C8-D2F8-9460-6BDA-2B7BE013938F}"/>
+              </a:ext>
+            </a:extLst>
+          </p:cNvPr>
+          <p:cNvGraphicFramePr>
+            <a:graphicFrameLocks noGrp="1"/>
+          </p:cNvGraphicFramePr>
+          <p:nvPr>
+            <p:extLst>
+              <p:ext uri="{D42A27DB-BD31-4B8C-83A1-F6EECF244321}">
+                <p14:modId xmlns:p14="http://schemas.microsoft.com/office/powerpoint/2010/main" val="900264033"/>
+              </p:ext>
+            </p:extLst>
+          </p:nvPr>
+        </p:nvGraphicFramePr>
+        <p:xfrm>
+          <a:off x="1636386" y="1584941"/>
+          <a:ext cx="8128000" cy="370840"/>
+        </p:xfrm>
+        <a:graphic>
+          <a:graphicData uri="http://schemas.openxmlformats.org/drawingml/2006/table">
+            <a:tbl>
+              <a:tblPr firstRow="1" bandRow="1">
+                <a:tableStyleId>{5940675A-B579-460E-94D1-54222C63F5DA}</a:tableStyleId>
+              </a:tblPr>
+              <a:tblGrid>
+                <a:gridCol w="1016000">
+                  <a:extLst>
+                    <a:ext uri="{9D8B030D-6E8A-4147-A177-3AD203B41FA5}">
+                      <a16:colId xmlns:a16="http://schemas.microsoft.com/office/drawing/2014/main" val="1065926120"/>
+                    </a:ext>
+                  </a:extLst>
+                </a:gridCol>
+                <a:gridCol w="1016000">
+                  <a:extLst>
+                    <a:ext uri="{9D8B030D-6E8A-4147-A177-3AD203B41FA5}">
+                      <a16:colId xmlns:a16="http://schemas.microsoft.com/office/drawing/2014/main" val="3331542925"/>
+                    </a:ext>
+                  </a:extLst>
+                </a:gridCol>
+                <a:gridCol w="1016000">
+                  <a:extLst>
+                    <a:ext uri="{9D8B030D-6E8A-4147-A177-3AD203B41FA5}">
+                      <a16:colId xmlns:a16="http://schemas.microsoft.com/office/drawing/2014/main" val="544996489"/>
+                    </a:ext>
+                  </a:extLst>
+                </a:gridCol>
+                <a:gridCol w="1016000">
+                  <a:extLst>
+                    <a:ext uri="{9D8B030D-6E8A-4147-A177-3AD203B41FA5}">
+                      <a16:colId xmlns:a16="http://schemas.microsoft.com/office/drawing/2014/main" val="2673185317"/>
+                    </a:ext>
+                  </a:extLst>
+                </a:gridCol>
+                <a:gridCol w="1016000">
+                  <a:extLst>
+                    <a:ext uri="{9D8B030D-6E8A-4147-A177-3AD203B41FA5}">
+                      <a16:colId xmlns:a16="http://schemas.microsoft.com/office/drawing/2014/main" val="2544289847"/>
+                    </a:ext>
+                  </a:extLst>
+                </a:gridCol>
+                <a:gridCol w="1016000">
+                  <a:extLst>
+                    <a:ext uri="{9D8B030D-6E8A-4147-A177-3AD203B41FA5}">
+                      <a16:colId xmlns:a16="http://schemas.microsoft.com/office/drawing/2014/main" val="1681066479"/>
+                    </a:ext>
+                  </a:extLst>
+                </a:gridCol>
+                <a:gridCol w="1016000">
+                  <a:extLst>
+                    <a:ext uri="{9D8B030D-6E8A-4147-A177-3AD203B41FA5}">
+                      <a16:colId xmlns:a16="http://schemas.microsoft.com/office/drawing/2014/main" val="3170948052"/>
+                    </a:ext>
+                  </a:extLst>
+                </a:gridCol>
+                <a:gridCol w="1016000">
+                  <a:extLst>
+                    <a:ext uri="{9D8B030D-6E8A-4147-A177-3AD203B41FA5}">
+                      <a16:colId xmlns:a16="http://schemas.microsoft.com/office/drawing/2014/main" val="3603424921"/>
+                    </a:ext>
+                  </a:extLst>
+                </a:gridCol>
+              </a:tblGrid>
+              <a:tr h="370840">
+                <a:tc>
+                  <a:txBody>
+                    <a:bodyPr/>
+                    <a:lstStyle/>
+                    <a:p>
+                      <a:pPr algn="ctr"/>
+                      <a:r>
+                        <a:rPr lang="en-US" b="1" dirty="0"/>
+                        <a:t>List:</a:t>
+                      </a:r>
+                    </a:p>
+                  </a:txBody>
+                  <a:tcPr>
+                    <a:lnL w="12700" cmpd="sng">
+                      <a:noFill/>
+                    </a:lnL>
+                    <a:lnR w="12700" cap="flat" cmpd="sng" algn="ctr">
+                      <a:solidFill>
+                        <a:schemeClr val="tx1"/>
+                      </a:solidFill>
+                      <a:prstDash val="solid"/>
+                      <a:round/>
+                      <a:headEnd type="none" w="med" len="med"/>
+                      <a:tailEnd type="none" w="med" len="med"/>
+                    </a:lnR>
+                    <a:lnT w="12700" cmpd="sng">
+                      <a:noFill/>
+                    </a:lnT>
+                    <a:lnB w="12700" cmpd="sng">
+                      <a:noFill/>
+                    </a:lnB>
+                    <a:lnTlToBr w="12700" cmpd="sng">
+                      <a:noFill/>
+                      <a:prstDash val="solid"/>
+                    </a:lnTlToBr>
+                    <a:lnBlToTr w="12700" cmpd="sng">
+                      <a:noFill/>
+                      <a:prstDash val="solid"/>
+                    </a:lnBlToTr>
+                  </a:tcPr>
+                </a:tc>
+                <a:tc>
+                  <a:txBody>
+                    <a:bodyPr/>
+                    <a:lstStyle/>
+                    <a:p>
+                      <a:pPr algn="ctr"/>
+                      <a:endParaRPr lang="en-US" b="1" dirty="0"/>
+                    </a:p>
+                  </a:txBody>
+                  <a:tcPr>
+                    <a:lnL w="12700" cap="flat" cmpd="sng" algn="ctr">
+                      <a:solidFill>
+                        <a:schemeClr val="tx1"/>
+                      </a:solidFill>
+                      <a:prstDash val="solid"/>
+                      <a:round/>
+                      <a:headEnd type="none" w="med" len="med"/>
+                      <a:tailEnd type="none" w="med" len="med"/>
+                    </a:lnL>
+                  </a:tcPr>
+                </a:tc>
+                <a:tc>
+                  <a:txBody>
+                    <a:bodyPr/>
+                    <a:lstStyle/>
+                    <a:p>
+                      <a:pPr algn="ctr"/>
+                      <a:endParaRPr lang="en-US" b="1" dirty="0"/>
+                    </a:p>
+                  </a:txBody>
+                  <a:tcPr/>
+                </a:tc>
+                <a:tc>
+                  <a:txBody>
+                    <a:bodyPr/>
+                    <a:lstStyle/>
+                    <a:p>
+                      <a:pPr algn="ctr"/>
+                      <a:endParaRPr lang="en-US" b="1" dirty="0"/>
+                    </a:p>
+                  </a:txBody>
+                  <a:tcPr/>
+                </a:tc>
+                <a:tc>
+                  <a:txBody>
+                    <a:bodyPr/>
+                    <a:lstStyle/>
+                    <a:p>
+                      <a:pPr algn="ctr"/>
+                      <a:endParaRPr lang="en-US" b="1" dirty="0"/>
+                    </a:p>
+                  </a:txBody>
+                  <a:tcPr/>
+                </a:tc>
+                <a:tc>
+                  <a:txBody>
+                    <a:bodyPr/>
+                    <a:lstStyle/>
+                    <a:p>
+                      <a:pPr algn="ctr"/>
+                      <a:endParaRPr lang="en-US" b="1" dirty="0"/>
+                    </a:p>
+                  </a:txBody>
+                  <a:tcPr/>
+                </a:tc>
+                <a:tc>
+                  <a:txBody>
+                    <a:bodyPr/>
+                    <a:lstStyle/>
+                    <a:p>
+                      <a:pPr algn="ctr"/>
+                      <a:endParaRPr lang="en-US" b="1" dirty="0"/>
+                    </a:p>
+                  </a:txBody>
+                  <a:tcPr/>
+                </a:tc>
+                <a:tc>
+                  <a:txBody>
+                    <a:bodyPr/>
+                    <a:lstStyle/>
+                    <a:p>
+                      <a:pPr algn="ctr"/>
+                      <a:endParaRPr lang="en-US" b="1" dirty="0"/>
+                    </a:p>
+                  </a:txBody>
+                  <a:tcPr/>
+                </a:tc>
+                <a:extLst>
+                  <a:ext uri="{0D108BD9-81ED-4DB2-BD59-A6C34878D82A}">
+                    <a16:rowId xmlns:a16="http://schemas.microsoft.com/office/drawing/2014/main" val="73350374"/>
+                  </a:ext>
+                </a:extLst>
+              </a:tr>
+            </a:tbl>
+          </a:graphicData>
+        </a:graphic>
+      </p:graphicFrame>
+      <p:sp>
+        <p:nvSpPr>
+          <p:cNvPr id="34" name="TextBox 33">
+            <a:extLst>
+              <a:ext uri="{FF2B5EF4-FFF2-40B4-BE49-F238E27FC236}">
+                <a16:creationId xmlns:a16="http://schemas.microsoft.com/office/drawing/2014/main" id="{DAEDD285-38B2-A1C6-5943-56026291FF7B}"/>
+              </a:ext>
+            </a:extLst>
+          </p:cNvPr>
+          <p:cNvSpPr txBox="1"/>
+          <p:nvPr/>
+        </p:nvSpPr>
+        <p:spPr>
+          <a:xfrm>
+            <a:off x="8753344" y="1588968"/>
+            <a:ext cx="1011042" cy="369332"/>
+          </a:xfrm>
+          <a:prstGeom prst="rect">
+            <a:avLst/>
+          </a:prstGeom>
+          <a:noFill/>
+        </p:spPr>
+        <p:txBody>
+          <a:bodyPr wrap="square" rtlCol="0">
+            <a:spAutoFit/>
+          </a:bodyPr>
+          <a:lstStyle/>
+          <a:p>
+            <a:pPr algn="ctr"/>
+            <a:r>
+              <a:rPr lang="en-US" b="1" dirty="0"/>
+              <a:t>2</a:t>
+            </a:r>
+          </a:p>
+        </p:txBody>
+      </p:sp>
+      <p:sp>
+        <p:nvSpPr>
+          <p:cNvPr id="35" name="TextBox 34">
+            <a:extLst>
+              <a:ext uri="{FF2B5EF4-FFF2-40B4-BE49-F238E27FC236}">
+                <a16:creationId xmlns:a16="http://schemas.microsoft.com/office/drawing/2014/main" id="{BA7492F3-957D-1D32-2DEF-052DEC1674E8}"/>
+              </a:ext>
+            </a:extLst>
+          </p:cNvPr>
+          <p:cNvSpPr txBox="1"/>
+          <p:nvPr/>
+        </p:nvSpPr>
+        <p:spPr>
+          <a:xfrm>
+            <a:off x="7742302" y="1581925"/>
+            <a:ext cx="1011042" cy="369332"/>
+          </a:xfrm>
+          <a:prstGeom prst="rect">
+            <a:avLst/>
+          </a:prstGeom>
+          <a:noFill/>
+        </p:spPr>
+        <p:txBody>
+          <a:bodyPr wrap="square" rtlCol="0">
+            <a:spAutoFit/>
+          </a:bodyPr>
+          <a:lstStyle/>
+          <a:p>
+            <a:pPr algn="ctr"/>
+            <a:r>
+              <a:rPr lang="en-US" b="1" dirty="0"/>
+              <a:t>5</a:t>
+            </a:r>
+          </a:p>
+        </p:txBody>
+      </p:sp>
+      <p:sp>
+        <p:nvSpPr>
+          <p:cNvPr id="36" name="TextBox 35">
+            <a:extLst>
+              <a:ext uri="{FF2B5EF4-FFF2-40B4-BE49-F238E27FC236}">
+                <a16:creationId xmlns:a16="http://schemas.microsoft.com/office/drawing/2014/main" id="{B25402E9-B556-F4B9-CC7B-3B66B6E820A9}"/>
+              </a:ext>
+            </a:extLst>
+          </p:cNvPr>
+          <p:cNvSpPr txBox="1"/>
+          <p:nvPr/>
+        </p:nvSpPr>
+        <p:spPr>
+          <a:xfrm>
+            <a:off x="6711428" y="1591817"/>
+            <a:ext cx="1011042" cy="369332"/>
+          </a:xfrm>
+          <a:prstGeom prst="rect">
+            <a:avLst/>
+          </a:prstGeom>
+          <a:noFill/>
+        </p:spPr>
+        <p:txBody>
+          <a:bodyPr wrap="square" rtlCol="0">
+            <a:spAutoFit/>
+          </a:bodyPr>
+          <a:lstStyle/>
+          <a:p>
+            <a:pPr algn="ctr"/>
+            <a:r>
+              <a:rPr lang="en-US" b="1" dirty="0"/>
+              <a:t>7</a:t>
+            </a:r>
+          </a:p>
+        </p:txBody>
+      </p:sp>
+      <p:sp>
+        <p:nvSpPr>
+          <p:cNvPr id="37" name="TextBox 36">
+            <a:extLst>
+              <a:ext uri="{FF2B5EF4-FFF2-40B4-BE49-F238E27FC236}">
+                <a16:creationId xmlns:a16="http://schemas.microsoft.com/office/drawing/2014/main" id="{42C7F5EC-7C05-E084-DD90-A17FEA837F85}"/>
+              </a:ext>
+            </a:extLst>
+          </p:cNvPr>
+          <p:cNvSpPr txBox="1"/>
+          <p:nvPr/>
+        </p:nvSpPr>
+        <p:spPr>
+          <a:xfrm>
+            <a:off x="5700386" y="1581925"/>
+            <a:ext cx="1011042" cy="369332"/>
+          </a:xfrm>
+          <a:prstGeom prst="rect">
+            <a:avLst/>
+          </a:prstGeom>
+          <a:noFill/>
+        </p:spPr>
+        <p:txBody>
+          <a:bodyPr wrap="square" rtlCol="0">
+            <a:spAutoFit/>
+          </a:bodyPr>
+          <a:lstStyle/>
+          <a:p>
+            <a:pPr algn="ctr"/>
+            <a:r>
+              <a:rPr lang="en-US" b="1" dirty="0"/>
+              <a:t>2</a:t>
+            </a:r>
+          </a:p>
+        </p:txBody>
+      </p:sp>
+      <p:sp>
+        <p:nvSpPr>
+          <p:cNvPr id="38" name="TextBox 37">
+            <a:extLst>
+              <a:ext uri="{FF2B5EF4-FFF2-40B4-BE49-F238E27FC236}">
+                <a16:creationId xmlns:a16="http://schemas.microsoft.com/office/drawing/2014/main" id="{734463A4-D898-1910-BA15-9FFC3DE68088}"/>
+              </a:ext>
+            </a:extLst>
+          </p:cNvPr>
+          <p:cNvSpPr txBox="1"/>
+          <p:nvPr/>
+        </p:nvSpPr>
+        <p:spPr>
+          <a:xfrm>
+            <a:off x="4689344" y="1586449"/>
+            <a:ext cx="1011042" cy="369332"/>
+          </a:xfrm>
+          <a:prstGeom prst="rect">
+            <a:avLst/>
+          </a:prstGeom>
+          <a:noFill/>
+        </p:spPr>
+        <p:txBody>
+          <a:bodyPr wrap="square" rtlCol="0">
+            <a:spAutoFit/>
+          </a:bodyPr>
+          <a:lstStyle/>
+          <a:p>
+            <a:pPr algn="ctr"/>
+            <a:r>
+              <a:rPr lang="en-US" b="1" dirty="0"/>
+              <a:t>1</a:t>
+            </a:r>
+          </a:p>
+        </p:txBody>
+      </p:sp>
+      <p:sp>
+        <p:nvSpPr>
+          <p:cNvPr id="39" name="TextBox 38">
+            <a:extLst>
+              <a:ext uri="{FF2B5EF4-FFF2-40B4-BE49-F238E27FC236}">
+                <a16:creationId xmlns:a16="http://schemas.microsoft.com/office/drawing/2014/main" id="{171E7D7C-236E-3FA9-1BEC-5774A36FF656}"/>
+              </a:ext>
+            </a:extLst>
+          </p:cNvPr>
+          <p:cNvSpPr txBox="1"/>
+          <p:nvPr/>
+        </p:nvSpPr>
+        <p:spPr>
+          <a:xfrm>
+            <a:off x="3678302" y="1581925"/>
+            <a:ext cx="991210" cy="369332"/>
+          </a:xfrm>
+          <a:prstGeom prst="rect">
+            <a:avLst/>
+          </a:prstGeom>
+          <a:noFill/>
+        </p:spPr>
+        <p:txBody>
+          <a:bodyPr wrap="square" rtlCol="0">
+            <a:spAutoFit/>
+          </a:bodyPr>
+          <a:lstStyle/>
+          <a:p>
+            <a:pPr algn="ctr"/>
+            <a:r>
+              <a:rPr lang="en-US" b="1" dirty="0"/>
+              <a:t>4</a:t>
+            </a:r>
+          </a:p>
+        </p:txBody>
+      </p:sp>
+      <p:sp>
+        <p:nvSpPr>
+          <p:cNvPr id="40" name="TextBox 39">
+            <a:extLst>
+              <a:ext uri="{FF2B5EF4-FFF2-40B4-BE49-F238E27FC236}">
+                <a16:creationId xmlns:a16="http://schemas.microsoft.com/office/drawing/2014/main" id="{092264B9-ACF7-0D1B-DF4F-3EBC74142887}"/>
+              </a:ext>
+            </a:extLst>
+          </p:cNvPr>
+          <p:cNvSpPr txBox="1"/>
+          <p:nvPr/>
+        </p:nvSpPr>
+        <p:spPr>
+          <a:xfrm>
+            <a:off x="2647428" y="1582422"/>
+            <a:ext cx="1011042" cy="369332"/>
+          </a:xfrm>
+          <a:prstGeom prst="rect">
+            <a:avLst/>
+          </a:prstGeom>
+          <a:noFill/>
+        </p:spPr>
+        <p:txBody>
+          <a:bodyPr wrap="square" rtlCol="0">
+            <a:spAutoFit/>
+          </a:bodyPr>
+          <a:lstStyle/>
+          <a:p>
+            <a:pPr algn="ctr"/>
+            <a:r>
+              <a:rPr lang="en-US" b="1" dirty="0"/>
+              <a:t>1</a:t>
             </a:r>
           </a:p>
         </p:txBody>
@@ -7429,13 +10684,1671 @@
     </p:spTree>
     <p:extLst>
       <p:ext uri="{BB962C8B-B14F-4D97-AF65-F5344CB8AC3E}">
-        <p14:creationId xmlns:p14="http://schemas.microsoft.com/office/powerpoint/2010/main" val="1334579640"/>
+        <p14:creationId xmlns:p14="http://schemas.microsoft.com/office/powerpoint/2010/main" val="4183550030"/>
       </p:ext>
     </p:extLst>
   </p:cSld>
   <p:clrMapOvr>
     <a:masterClrMapping/>
   </p:clrMapOvr>
+  <p:timing>
+    <p:tnLst>
+      <p:par>
+        <p:cTn id="1" dur="indefinite" restart="never" nodeType="tmRoot">
+          <p:childTnLst>
+            <p:seq concurrent="1" nextAc="seek">
+              <p:cTn id="2" dur="indefinite" nodeType="mainSeq">
+                <p:childTnLst>
+                  <p:par>
+                    <p:cTn id="3" fill="hold">
+                      <p:stCondLst>
+                        <p:cond delay="indefinite"/>
+                      </p:stCondLst>
+                      <p:childTnLst>
+                        <p:par>
+                          <p:cTn id="4" fill="hold">
+                            <p:stCondLst>
+                              <p:cond delay="0"/>
+                            </p:stCondLst>
+                            <p:childTnLst>
+                              <p:par>
+                                <p:cTn id="5" presetID="1" presetClass="emph" presetSubtype="2" fill="hold" grpId="0" nodeType="clickEffect">
+                                  <p:stCondLst>
+                                    <p:cond delay="0"/>
+                                  </p:stCondLst>
+                                  <p:childTnLst>
+                                    <p:animClr clrSpc="rgb" dir="cw">
+                                      <p:cBhvr>
+                                        <p:cTn id="6" dur="2000" fill="hold"/>
+                                        <p:tgtEl>
+                                          <p:spTgt spid="34"/>
+                                        </p:tgtEl>
+                                        <p:attrNameLst>
+                                          <p:attrName>fillcolor</p:attrName>
+                                        </p:attrNameLst>
+                                      </p:cBhvr>
+                                      <p:to>
+                                        <a:schemeClr val="accent2"/>
+                                      </p:to>
+                                    </p:animClr>
+                                    <p:set>
+                                      <p:cBhvr>
+                                        <p:cTn id="7" dur="2000" fill="hold"/>
+                                        <p:tgtEl>
+                                          <p:spTgt spid="34"/>
+                                        </p:tgtEl>
+                                        <p:attrNameLst>
+                                          <p:attrName>fill.type</p:attrName>
+                                        </p:attrNameLst>
+                                      </p:cBhvr>
+                                      <p:to>
+                                        <p:strVal val="solid"/>
+                                      </p:to>
+                                    </p:set>
+                                    <p:set>
+                                      <p:cBhvr>
+                                        <p:cTn id="8" dur="2000" fill="hold"/>
+                                        <p:tgtEl>
+                                          <p:spTgt spid="34"/>
+                                        </p:tgtEl>
+                                        <p:attrNameLst>
+                                          <p:attrName>fill.on</p:attrName>
+                                        </p:attrNameLst>
+                                      </p:cBhvr>
+                                      <p:to>
+                                        <p:strVal val="true"/>
+                                      </p:to>
+                                    </p:set>
+                                  </p:childTnLst>
+                                </p:cTn>
+                              </p:par>
+                            </p:childTnLst>
+                          </p:cTn>
+                        </p:par>
+                      </p:childTnLst>
+                    </p:cTn>
+                  </p:par>
+                  <p:par>
+                    <p:cTn id="9" fill="hold">
+                      <p:stCondLst>
+                        <p:cond delay="indefinite"/>
+                      </p:stCondLst>
+                      <p:childTnLst>
+                        <p:par>
+                          <p:cTn id="10" fill="hold">
+                            <p:stCondLst>
+                              <p:cond delay="0"/>
+                            </p:stCondLst>
+                            <p:childTnLst>
+                              <p:par>
+                                <p:cTn id="11" presetID="1" presetClass="emph" presetSubtype="2" fill="hold" nodeType="clickEffect">
+                                  <p:stCondLst>
+                                    <p:cond delay="0"/>
+                                  </p:stCondLst>
+                                  <p:childTnLst>
+                                    <p:animClr clrSpc="rgb" dir="cw">
+                                      <p:cBhvr>
+                                        <p:cTn id="12" dur="2000" fill="hold"/>
+                                        <p:tgtEl>
+                                          <p:spTgt spid="17"/>
+                                        </p:tgtEl>
+                                        <p:attrNameLst>
+                                          <p:attrName>fillcolor</p:attrName>
+                                        </p:attrNameLst>
+                                      </p:cBhvr>
+                                      <p:to>
+                                        <a:schemeClr val="accent2"/>
+                                      </p:to>
+                                    </p:animClr>
+                                    <p:set>
+                                      <p:cBhvr>
+                                        <p:cTn id="13" dur="2000" fill="hold"/>
+                                        <p:tgtEl>
+                                          <p:spTgt spid="17"/>
+                                        </p:tgtEl>
+                                        <p:attrNameLst>
+                                          <p:attrName>fill.type</p:attrName>
+                                        </p:attrNameLst>
+                                      </p:cBhvr>
+                                      <p:to>
+                                        <p:strVal val="solid"/>
+                                      </p:to>
+                                    </p:set>
+                                    <p:set>
+                                      <p:cBhvr>
+                                        <p:cTn id="14" dur="2000" fill="hold"/>
+                                        <p:tgtEl>
+                                          <p:spTgt spid="17"/>
+                                        </p:tgtEl>
+                                        <p:attrNameLst>
+                                          <p:attrName>fill.on</p:attrName>
+                                        </p:attrNameLst>
+                                      </p:cBhvr>
+                                      <p:to>
+                                        <p:strVal val="true"/>
+                                      </p:to>
+                                    </p:set>
+                                  </p:childTnLst>
+                                </p:cTn>
+                              </p:par>
+                            </p:childTnLst>
+                          </p:cTn>
+                        </p:par>
+                      </p:childTnLst>
+                    </p:cTn>
+                  </p:par>
+                  <p:par>
+                    <p:cTn id="15" fill="hold">
+                      <p:stCondLst>
+                        <p:cond delay="indefinite"/>
+                      </p:stCondLst>
+                      <p:childTnLst>
+                        <p:par>
+                          <p:cTn id="16" fill="hold">
+                            <p:stCondLst>
+                              <p:cond delay="0"/>
+                            </p:stCondLst>
+                            <p:childTnLst>
+                              <p:par>
+                                <p:cTn id="17" presetID="2" presetClass="entr" presetSubtype="4" fill="hold" grpId="0" nodeType="clickEffect">
+                                  <p:stCondLst>
+                                    <p:cond delay="0"/>
+                                  </p:stCondLst>
+                                  <p:childTnLst>
+                                    <p:set>
+                                      <p:cBhvr>
+                                        <p:cTn id="18" dur="1" fill="hold">
+                                          <p:stCondLst>
+                                            <p:cond delay="0"/>
+                                          </p:stCondLst>
+                                        </p:cTn>
+                                        <p:tgtEl>
+                                          <p:spTgt spid="29"/>
+                                        </p:tgtEl>
+                                        <p:attrNameLst>
+                                          <p:attrName>style.visibility</p:attrName>
+                                        </p:attrNameLst>
+                                      </p:cBhvr>
+                                      <p:to>
+                                        <p:strVal val="visible"/>
+                                      </p:to>
+                                    </p:set>
+                                    <p:anim calcmode="lin" valueType="num">
+                                      <p:cBhvr additive="base">
+                                        <p:cTn id="19" dur="500" fill="hold"/>
+                                        <p:tgtEl>
+                                          <p:spTgt spid="29"/>
+                                        </p:tgtEl>
+                                        <p:attrNameLst>
+                                          <p:attrName>ppt_x</p:attrName>
+                                        </p:attrNameLst>
+                                      </p:cBhvr>
+                                      <p:tavLst>
+                                        <p:tav tm="0">
+                                          <p:val>
+                                            <p:strVal val="#ppt_x"/>
+                                          </p:val>
+                                        </p:tav>
+                                        <p:tav tm="100000">
+                                          <p:val>
+                                            <p:strVal val="#ppt_x"/>
+                                          </p:val>
+                                        </p:tav>
+                                      </p:tavLst>
+                                    </p:anim>
+                                    <p:anim calcmode="lin" valueType="num">
+                                      <p:cBhvr additive="base">
+                                        <p:cTn id="20" dur="500" fill="hold"/>
+                                        <p:tgtEl>
+                                          <p:spTgt spid="29"/>
+                                        </p:tgtEl>
+                                        <p:attrNameLst>
+                                          <p:attrName>ppt_y</p:attrName>
+                                        </p:attrNameLst>
+                                      </p:cBhvr>
+                                      <p:tavLst>
+                                        <p:tav tm="0">
+                                          <p:val>
+                                            <p:strVal val="1+#ppt_h/2"/>
+                                          </p:val>
+                                        </p:tav>
+                                        <p:tav tm="100000">
+                                          <p:val>
+                                            <p:strVal val="#ppt_y"/>
+                                          </p:val>
+                                        </p:tav>
+                                      </p:tavLst>
+                                    </p:anim>
+                                  </p:childTnLst>
+                                </p:cTn>
+                              </p:par>
+                            </p:childTnLst>
+                          </p:cTn>
+                        </p:par>
+                      </p:childTnLst>
+                    </p:cTn>
+                  </p:par>
+                  <p:par>
+                    <p:cTn id="21" fill="hold">
+                      <p:stCondLst>
+                        <p:cond delay="indefinite"/>
+                      </p:stCondLst>
+                      <p:childTnLst>
+                        <p:par>
+                          <p:cTn id="22" fill="hold">
+                            <p:stCondLst>
+                              <p:cond delay="0"/>
+                            </p:stCondLst>
+                            <p:childTnLst>
+                              <p:par>
+                                <p:cTn id="23" presetID="1" presetClass="emph" presetSubtype="2" fill="hold" grpId="0" nodeType="clickEffect">
+                                  <p:stCondLst>
+                                    <p:cond delay="0"/>
+                                  </p:stCondLst>
+                                  <p:childTnLst>
+                                    <p:animClr clrSpc="rgb" dir="cw">
+                                      <p:cBhvr>
+                                        <p:cTn id="24" dur="2000" fill="hold"/>
+                                        <p:tgtEl>
+                                          <p:spTgt spid="35"/>
+                                        </p:tgtEl>
+                                        <p:attrNameLst>
+                                          <p:attrName>fillcolor</p:attrName>
+                                        </p:attrNameLst>
+                                      </p:cBhvr>
+                                      <p:to>
+                                        <a:schemeClr val="accent2"/>
+                                      </p:to>
+                                    </p:animClr>
+                                    <p:set>
+                                      <p:cBhvr>
+                                        <p:cTn id="25" dur="2000" fill="hold"/>
+                                        <p:tgtEl>
+                                          <p:spTgt spid="35"/>
+                                        </p:tgtEl>
+                                        <p:attrNameLst>
+                                          <p:attrName>fill.type</p:attrName>
+                                        </p:attrNameLst>
+                                      </p:cBhvr>
+                                      <p:to>
+                                        <p:strVal val="solid"/>
+                                      </p:to>
+                                    </p:set>
+                                    <p:set>
+                                      <p:cBhvr>
+                                        <p:cTn id="26" dur="2000" fill="hold"/>
+                                        <p:tgtEl>
+                                          <p:spTgt spid="35"/>
+                                        </p:tgtEl>
+                                        <p:attrNameLst>
+                                          <p:attrName>fill.on</p:attrName>
+                                        </p:attrNameLst>
+                                      </p:cBhvr>
+                                      <p:to>
+                                        <p:strVal val="true"/>
+                                      </p:to>
+                                    </p:set>
+                                  </p:childTnLst>
+                                </p:cTn>
+                              </p:par>
+                            </p:childTnLst>
+                          </p:cTn>
+                        </p:par>
+                      </p:childTnLst>
+                    </p:cTn>
+                  </p:par>
+                  <p:par>
+                    <p:cTn id="27" fill="hold">
+                      <p:stCondLst>
+                        <p:cond delay="indefinite"/>
+                      </p:stCondLst>
+                      <p:childTnLst>
+                        <p:par>
+                          <p:cTn id="28" fill="hold">
+                            <p:stCondLst>
+                              <p:cond delay="0"/>
+                            </p:stCondLst>
+                            <p:childTnLst>
+                              <p:par>
+                                <p:cTn id="29" presetID="1" presetClass="emph" presetSubtype="2" fill="hold" nodeType="clickEffect">
+                                  <p:stCondLst>
+                                    <p:cond delay="0"/>
+                                  </p:stCondLst>
+                                  <p:childTnLst>
+                                    <p:animClr clrSpc="rgb" dir="cw">
+                                      <p:cBhvr>
+                                        <p:cTn id="30" dur="2000" fill="hold"/>
+                                        <p:tgtEl>
+                                          <p:spTgt spid="20"/>
+                                        </p:tgtEl>
+                                        <p:attrNameLst>
+                                          <p:attrName>fillcolor</p:attrName>
+                                        </p:attrNameLst>
+                                      </p:cBhvr>
+                                      <p:to>
+                                        <a:schemeClr val="accent2"/>
+                                      </p:to>
+                                    </p:animClr>
+                                    <p:set>
+                                      <p:cBhvr>
+                                        <p:cTn id="31" dur="2000" fill="hold"/>
+                                        <p:tgtEl>
+                                          <p:spTgt spid="20"/>
+                                        </p:tgtEl>
+                                        <p:attrNameLst>
+                                          <p:attrName>fill.type</p:attrName>
+                                        </p:attrNameLst>
+                                      </p:cBhvr>
+                                      <p:to>
+                                        <p:strVal val="solid"/>
+                                      </p:to>
+                                    </p:set>
+                                    <p:set>
+                                      <p:cBhvr>
+                                        <p:cTn id="32" dur="2000" fill="hold"/>
+                                        <p:tgtEl>
+                                          <p:spTgt spid="20"/>
+                                        </p:tgtEl>
+                                        <p:attrNameLst>
+                                          <p:attrName>fill.on</p:attrName>
+                                        </p:attrNameLst>
+                                      </p:cBhvr>
+                                      <p:to>
+                                        <p:strVal val="true"/>
+                                      </p:to>
+                                    </p:set>
+                                  </p:childTnLst>
+                                </p:cTn>
+                              </p:par>
+                            </p:childTnLst>
+                          </p:cTn>
+                        </p:par>
+                      </p:childTnLst>
+                    </p:cTn>
+                  </p:par>
+                  <p:par>
+                    <p:cTn id="33" fill="hold">
+                      <p:stCondLst>
+                        <p:cond delay="indefinite"/>
+                      </p:stCondLst>
+                      <p:childTnLst>
+                        <p:par>
+                          <p:cTn id="34" fill="hold">
+                            <p:stCondLst>
+                              <p:cond delay="0"/>
+                            </p:stCondLst>
+                            <p:childTnLst>
+                              <p:par>
+                                <p:cTn id="35" presetID="2" presetClass="entr" presetSubtype="4" fill="hold" grpId="0" nodeType="clickEffect">
+                                  <p:stCondLst>
+                                    <p:cond delay="0"/>
+                                  </p:stCondLst>
+                                  <p:childTnLst>
+                                    <p:set>
+                                      <p:cBhvr>
+                                        <p:cTn id="36" dur="1" fill="hold">
+                                          <p:stCondLst>
+                                            <p:cond delay="0"/>
+                                          </p:stCondLst>
+                                        </p:cTn>
+                                        <p:tgtEl>
+                                          <p:spTgt spid="31"/>
+                                        </p:tgtEl>
+                                        <p:attrNameLst>
+                                          <p:attrName>style.visibility</p:attrName>
+                                        </p:attrNameLst>
+                                      </p:cBhvr>
+                                      <p:to>
+                                        <p:strVal val="visible"/>
+                                      </p:to>
+                                    </p:set>
+                                    <p:anim calcmode="lin" valueType="num">
+                                      <p:cBhvr additive="base">
+                                        <p:cTn id="37" dur="500" fill="hold"/>
+                                        <p:tgtEl>
+                                          <p:spTgt spid="31"/>
+                                        </p:tgtEl>
+                                        <p:attrNameLst>
+                                          <p:attrName>ppt_x</p:attrName>
+                                        </p:attrNameLst>
+                                      </p:cBhvr>
+                                      <p:tavLst>
+                                        <p:tav tm="0">
+                                          <p:val>
+                                            <p:strVal val="#ppt_x"/>
+                                          </p:val>
+                                        </p:tav>
+                                        <p:tav tm="100000">
+                                          <p:val>
+                                            <p:strVal val="#ppt_x"/>
+                                          </p:val>
+                                        </p:tav>
+                                      </p:tavLst>
+                                    </p:anim>
+                                    <p:anim calcmode="lin" valueType="num">
+                                      <p:cBhvr additive="base">
+                                        <p:cTn id="38" dur="500" fill="hold"/>
+                                        <p:tgtEl>
+                                          <p:spTgt spid="31"/>
+                                        </p:tgtEl>
+                                        <p:attrNameLst>
+                                          <p:attrName>ppt_y</p:attrName>
+                                        </p:attrNameLst>
+                                      </p:cBhvr>
+                                      <p:tavLst>
+                                        <p:tav tm="0">
+                                          <p:val>
+                                            <p:strVal val="1+#ppt_h/2"/>
+                                          </p:val>
+                                        </p:tav>
+                                        <p:tav tm="100000">
+                                          <p:val>
+                                            <p:strVal val="#ppt_y"/>
+                                          </p:val>
+                                        </p:tav>
+                                      </p:tavLst>
+                                    </p:anim>
+                                  </p:childTnLst>
+                                </p:cTn>
+                              </p:par>
+                            </p:childTnLst>
+                          </p:cTn>
+                        </p:par>
+                      </p:childTnLst>
+                    </p:cTn>
+                  </p:par>
+                  <p:par>
+                    <p:cTn id="39" fill="hold">
+                      <p:stCondLst>
+                        <p:cond delay="indefinite"/>
+                      </p:stCondLst>
+                      <p:childTnLst>
+                        <p:par>
+                          <p:cTn id="40" fill="hold">
+                            <p:stCondLst>
+                              <p:cond delay="0"/>
+                            </p:stCondLst>
+                            <p:childTnLst>
+                              <p:par>
+                                <p:cTn id="41" presetID="1" presetClass="emph" presetSubtype="2" fill="hold" grpId="0" nodeType="clickEffect">
+                                  <p:stCondLst>
+                                    <p:cond delay="0"/>
+                                  </p:stCondLst>
+                                  <p:childTnLst>
+                                    <p:animClr clrSpc="rgb" dir="cw">
+                                      <p:cBhvr>
+                                        <p:cTn id="42" dur="2000" fill="hold"/>
+                                        <p:tgtEl>
+                                          <p:spTgt spid="36"/>
+                                        </p:tgtEl>
+                                        <p:attrNameLst>
+                                          <p:attrName>fillcolor</p:attrName>
+                                        </p:attrNameLst>
+                                      </p:cBhvr>
+                                      <p:to>
+                                        <a:schemeClr val="accent2"/>
+                                      </p:to>
+                                    </p:animClr>
+                                    <p:set>
+                                      <p:cBhvr>
+                                        <p:cTn id="43" dur="2000" fill="hold"/>
+                                        <p:tgtEl>
+                                          <p:spTgt spid="36"/>
+                                        </p:tgtEl>
+                                        <p:attrNameLst>
+                                          <p:attrName>fill.type</p:attrName>
+                                        </p:attrNameLst>
+                                      </p:cBhvr>
+                                      <p:to>
+                                        <p:strVal val="solid"/>
+                                      </p:to>
+                                    </p:set>
+                                    <p:set>
+                                      <p:cBhvr>
+                                        <p:cTn id="44" dur="2000" fill="hold"/>
+                                        <p:tgtEl>
+                                          <p:spTgt spid="36"/>
+                                        </p:tgtEl>
+                                        <p:attrNameLst>
+                                          <p:attrName>fill.on</p:attrName>
+                                        </p:attrNameLst>
+                                      </p:cBhvr>
+                                      <p:to>
+                                        <p:strVal val="true"/>
+                                      </p:to>
+                                    </p:set>
+                                  </p:childTnLst>
+                                </p:cTn>
+                              </p:par>
+                            </p:childTnLst>
+                          </p:cTn>
+                        </p:par>
+                      </p:childTnLst>
+                    </p:cTn>
+                  </p:par>
+                  <p:par>
+                    <p:cTn id="45" fill="hold">
+                      <p:stCondLst>
+                        <p:cond delay="indefinite"/>
+                      </p:stCondLst>
+                      <p:childTnLst>
+                        <p:par>
+                          <p:cTn id="46" fill="hold">
+                            <p:stCondLst>
+                              <p:cond delay="0"/>
+                            </p:stCondLst>
+                            <p:childTnLst>
+                              <p:par>
+                                <p:cTn id="47" presetID="1" presetClass="emph" presetSubtype="2" fill="hold" nodeType="clickEffect">
+                                  <p:stCondLst>
+                                    <p:cond delay="0"/>
+                                  </p:stCondLst>
+                                  <p:childTnLst>
+                                    <p:animClr clrSpc="rgb" dir="cw">
+                                      <p:cBhvr>
+                                        <p:cTn id="48" dur="2000" fill="hold"/>
+                                        <p:tgtEl>
+                                          <p:spTgt spid="22"/>
+                                        </p:tgtEl>
+                                        <p:attrNameLst>
+                                          <p:attrName>fillcolor</p:attrName>
+                                        </p:attrNameLst>
+                                      </p:cBhvr>
+                                      <p:to>
+                                        <a:schemeClr val="accent2"/>
+                                      </p:to>
+                                    </p:animClr>
+                                    <p:set>
+                                      <p:cBhvr>
+                                        <p:cTn id="49" dur="2000" fill="hold"/>
+                                        <p:tgtEl>
+                                          <p:spTgt spid="22"/>
+                                        </p:tgtEl>
+                                        <p:attrNameLst>
+                                          <p:attrName>fill.type</p:attrName>
+                                        </p:attrNameLst>
+                                      </p:cBhvr>
+                                      <p:to>
+                                        <p:strVal val="solid"/>
+                                      </p:to>
+                                    </p:set>
+                                    <p:set>
+                                      <p:cBhvr>
+                                        <p:cTn id="50" dur="2000" fill="hold"/>
+                                        <p:tgtEl>
+                                          <p:spTgt spid="22"/>
+                                        </p:tgtEl>
+                                        <p:attrNameLst>
+                                          <p:attrName>fill.on</p:attrName>
+                                        </p:attrNameLst>
+                                      </p:cBhvr>
+                                      <p:to>
+                                        <p:strVal val="true"/>
+                                      </p:to>
+                                    </p:set>
+                                  </p:childTnLst>
+                                </p:cTn>
+                              </p:par>
+                            </p:childTnLst>
+                          </p:cTn>
+                        </p:par>
+                      </p:childTnLst>
+                    </p:cTn>
+                  </p:par>
+                  <p:par>
+                    <p:cTn id="51" fill="hold">
+                      <p:stCondLst>
+                        <p:cond delay="indefinite"/>
+                      </p:stCondLst>
+                      <p:childTnLst>
+                        <p:par>
+                          <p:cTn id="52" fill="hold">
+                            <p:stCondLst>
+                              <p:cond delay="0"/>
+                            </p:stCondLst>
+                            <p:childTnLst>
+                              <p:par>
+                                <p:cTn id="53" presetID="2" presetClass="entr" presetSubtype="4" fill="hold" grpId="0" nodeType="clickEffect">
+                                  <p:stCondLst>
+                                    <p:cond delay="0"/>
+                                  </p:stCondLst>
+                                  <p:childTnLst>
+                                    <p:set>
+                                      <p:cBhvr>
+                                        <p:cTn id="54" dur="1" fill="hold">
+                                          <p:stCondLst>
+                                            <p:cond delay="0"/>
+                                          </p:stCondLst>
+                                        </p:cTn>
+                                        <p:tgtEl>
+                                          <p:spTgt spid="32"/>
+                                        </p:tgtEl>
+                                        <p:attrNameLst>
+                                          <p:attrName>style.visibility</p:attrName>
+                                        </p:attrNameLst>
+                                      </p:cBhvr>
+                                      <p:to>
+                                        <p:strVal val="visible"/>
+                                      </p:to>
+                                    </p:set>
+                                    <p:anim calcmode="lin" valueType="num">
+                                      <p:cBhvr additive="base">
+                                        <p:cTn id="55" dur="500" fill="hold"/>
+                                        <p:tgtEl>
+                                          <p:spTgt spid="32"/>
+                                        </p:tgtEl>
+                                        <p:attrNameLst>
+                                          <p:attrName>ppt_x</p:attrName>
+                                        </p:attrNameLst>
+                                      </p:cBhvr>
+                                      <p:tavLst>
+                                        <p:tav tm="0">
+                                          <p:val>
+                                            <p:strVal val="#ppt_x"/>
+                                          </p:val>
+                                        </p:tav>
+                                        <p:tav tm="100000">
+                                          <p:val>
+                                            <p:strVal val="#ppt_x"/>
+                                          </p:val>
+                                        </p:tav>
+                                      </p:tavLst>
+                                    </p:anim>
+                                    <p:anim calcmode="lin" valueType="num">
+                                      <p:cBhvr additive="base">
+                                        <p:cTn id="56" dur="500" fill="hold"/>
+                                        <p:tgtEl>
+                                          <p:spTgt spid="32"/>
+                                        </p:tgtEl>
+                                        <p:attrNameLst>
+                                          <p:attrName>ppt_y</p:attrName>
+                                        </p:attrNameLst>
+                                      </p:cBhvr>
+                                      <p:tavLst>
+                                        <p:tav tm="0">
+                                          <p:val>
+                                            <p:strVal val="1+#ppt_h/2"/>
+                                          </p:val>
+                                        </p:tav>
+                                        <p:tav tm="100000">
+                                          <p:val>
+                                            <p:strVal val="#ppt_y"/>
+                                          </p:val>
+                                        </p:tav>
+                                      </p:tavLst>
+                                    </p:anim>
+                                  </p:childTnLst>
+                                </p:cTn>
+                              </p:par>
+                            </p:childTnLst>
+                          </p:cTn>
+                        </p:par>
+                      </p:childTnLst>
+                    </p:cTn>
+                  </p:par>
+                  <p:par>
+                    <p:cTn id="57" fill="hold">
+                      <p:stCondLst>
+                        <p:cond delay="indefinite"/>
+                      </p:stCondLst>
+                      <p:childTnLst>
+                        <p:par>
+                          <p:cTn id="58" fill="hold">
+                            <p:stCondLst>
+                              <p:cond delay="0"/>
+                            </p:stCondLst>
+                            <p:childTnLst>
+                              <p:par>
+                                <p:cTn id="59" presetID="1" presetClass="emph" presetSubtype="2" fill="hold" grpId="0" nodeType="clickEffect">
+                                  <p:stCondLst>
+                                    <p:cond delay="0"/>
+                                  </p:stCondLst>
+                                  <p:childTnLst>
+                                    <p:animClr clrSpc="rgb" dir="cw">
+                                      <p:cBhvr>
+                                        <p:cTn id="60" dur="2000" fill="hold"/>
+                                        <p:tgtEl>
+                                          <p:spTgt spid="37"/>
+                                        </p:tgtEl>
+                                        <p:attrNameLst>
+                                          <p:attrName>fillcolor</p:attrName>
+                                        </p:attrNameLst>
+                                      </p:cBhvr>
+                                      <p:to>
+                                        <a:schemeClr val="accent2"/>
+                                      </p:to>
+                                    </p:animClr>
+                                    <p:set>
+                                      <p:cBhvr>
+                                        <p:cTn id="61" dur="2000" fill="hold"/>
+                                        <p:tgtEl>
+                                          <p:spTgt spid="37"/>
+                                        </p:tgtEl>
+                                        <p:attrNameLst>
+                                          <p:attrName>fill.type</p:attrName>
+                                        </p:attrNameLst>
+                                      </p:cBhvr>
+                                      <p:to>
+                                        <p:strVal val="solid"/>
+                                      </p:to>
+                                    </p:set>
+                                    <p:set>
+                                      <p:cBhvr>
+                                        <p:cTn id="62" dur="2000" fill="hold"/>
+                                        <p:tgtEl>
+                                          <p:spTgt spid="37"/>
+                                        </p:tgtEl>
+                                        <p:attrNameLst>
+                                          <p:attrName>fill.on</p:attrName>
+                                        </p:attrNameLst>
+                                      </p:cBhvr>
+                                      <p:to>
+                                        <p:strVal val="true"/>
+                                      </p:to>
+                                    </p:set>
+                                  </p:childTnLst>
+                                </p:cTn>
+                              </p:par>
+                            </p:childTnLst>
+                          </p:cTn>
+                        </p:par>
+                      </p:childTnLst>
+                    </p:cTn>
+                  </p:par>
+                  <p:par>
+                    <p:cTn id="63" fill="hold">
+                      <p:stCondLst>
+                        <p:cond delay="indefinite"/>
+                      </p:stCondLst>
+                      <p:childTnLst>
+                        <p:par>
+                          <p:cTn id="64" fill="hold">
+                            <p:stCondLst>
+                              <p:cond delay="0"/>
+                            </p:stCondLst>
+                            <p:childTnLst>
+                              <p:par>
+                                <p:cTn id="65" presetID="1" presetClass="emph" presetSubtype="2" fill="hold" nodeType="clickEffect">
+                                  <p:stCondLst>
+                                    <p:cond delay="0"/>
+                                  </p:stCondLst>
+                                  <p:childTnLst>
+                                    <p:animClr clrSpc="rgb" dir="cw">
+                                      <p:cBhvr>
+                                        <p:cTn id="66" dur="2000" fill="hold"/>
+                                        <p:tgtEl>
+                                          <p:spTgt spid="17"/>
+                                        </p:tgtEl>
+                                        <p:attrNameLst>
+                                          <p:attrName>fillcolor</p:attrName>
+                                        </p:attrNameLst>
+                                      </p:cBhvr>
+                                      <p:to>
+                                        <a:schemeClr val="accent2"/>
+                                      </p:to>
+                                    </p:animClr>
+                                    <p:set>
+                                      <p:cBhvr>
+                                        <p:cTn id="67" dur="2000" fill="hold"/>
+                                        <p:tgtEl>
+                                          <p:spTgt spid="17"/>
+                                        </p:tgtEl>
+                                        <p:attrNameLst>
+                                          <p:attrName>fill.type</p:attrName>
+                                        </p:attrNameLst>
+                                      </p:cBhvr>
+                                      <p:to>
+                                        <p:strVal val="solid"/>
+                                      </p:to>
+                                    </p:set>
+                                    <p:set>
+                                      <p:cBhvr>
+                                        <p:cTn id="68" dur="2000" fill="hold"/>
+                                        <p:tgtEl>
+                                          <p:spTgt spid="17"/>
+                                        </p:tgtEl>
+                                        <p:attrNameLst>
+                                          <p:attrName>fill.on</p:attrName>
+                                        </p:attrNameLst>
+                                      </p:cBhvr>
+                                      <p:to>
+                                        <p:strVal val="true"/>
+                                      </p:to>
+                                    </p:set>
+                                  </p:childTnLst>
+                                </p:cTn>
+                              </p:par>
+                            </p:childTnLst>
+                          </p:cTn>
+                        </p:par>
+                      </p:childTnLst>
+                    </p:cTn>
+                  </p:par>
+                  <p:par>
+                    <p:cTn id="69" fill="hold">
+                      <p:stCondLst>
+                        <p:cond delay="indefinite"/>
+                      </p:stCondLst>
+                      <p:childTnLst>
+                        <p:par>
+                          <p:cTn id="70" fill="hold">
+                            <p:stCondLst>
+                              <p:cond delay="0"/>
+                            </p:stCondLst>
+                            <p:childTnLst>
+                              <p:par>
+                                <p:cTn id="71" presetID="2" presetClass="entr" presetSubtype="4" fill="hold" grpId="0" nodeType="clickEffect">
+                                  <p:stCondLst>
+                                    <p:cond delay="0"/>
+                                  </p:stCondLst>
+                                  <p:childTnLst>
+                                    <p:set>
+                                      <p:cBhvr>
+                                        <p:cTn id="72" dur="1" fill="hold">
+                                          <p:stCondLst>
+                                            <p:cond delay="0"/>
+                                          </p:stCondLst>
+                                        </p:cTn>
+                                        <p:tgtEl>
+                                          <p:spTgt spid="28"/>
+                                        </p:tgtEl>
+                                        <p:attrNameLst>
+                                          <p:attrName>style.visibility</p:attrName>
+                                        </p:attrNameLst>
+                                      </p:cBhvr>
+                                      <p:to>
+                                        <p:strVal val="visible"/>
+                                      </p:to>
+                                    </p:set>
+                                    <p:anim calcmode="lin" valueType="num">
+                                      <p:cBhvr additive="base">
+                                        <p:cTn id="73" dur="500" fill="hold"/>
+                                        <p:tgtEl>
+                                          <p:spTgt spid="28"/>
+                                        </p:tgtEl>
+                                        <p:attrNameLst>
+                                          <p:attrName>ppt_x</p:attrName>
+                                        </p:attrNameLst>
+                                      </p:cBhvr>
+                                      <p:tavLst>
+                                        <p:tav tm="0">
+                                          <p:val>
+                                            <p:strVal val="#ppt_x"/>
+                                          </p:val>
+                                        </p:tav>
+                                        <p:tav tm="100000">
+                                          <p:val>
+                                            <p:strVal val="#ppt_x"/>
+                                          </p:val>
+                                        </p:tav>
+                                      </p:tavLst>
+                                    </p:anim>
+                                    <p:anim calcmode="lin" valueType="num">
+                                      <p:cBhvr additive="base">
+                                        <p:cTn id="74" dur="500" fill="hold"/>
+                                        <p:tgtEl>
+                                          <p:spTgt spid="28"/>
+                                        </p:tgtEl>
+                                        <p:attrNameLst>
+                                          <p:attrName>ppt_y</p:attrName>
+                                        </p:attrNameLst>
+                                      </p:cBhvr>
+                                      <p:tavLst>
+                                        <p:tav tm="0">
+                                          <p:val>
+                                            <p:strVal val="1+#ppt_h/2"/>
+                                          </p:val>
+                                        </p:tav>
+                                        <p:tav tm="100000">
+                                          <p:val>
+                                            <p:strVal val="#ppt_y"/>
+                                          </p:val>
+                                        </p:tav>
+                                      </p:tavLst>
+                                    </p:anim>
+                                  </p:childTnLst>
+                                </p:cTn>
+                              </p:par>
+                            </p:childTnLst>
+                          </p:cTn>
+                        </p:par>
+                      </p:childTnLst>
+                    </p:cTn>
+                  </p:par>
+                  <p:par>
+                    <p:cTn id="75" fill="hold">
+                      <p:stCondLst>
+                        <p:cond delay="indefinite"/>
+                      </p:stCondLst>
+                      <p:childTnLst>
+                        <p:par>
+                          <p:cTn id="76" fill="hold">
+                            <p:stCondLst>
+                              <p:cond delay="0"/>
+                            </p:stCondLst>
+                            <p:childTnLst>
+                              <p:par>
+                                <p:cTn id="77" presetID="1" presetClass="emph" presetSubtype="2" fill="hold" grpId="0" nodeType="clickEffect">
+                                  <p:stCondLst>
+                                    <p:cond delay="0"/>
+                                  </p:stCondLst>
+                                  <p:childTnLst>
+                                    <p:animClr clrSpc="rgb" dir="cw">
+                                      <p:cBhvr>
+                                        <p:cTn id="78" dur="2000" fill="hold"/>
+                                        <p:tgtEl>
+                                          <p:spTgt spid="38"/>
+                                        </p:tgtEl>
+                                        <p:attrNameLst>
+                                          <p:attrName>fillcolor</p:attrName>
+                                        </p:attrNameLst>
+                                      </p:cBhvr>
+                                      <p:to>
+                                        <a:schemeClr val="accent2"/>
+                                      </p:to>
+                                    </p:animClr>
+                                    <p:set>
+                                      <p:cBhvr>
+                                        <p:cTn id="79" dur="2000" fill="hold"/>
+                                        <p:tgtEl>
+                                          <p:spTgt spid="38"/>
+                                        </p:tgtEl>
+                                        <p:attrNameLst>
+                                          <p:attrName>fill.type</p:attrName>
+                                        </p:attrNameLst>
+                                      </p:cBhvr>
+                                      <p:to>
+                                        <p:strVal val="solid"/>
+                                      </p:to>
+                                    </p:set>
+                                    <p:set>
+                                      <p:cBhvr>
+                                        <p:cTn id="80" dur="2000" fill="hold"/>
+                                        <p:tgtEl>
+                                          <p:spTgt spid="38"/>
+                                        </p:tgtEl>
+                                        <p:attrNameLst>
+                                          <p:attrName>fill.on</p:attrName>
+                                        </p:attrNameLst>
+                                      </p:cBhvr>
+                                      <p:to>
+                                        <p:strVal val="true"/>
+                                      </p:to>
+                                    </p:set>
+                                  </p:childTnLst>
+                                </p:cTn>
+                              </p:par>
+                            </p:childTnLst>
+                          </p:cTn>
+                        </p:par>
+                      </p:childTnLst>
+                    </p:cTn>
+                  </p:par>
+                  <p:par>
+                    <p:cTn id="81" fill="hold">
+                      <p:stCondLst>
+                        <p:cond delay="indefinite"/>
+                      </p:stCondLst>
+                      <p:childTnLst>
+                        <p:par>
+                          <p:cTn id="82" fill="hold">
+                            <p:stCondLst>
+                              <p:cond delay="0"/>
+                            </p:stCondLst>
+                            <p:childTnLst>
+                              <p:par>
+                                <p:cTn id="83" presetID="1" presetClass="emph" presetSubtype="2" fill="hold" nodeType="clickEffect">
+                                  <p:stCondLst>
+                                    <p:cond delay="0"/>
+                                  </p:stCondLst>
+                                  <p:childTnLst>
+                                    <p:animClr clrSpc="rgb" dir="cw">
+                                      <p:cBhvr>
+                                        <p:cTn id="84" dur="2000" fill="hold"/>
+                                        <p:tgtEl>
+                                          <p:spTgt spid="13"/>
+                                        </p:tgtEl>
+                                        <p:attrNameLst>
+                                          <p:attrName>fillcolor</p:attrName>
+                                        </p:attrNameLst>
+                                      </p:cBhvr>
+                                      <p:to>
+                                        <a:schemeClr val="accent2"/>
+                                      </p:to>
+                                    </p:animClr>
+                                    <p:set>
+                                      <p:cBhvr>
+                                        <p:cTn id="85" dur="2000" fill="hold"/>
+                                        <p:tgtEl>
+                                          <p:spTgt spid="13"/>
+                                        </p:tgtEl>
+                                        <p:attrNameLst>
+                                          <p:attrName>fill.type</p:attrName>
+                                        </p:attrNameLst>
+                                      </p:cBhvr>
+                                      <p:to>
+                                        <p:strVal val="solid"/>
+                                      </p:to>
+                                    </p:set>
+                                    <p:set>
+                                      <p:cBhvr>
+                                        <p:cTn id="86" dur="2000" fill="hold"/>
+                                        <p:tgtEl>
+                                          <p:spTgt spid="13"/>
+                                        </p:tgtEl>
+                                        <p:attrNameLst>
+                                          <p:attrName>fill.on</p:attrName>
+                                        </p:attrNameLst>
+                                      </p:cBhvr>
+                                      <p:to>
+                                        <p:strVal val="true"/>
+                                      </p:to>
+                                    </p:set>
+                                  </p:childTnLst>
+                                </p:cTn>
+                              </p:par>
+                            </p:childTnLst>
+                          </p:cTn>
+                        </p:par>
+                      </p:childTnLst>
+                    </p:cTn>
+                  </p:par>
+                  <p:par>
+                    <p:cTn id="87" fill="hold">
+                      <p:stCondLst>
+                        <p:cond delay="indefinite"/>
+                      </p:stCondLst>
+                      <p:childTnLst>
+                        <p:par>
+                          <p:cTn id="88" fill="hold">
+                            <p:stCondLst>
+                              <p:cond delay="0"/>
+                            </p:stCondLst>
+                            <p:childTnLst>
+                              <p:par>
+                                <p:cTn id="89" presetID="2" presetClass="entr" presetSubtype="4" fill="hold" grpId="0" nodeType="clickEffect">
+                                  <p:stCondLst>
+                                    <p:cond delay="0"/>
+                                  </p:stCondLst>
+                                  <p:childTnLst>
+                                    <p:set>
+                                      <p:cBhvr>
+                                        <p:cTn id="90" dur="1" fill="hold">
+                                          <p:stCondLst>
+                                            <p:cond delay="0"/>
+                                          </p:stCondLst>
+                                        </p:cTn>
+                                        <p:tgtEl>
+                                          <p:spTgt spid="27"/>
+                                        </p:tgtEl>
+                                        <p:attrNameLst>
+                                          <p:attrName>style.visibility</p:attrName>
+                                        </p:attrNameLst>
+                                      </p:cBhvr>
+                                      <p:to>
+                                        <p:strVal val="visible"/>
+                                      </p:to>
+                                    </p:set>
+                                    <p:anim calcmode="lin" valueType="num">
+                                      <p:cBhvr additive="base">
+                                        <p:cTn id="91" dur="500" fill="hold"/>
+                                        <p:tgtEl>
+                                          <p:spTgt spid="27"/>
+                                        </p:tgtEl>
+                                        <p:attrNameLst>
+                                          <p:attrName>ppt_x</p:attrName>
+                                        </p:attrNameLst>
+                                      </p:cBhvr>
+                                      <p:tavLst>
+                                        <p:tav tm="0">
+                                          <p:val>
+                                            <p:strVal val="#ppt_x"/>
+                                          </p:val>
+                                        </p:tav>
+                                        <p:tav tm="100000">
+                                          <p:val>
+                                            <p:strVal val="#ppt_x"/>
+                                          </p:val>
+                                        </p:tav>
+                                      </p:tavLst>
+                                    </p:anim>
+                                    <p:anim calcmode="lin" valueType="num">
+                                      <p:cBhvr additive="base">
+                                        <p:cTn id="92" dur="500" fill="hold"/>
+                                        <p:tgtEl>
+                                          <p:spTgt spid="27"/>
+                                        </p:tgtEl>
+                                        <p:attrNameLst>
+                                          <p:attrName>ppt_y</p:attrName>
+                                        </p:attrNameLst>
+                                      </p:cBhvr>
+                                      <p:tavLst>
+                                        <p:tav tm="0">
+                                          <p:val>
+                                            <p:strVal val="1+#ppt_h/2"/>
+                                          </p:val>
+                                        </p:tav>
+                                        <p:tav tm="100000">
+                                          <p:val>
+                                            <p:strVal val="#ppt_y"/>
+                                          </p:val>
+                                        </p:tav>
+                                      </p:tavLst>
+                                    </p:anim>
+                                  </p:childTnLst>
+                                </p:cTn>
+                              </p:par>
+                            </p:childTnLst>
+                          </p:cTn>
+                        </p:par>
+                      </p:childTnLst>
+                    </p:cTn>
+                  </p:par>
+                  <p:par>
+                    <p:cTn id="93" fill="hold">
+                      <p:stCondLst>
+                        <p:cond delay="indefinite"/>
+                      </p:stCondLst>
+                      <p:childTnLst>
+                        <p:par>
+                          <p:cTn id="94" fill="hold">
+                            <p:stCondLst>
+                              <p:cond delay="0"/>
+                            </p:stCondLst>
+                            <p:childTnLst>
+                              <p:par>
+                                <p:cTn id="95" presetID="1" presetClass="emph" presetSubtype="2" fill="hold" grpId="0" nodeType="clickEffect">
+                                  <p:stCondLst>
+                                    <p:cond delay="0"/>
+                                  </p:stCondLst>
+                                  <p:childTnLst>
+                                    <p:animClr clrSpc="rgb" dir="cw">
+                                      <p:cBhvr>
+                                        <p:cTn id="96" dur="2000" fill="hold"/>
+                                        <p:tgtEl>
+                                          <p:spTgt spid="39"/>
+                                        </p:tgtEl>
+                                        <p:attrNameLst>
+                                          <p:attrName>fillcolor</p:attrName>
+                                        </p:attrNameLst>
+                                      </p:cBhvr>
+                                      <p:to>
+                                        <a:schemeClr val="accent2"/>
+                                      </p:to>
+                                    </p:animClr>
+                                    <p:set>
+                                      <p:cBhvr>
+                                        <p:cTn id="97" dur="2000" fill="hold"/>
+                                        <p:tgtEl>
+                                          <p:spTgt spid="39"/>
+                                        </p:tgtEl>
+                                        <p:attrNameLst>
+                                          <p:attrName>fill.type</p:attrName>
+                                        </p:attrNameLst>
+                                      </p:cBhvr>
+                                      <p:to>
+                                        <p:strVal val="solid"/>
+                                      </p:to>
+                                    </p:set>
+                                    <p:set>
+                                      <p:cBhvr>
+                                        <p:cTn id="98" dur="2000" fill="hold"/>
+                                        <p:tgtEl>
+                                          <p:spTgt spid="39"/>
+                                        </p:tgtEl>
+                                        <p:attrNameLst>
+                                          <p:attrName>fill.on</p:attrName>
+                                        </p:attrNameLst>
+                                      </p:cBhvr>
+                                      <p:to>
+                                        <p:strVal val="true"/>
+                                      </p:to>
+                                    </p:set>
+                                  </p:childTnLst>
+                                </p:cTn>
+                              </p:par>
+                            </p:childTnLst>
+                          </p:cTn>
+                        </p:par>
+                      </p:childTnLst>
+                    </p:cTn>
+                  </p:par>
+                  <p:par>
+                    <p:cTn id="99" fill="hold">
+                      <p:stCondLst>
+                        <p:cond delay="indefinite"/>
+                      </p:stCondLst>
+                      <p:childTnLst>
+                        <p:par>
+                          <p:cTn id="100" fill="hold">
+                            <p:stCondLst>
+                              <p:cond delay="0"/>
+                            </p:stCondLst>
+                            <p:childTnLst>
+                              <p:par>
+                                <p:cTn id="101" presetID="1" presetClass="emph" presetSubtype="2" fill="hold" nodeType="clickEffect">
+                                  <p:stCondLst>
+                                    <p:cond delay="0"/>
+                                  </p:stCondLst>
+                                  <p:childTnLst>
+                                    <p:animClr clrSpc="rgb" dir="cw">
+                                      <p:cBhvr>
+                                        <p:cTn id="102" dur="2000" fill="hold"/>
+                                        <p:tgtEl>
+                                          <p:spTgt spid="19"/>
+                                        </p:tgtEl>
+                                        <p:attrNameLst>
+                                          <p:attrName>fillcolor</p:attrName>
+                                        </p:attrNameLst>
+                                      </p:cBhvr>
+                                      <p:to>
+                                        <a:schemeClr val="accent2"/>
+                                      </p:to>
+                                    </p:animClr>
+                                    <p:set>
+                                      <p:cBhvr>
+                                        <p:cTn id="103" dur="2000" fill="hold"/>
+                                        <p:tgtEl>
+                                          <p:spTgt spid="19"/>
+                                        </p:tgtEl>
+                                        <p:attrNameLst>
+                                          <p:attrName>fill.type</p:attrName>
+                                        </p:attrNameLst>
+                                      </p:cBhvr>
+                                      <p:to>
+                                        <p:strVal val="solid"/>
+                                      </p:to>
+                                    </p:set>
+                                    <p:set>
+                                      <p:cBhvr>
+                                        <p:cTn id="104" dur="2000" fill="hold"/>
+                                        <p:tgtEl>
+                                          <p:spTgt spid="19"/>
+                                        </p:tgtEl>
+                                        <p:attrNameLst>
+                                          <p:attrName>fill.on</p:attrName>
+                                        </p:attrNameLst>
+                                      </p:cBhvr>
+                                      <p:to>
+                                        <p:strVal val="true"/>
+                                      </p:to>
+                                    </p:set>
+                                  </p:childTnLst>
+                                </p:cTn>
+                              </p:par>
+                            </p:childTnLst>
+                          </p:cTn>
+                        </p:par>
+                      </p:childTnLst>
+                    </p:cTn>
+                  </p:par>
+                  <p:par>
+                    <p:cTn id="105" fill="hold">
+                      <p:stCondLst>
+                        <p:cond delay="indefinite"/>
+                      </p:stCondLst>
+                      <p:childTnLst>
+                        <p:par>
+                          <p:cTn id="106" fill="hold">
+                            <p:stCondLst>
+                              <p:cond delay="0"/>
+                            </p:stCondLst>
+                            <p:childTnLst>
+                              <p:par>
+                                <p:cTn id="107" presetID="42" presetClass="entr" presetSubtype="0" fill="hold" grpId="0" nodeType="clickEffect">
+                                  <p:stCondLst>
+                                    <p:cond delay="0"/>
+                                  </p:stCondLst>
+                                  <p:childTnLst>
+                                    <p:set>
+                                      <p:cBhvr>
+                                        <p:cTn id="108" dur="1" fill="hold">
+                                          <p:stCondLst>
+                                            <p:cond delay="0"/>
+                                          </p:stCondLst>
+                                        </p:cTn>
+                                        <p:tgtEl>
+                                          <p:spTgt spid="30"/>
+                                        </p:tgtEl>
+                                        <p:attrNameLst>
+                                          <p:attrName>style.visibility</p:attrName>
+                                        </p:attrNameLst>
+                                      </p:cBhvr>
+                                      <p:to>
+                                        <p:strVal val="visible"/>
+                                      </p:to>
+                                    </p:set>
+                                    <p:animEffect transition="in" filter="fade">
+                                      <p:cBhvr>
+                                        <p:cTn id="109" dur="1000"/>
+                                        <p:tgtEl>
+                                          <p:spTgt spid="30"/>
+                                        </p:tgtEl>
+                                      </p:cBhvr>
+                                    </p:animEffect>
+                                    <p:anim calcmode="lin" valueType="num">
+                                      <p:cBhvr>
+                                        <p:cTn id="110" dur="1000" fill="hold"/>
+                                        <p:tgtEl>
+                                          <p:spTgt spid="30"/>
+                                        </p:tgtEl>
+                                        <p:attrNameLst>
+                                          <p:attrName>ppt_x</p:attrName>
+                                        </p:attrNameLst>
+                                      </p:cBhvr>
+                                      <p:tavLst>
+                                        <p:tav tm="0">
+                                          <p:val>
+                                            <p:strVal val="#ppt_x"/>
+                                          </p:val>
+                                        </p:tav>
+                                        <p:tav tm="100000">
+                                          <p:val>
+                                            <p:strVal val="#ppt_x"/>
+                                          </p:val>
+                                        </p:tav>
+                                      </p:tavLst>
+                                    </p:anim>
+                                    <p:anim calcmode="lin" valueType="num">
+                                      <p:cBhvr>
+                                        <p:cTn id="111" dur="1000" fill="hold"/>
+                                        <p:tgtEl>
+                                          <p:spTgt spid="30"/>
+                                        </p:tgtEl>
+                                        <p:attrNameLst>
+                                          <p:attrName>ppt_y</p:attrName>
+                                        </p:attrNameLst>
+                                      </p:cBhvr>
+                                      <p:tavLst>
+                                        <p:tav tm="0">
+                                          <p:val>
+                                            <p:strVal val="#ppt_y+.1"/>
+                                          </p:val>
+                                        </p:tav>
+                                        <p:tav tm="100000">
+                                          <p:val>
+                                            <p:strVal val="#ppt_y"/>
+                                          </p:val>
+                                        </p:tav>
+                                      </p:tavLst>
+                                    </p:anim>
+                                  </p:childTnLst>
+                                </p:cTn>
+                              </p:par>
+                            </p:childTnLst>
+                          </p:cTn>
+                        </p:par>
+                      </p:childTnLst>
+                    </p:cTn>
+                  </p:par>
+                  <p:par>
+                    <p:cTn id="112" fill="hold">
+                      <p:stCondLst>
+                        <p:cond delay="indefinite"/>
+                      </p:stCondLst>
+                      <p:childTnLst>
+                        <p:par>
+                          <p:cTn id="113" fill="hold">
+                            <p:stCondLst>
+                              <p:cond delay="0"/>
+                            </p:stCondLst>
+                            <p:childTnLst>
+                              <p:par>
+                                <p:cTn id="114" presetID="1" presetClass="emph" presetSubtype="2" fill="hold" grpId="0" nodeType="clickEffect">
+                                  <p:stCondLst>
+                                    <p:cond delay="0"/>
+                                  </p:stCondLst>
+                                  <p:childTnLst>
+                                    <p:animClr clrSpc="rgb" dir="cw">
+                                      <p:cBhvr>
+                                        <p:cTn id="115" dur="2000" fill="hold"/>
+                                        <p:tgtEl>
+                                          <p:spTgt spid="40"/>
+                                        </p:tgtEl>
+                                        <p:attrNameLst>
+                                          <p:attrName>fillcolor</p:attrName>
+                                        </p:attrNameLst>
+                                      </p:cBhvr>
+                                      <p:to>
+                                        <a:schemeClr val="accent2"/>
+                                      </p:to>
+                                    </p:animClr>
+                                    <p:set>
+                                      <p:cBhvr>
+                                        <p:cTn id="116" dur="2000" fill="hold"/>
+                                        <p:tgtEl>
+                                          <p:spTgt spid="40"/>
+                                        </p:tgtEl>
+                                        <p:attrNameLst>
+                                          <p:attrName>fill.type</p:attrName>
+                                        </p:attrNameLst>
+                                      </p:cBhvr>
+                                      <p:to>
+                                        <p:strVal val="solid"/>
+                                      </p:to>
+                                    </p:set>
+                                    <p:set>
+                                      <p:cBhvr>
+                                        <p:cTn id="117" dur="2000" fill="hold"/>
+                                        <p:tgtEl>
+                                          <p:spTgt spid="40"/>
+                                        </p:tgtEl>
+                                        <p:attrNameLst>
+                                          <p:attrName>fill.on</p:attrName>
+                                        </p:attrNameLst>
+                                      </p:cBhvr>
+                                      <p:to>
+                                        <p:strVal val="true"/>
+                                      </p:to>
+                                    </p:set>
+                                  </p:childTnLst>
+                                </p:cTn>
+                              </p:par>
+                            </p:childTnLst>
+                          </p:cTn>
+                        </p:par>
+                      </p:childTnLst>
+                    </p:cTn>
+                  </p:par>
+                  <p:par>
+                    <p:cTn id="118" fill="hold">
+                      <p:stCondLst>
+                        <p:cond delay="indefinite"/>
+                      </p:stCondLst>
+                      <p:childTnLst>
+                        <p:par>
+                          <p:cTn id="119" fill="hold">
+                            <p:stCondLst>
+                              <p:cond delay="0"/>
+                            </p:stCondLst>
+                            <p:childTnLst>
+                              <p:par>
+                                <p:cTn id="120" presetID="1" presetClass="emph" presetSubtype="2" fill="hold" grpId="0" nodeType="clickEffect">
+                                  <p:stCondLst>
+                                    <p:cond delay="0"/>
+                                  </p:stCondLst>
+                                  <p:childTnLst>
+                                    <p:animClr clrSpc="rgb" dir="cw">
+                                      <p:cBhvr>
+                                        <p:cTn id="121" dur="2000" fill="hold"/>
+                                        <p:tgtEl>
+                                          <p:spTgt spid="13"/>
+                                        </p:tgtEl>
+                                        <p:attrNameLst>
+                                          <p:attrName>fillcolor</p:attrName>
+                                        </p:attrNameLst>
+                                      </p:cBhvr>
+                                      <p:to>
+                                        <a:schemeClr val="accent2"/>
+                                      </p:to>
+                                    </p:animClr>
+                                    <p:set>
+                                      <p:cBhvr>
+                                        <p:cTn id="122" dur="2000" fill="hold"/>
+                                        <p:tgtEl>
+                                          <p:spTgt spid="13"/>
+                                        </p:tgtEl>
+                                        <p:attrNameLst>
+                                          <p:attrName>fill.type</p:attrName>
+                                        </p:attrNameLst>
+                                      </p:cBhvr>
+                                      <p:to>
+                                        <p:strVal val="solid"/>
+                                      </p:to>
+                                    </p:set>
+                                    <p:set>
+                                      <p:cBhvr>
+                                        <p:cTn id="123" dur="2000" fill="hold"/>
+                                        <p:tgtEl>
+                                          <p:spTgt spid="13"/>
+                                        </p:tgtEl>
+                                        <p:attrNameLst>
+                                          <p:attrName>fill.on</p:attrName>
+                                        </p:attrNameLst>
+                                      </p:cBhvr>
+                                      <p:to>
+                                        <p:strVal val="true"/>
+                                      </p:to>
+                                    </p:set>
+                                  </p:childTnLst>
+                                </p:cTn>
+                              </p:par>
+                            </p:childTnLst>
+                          </p:cTn>
+                        </p:par>
+                      </p:childTnLst>
+                    </p:cTn>
+                  </p:par>
+                  <p:par>
+                    <p:cTn id="124" fill="hold">
+                      <p:stCondLst>
+                        <p:cond delay="indefinite"/>
+                      </p:stCondLst>
+                      <p:childTnLst>
+                        <p:par>
+                          <p:cTn id="125" fill="hold">
+                            <p:stCondLst>
+                              <p:cond delay="0"/>
+                            </p:stCondLst>
+                            <p:childTnLst>
+                              <p:par>
+                                <p:cTn id="126" presetID="2" presetClass="entr" presetSubtype="4" fill="hold" grpId="0" nodeType="clickEffect">
+                                  <p:stCondLst>
+                                    <p:cond delay="0"/>
+                                  </p:stCondLst>
+                                  <p:childTnLst>
+                                    <p:set>
+                                      <p:cBhvr>
+                                        <p:cTn id="127" dur="1" fill="hold">
+                                          <p:stCondLst>
+                                            <p:cond delay="0"/>
+                                          </p:stCondLst>
+                                        </p:cTn>
+                                        <p:tgtEl>
+                                          <p:spTgt spid="25"/>
+                                        </p:tgtEl>
+                                        <p:attrNameLst>
+                                          <p:attrName>style.visibility</p:attrName>
+                                        </p:attrNameLst>
+                                      </p:cBhvr>
+                                      <p:to>
+                                        <p:strVal val="visible"/>
+                                      </p:to>
+                                    </p:set>
+                                    <p:anim calcmode="lin" valueType="num">
+                                      <p:cBhvr additive="base">
+                                        <p:cTn id="128" dur="500" fill="hold"/>
+                                        <p:tgtEl>
+                                          <p:spTgt spid="25"/>
+                                        </p:tgtEl>
+                                        <p:attrNameLst>
+                                          <p:attrName>ppt_x</p:attrName>
+                                        </p:attrNameLst>
+                                      </p:cBhvr>
+                                      <p:tavLst>
+                                        <p:tav tm="0">
+                                          <p:val>
+                                            <p:strVal val="#ppt_x"/>
+                                          </p:val>
+                                        </p:tav>
+                                        <p:tav tm="100000">
+                                          <p:val>
+                                            <p:strVal val="#ppt_x"/>
+                                          </p:val>
+                                        </p:tav>
+                                      </p:tavLst>
+                                    </p:anim>
+                                    <p:anim calcmode="lin" valueType="num">
+                                      <p:cBhvr additive="base">
+                                        <p:cTn id="129" dur="500" fill="hold"/>
+                                        <p:tgtEl>
+                                          <p:spTgt spid="25"/>
+                                        </p:tgtEl>
+                                        <p:attrNameLst>
+                                          <p:attrName>ppt_y</p:attrName>
+                                        </p:attrNameLst>
+                                      </p:cBhvr>
+                                      <p:tavLst>
+                                        <p:tav tm="0">
+                                          <p:val>
+                                            <p:strVal val="1+#ppt_h/2"/>
+                                          </p:val>
+                                        </p:tav>
+                                        <p:tav tm="100000">
+                                          <p:val>
+                                            <p:strVal val="#ppt_y"/>
+                                          </p:val>
+                                        </p:tav>
+                                      </p:tavLst>
+                                    </p:anim>
+                                  </p:childTnLst>
+                                </p:cTn>
+                              </p:par>
+                            </p:childTnLst>
+                          </p:cTn>
+                        </p:par>
+                      </p:childTnLst>
+                    </p:cTn>
+                  </p:par>
+                </p:childTnLst>
+              </p:cTn>
+              <p:prevCondLst>
+                <p:cond evt="onPrev" delay="0">
+                  <p:tgtEl>
+                    <p:sldTgt/>
+                  </p:tgtEl>
+                </p:cond>
+              </p:prevCondLst>
+              <p:nextCondLst>
+                <p:cond evt="onNext" delay="0">
+                  <p:tgtEl>
+                    <p:sldTgt/>
+                  </p:tgtEl>
+                </p:cond>
+              </p:nextCondLst>
+            </p:seq>
+          </p:childTnLst>
+        </p:cTn>
+      </p:par>
+    </p:tnLst>
+    <p:bldLst>
+      <p:bldP spid="13" grpId="0"/>
+      <p:bldP spid="25" grpId="0"/>
+      <p:bldP spid="27" grpId="0"/>
+      <p:bldP spid="28" grpId="0"/>
+      <p:bldP spid="29" grpId="0"/>
+      <p:bldP spid="30" grpId="0"/>
+      <p:bldP spid="31" grpId="0"/>
+      <p:bldP spid="32" grpId="0"/>
+      <p:bldP spid="34" grpId="0"/>
+      <p:bldP spid="35" grpId="0"/>
+      <p:bldP spid="36" grpId="0"/>
+      <p:bldP spid="37" grpId="0"/>
+      <p:bldP spid="38" grpId="0"/>
+      <p:bldP spid="39" grpId="0"/>
+      <p:bldP spid="40" grpId="0"/>
+    </p:bldLst>
+  </p:timing>
 </p:sld>
 </file>
 
@@ -8030,9 +12943,12 @@
 </file>
 
 <file path=customXml/item1.xml><?xml version="1.0" encoding="utf-8"?>
-<p:properties xmlns:p="http://schemas.microsoft.com/office/2006/metadata/properties" xmlns:xsi="http://www.w3.org/2001/XMLSchema-instance" xmlns:pc="http://schemas.microsoft.com/office/infopath/2007/PartnerControls">
-  <documentManagement/>
-</p:properties>
+<?mso-contentType ?>
+<FormTemplates xmlns="http://schemas.microsoft.com/sharepoint/v3/contenttype/forms">
+  <Display>DocumentLibraryForm</Display>
+  <Edit>DocumentLibraryForm</Edit>
+  <New>DocumentLibraryForm</New>
+</FormTemplates>
 </file>
 
 <file path=customXml/item2.xml><?xml version="1.0" encoding="utf-8"?>
@@ -8168,19 +13084,15 @@
 </file>
 
 <file path=customXml/item3.xml><?xml version="1.0" encoding="utf-8"?>
-<?mso-contentType ?>
-<FormTemplates xmlns="http://schemas.microsoft.com/sharepoint/v3/contenttype/forms">
-  <Display>DocumentLibraryForm</Display>
-  <Edit>DocumentLibraryForm</Edit>
-  <New>DocumentLibraryForm</New>
-</FormTemplates>
+<p:properties xmlns:p="http://schemas.microsoft.com/office/2006/metadata/properties" xmlns:xsi="http://www.w3.org/2001/XMLSchema-instance" xmlns:pc="http://schemas.microsoft.com/office/infopath/2007/PartnerControls">
+  <documentManagement/>
+</p:properties>
 </file>
 
 <file path=customXml/itemProps1.xml><?xml version="1.0" encoding="utf-8"?>
-<ds:datastoreItem xmlns:ds="http://schemas.openxmlformats.org/officeDocument/2006/customXml" ds:itemID="{EA3362E2-FA54-4262-AE94-2FA98FF8142D}">
+<ds:datastoreItem xmlns:ds="http://schemas.openxmlformats.org/officeDocument/2006/customXml" ds:itemID="{651370AF-26B9-4AFA-BA9D-5D4A7E1A6722}">
   <ds:schemaRefs>
-    <ds:schemaRef ds:uri="http://schemas.microsoft.com/office/2006/metadata/properties"/>
-    <ds:schemaRef ds:uri="http://schemas.microsoft.com/office/infopath/2007/PartnerControls"/>
+    <ds:schemaRef ds:uri="http://schemas.microsoft.com/sharepoint/v3/contenttype/forms"/>
   </ds:schemaRefs>
 </ds:datastoreItem>
 </file>
@@ -8204,9 +13116,10 @@
 </file>
 
 <file path=customXml/itemProps3.xml><?xml version="1.0" encoding="utf-8"?>
-<ds:datastoreItem xmlns:ds="http://schemas.openxmlformats.org/officeDocument/2006/customXml" ds:itemID="{651370AF-26B9-4AFA-BA9D-5D4A7E1A6722}">
+<ds:datastoreItem xmlns:ds="http://schemas.openxmlformats.org/officeDocument/2006/customXml" ds:itemID="{EA3362E2-FA54-4262-AE94-2FA98FF8142D}">
   <ds:schemaRefs>
-    <ds:schemaRef ds:uri="http://schemas.microsoft.com/sharepoint/v3/contenttype/forms"/>
+    <ds:schemaRef ds:uri="http://schemas.microsoft.com/office/2006/metadata/properties"/>
+    <ds:schemaRef ds:uri="http://schemas.microsoft.com/office/infopath/2007/PartnerControls"/>
   </ds:schemaRefs>
 </ds:datastoreItem>
 </file>
--- a/5 - Sorting Algorithms/Counting Sort.pptx
+++ b/5 - Sorting Algorithms/Counting Sort.pptx
@@ -209,7 +209,7 @@
           <a:p>
             <a:fld id="{F666E1FD-E7A0-497B-BBC0-740BAAC97C64}" type="datetimeFigureOut">
               <a:rPr lang="en-PH" smtClean="0"/>
-              <a:t>14/09/2023</a:t>
+              <a:t>15/09/2023</a:t>
             </a:fld>
             <a:endParaRPr lang="en-PH"/>
           </a:p>
@@ -1046,7 +1046,7 @@
           <a:p>
             <a:fld id="{0CCF0B81-6BD8-4C65-9459-815598C5F1F4}" type="datetimeFigureOut">
               <a:rPr lang="en-PH" smtClean="0"/>
-              <a:t>14/09/2023</a:t>
+              <a:t>15/09/2023</a:t>
             </a:fld>
             <a:endParaRPr lang="en-PH"/>
           </a:p>
@@ -1246,7 +1246,7 @@
           <a:p>
             <a:fld id="{0CCF0B81-6BD8-4C65-9459-815598C5F1F4}" type="datetimeFigureOut">
               <a:rPr lang="en-PH" smtClean="0"/>
-              <a:t>14/09/2023</a:t>
+              <a:t>15/09/2023</a:t>
             </a:fld>
             <a:endParaRPr lang="en-PH"/>
           </a:p>
@@ -1456,7 +1456,7 @@
           <a:p>
             <a:fld id="{0CCF0B81-6BD8-4C65-9459-815598C5F1F4}" type="datetimeFigureOut">
               <a:rPr lang="en-PH" smtClean="0"/>
-              <a:t>14/09/2023</a:t>
+              <a:t>15/09/2023</a:t>
             </a:fld>
             <a:endParaRPr lang="en-PH"/>
           </a:p>
@@ -1656,7 +1656,7 @@
           <a:p>
             <a:fld id="{0CCF0B81-6BD8-4C65-9459-815598C5F1F4}" type="datetimeFigureOut">
               <a:rPr lang="en-PH" smtClean="0"/>
-              <a:t>14/09/2023</a:t>
+              <a:t>15/09/2023</a:t>
             </a:fld>
             <a:endParaRPr lang="en-PH"/>
           </a:p>
@@ -1932,7 +1932,7 @@
           <a:p>
             <a:fld id="{0CCF0B81-6BD8-4C65-9459-815598C5F1F4}" type="datetimeFigureOut">
               <a:rPr lang="en-PH" smtClean="0"/>
-              <a:t>14/09/2023</a:t>
+              <a:t>15/09/2023</a:t>
             </a:fld>
             <a:endParaRPr lang="en-PH"/>
           </a:p>
@@ -2200,7 +2200,7 @@
           <a:p>
             <a:fld id="{0CCF0B81-6BD8-4C65-9459-815598C5F1F4}" type="datetimeFigureOut">
               <a:rPr lang="en-PH" smtClean="0"/>
-              <a:t>14/09/2023</a:t>
+              <a:t>15/09/2023</a:t>
             </a:fld>
             <a:endParaRPr lang="en-PH"/>
           </a:p>
@@ -2615,7 +2615,7 @@
           <a:p>
             <a:fld id="{0CCF0B81-6BD8-4C65-9459-815598C5F1F4}" type="datetimeFigureOut">
               <a:rPr lang="en-PH" smtClean="0"/>
-              <a:t>14/09/2023</a:t>
+              <a:t>15/09/2023</a:t>
             </a:fld>
             <a:endParaRPr lang="en-PH"/>
           </a:p>
@@ -2757,7 +2757,7 @@
           <a:p>
             <a:fld id="{0CCF0B81-6BD8-4C65-9459-815598C5F1F4}" type="datetimeFigureOut">
               <a:rPr lang="en-PH" smtClean="0"/>
-              <a:t>14/09/2023</a:t>
+              <a:t>15/09/2023</a:t>
             </a:fld>
             <a:endParaRPr lang="en-PH"/>
           </a:p>
@@ -2870,7 +2870,7 @@
           <a:p>
             <a:fld id="{0CCF0B81-6BD8-4C65-9459-815598C5F1F4}" type="datetimeFigureOut">
               <a:rPr lang="en-PH" smtClean="0"/>
-              <a:t>14/09/2023</a:t>
+              <a:t>15/09/2023</a:t>
             </a:fld>
             <a:endParaRPr lang="en-PH"/>
           </a:p>
@@ -3183,7 +3183,7 @@
           <a:p>
             <a:fld id="{0CCF0B81-6BD8-4C65-9459-815598C5F1F4}" type="datetimeFigureOut">
               <a:rPr lang="en-PH" smtClean="0"/>
-              <a:t>14/09/2023</a:t>
+              <a:t>15/09/2023</a:t>
             </a:fld>
             <a:endParaRPr lang="en-PH"/>
           </a:p>
@@ -3472,7 +3472,7 @@
           <a:p>
             <a:fld id="{0CCF0B81-6BD8-4C65-9459-815598C5F1F4}" type="datetimeFigureOut">
               <a:rPr lang="en-PH" smtClean="0"/>
-              <a:t>14/09/2023</a:t>
+              <a:t>15/09/2023</a:t>
             </a:fld>
             <a:endParaRPr lang="en-PH"/>
           </a:p>
@@ -3715,7 +3715,7 @@
           <a:p>
             <a:fld id="{0CCF0B81-6BD8-4C65-9459-815598C5F1F4}" type="datetimeFigureOut">
               <a:rPr lang="en-PH" smtClean="0"/>
-              <a:t>14/09/2023</a:t>
+              <a:t>15/09/2023</a:t>
             </a:fld>
             <a:endParaRPr lang="en-PH"/>
           </a:p>
@@ -5458,6 +5458,84 @@
           </a:graphicData>
         </a:graphic>
       </p:graphicFrame>
+      <p:sp>
+        <p:nvSpPr>
+          <p:cNvPr id="3" name="TextBox 2">
+            <a:extLst>
+              <a:ext uri="{FF2B5EF4-FFF2-40B4-BE49-F238E27FC236}">
+                <a16:creationId xmlns:a16="http://schemas.microsoft.com/office/drawing/2014/main" id="{1F11CB96-1DE0-36D8-A973-B445574D693A}"/>
+              </a:ext>
+            </a:extLst>
+          </p:cNvPr>
+          <p:cNvSpPr txBox="1"/>
+          <p:nvPr/>
+        </p:nvSpPr>
+        <p:spPr>
+          <a:xfrm>
+            <a:off x="1953016" y="4476001"/>
+            <a:ext cx="7494740" cy="461665"/>
+          </a:xfrm>
+          <a:prstGeom prst="rect">
+            <a:avLst/>
+          </a:prstGeom>
+          <a:noFill/>
+        </p:spPr>
+        <p:txBody>
+          <a:bodyPr wrap="square">
+            <a:spAutoFit/>
+          </a:bodyPr>
+          <a:lstStyle/>
+          <a:p>
+            <a:pPr algn="l" fontAlgn="base"/>
+            <a:r>
+              <a:rPr lang="en-US" sz="2400" b="1" dirty="0">
+                <a:solidFill>
+                  <a:srgbClr val="273239"/>
+                </a:solidFill>
+                <a:latin typeface="Calibri Body"/>
+              </a:rPr>
+              <a:t>Step 1</a:t>
+            </a:r>
+            <a:r>
+              <a:rPr lang="en-US" sz="2400" dirty="0">
+                <a:solidFill>
+                  <a:srgbClr val="273239"/>
+                </a:solidFill>
+                <a:latin typeface="Calibri Body"/>
+              </a:rPr>
+              <a:t>: Count the </a:t>
+            </a:r>
+            <a:r>
+              <a:rPr lang="en-US" sz="2400" b="1" dirty="0">
+                <a:solidFill>
+                  <a:srgbClr val="00B050"/>
+                </a:solidFill>
+                <a:latin typeface="Calibri Body"/>
+              </a:rPr>
+              <a:t>number of occurrences </a:t>
+            </a:r>
+            <a:r>
+              <a:rPr lang="en-US" sz="2400" dirty="0">
+                <a:solidFill>
+                  <a:srgbClr val="273239"/>
+                </a:solidFill>
+                <a:latin typeface="Calibri Body"/>
+              </a:rPr>
+              <a:t>of each element</a:t>
+            </a:r>
+            <a:r>
+              <a:rPr lang="en-US" sz="2400" b="0" dirty="0">
+                <a:solidFill>
+                  <a:srgbClr val="273239"/>
+                </a:solidFill>
+                <a:effectLst/>
+                <a:latin typeface="Calibri Body"/>
+              </a:rPr>
+              <a:t>.</a:t>
+            </a:r>
+          </a:p>
+        </p:txBody>
+      </p:sp>
     </p:spTree>
     <p:extLst>
       <p:ext uri="{BB962C8B-B14F-4D97-AF65-F5344CB8AC3E}">
@@ -7155,6 +7233,176 @@
           </a:p>
         </p:txBody>
       </p:sp>
+      <p:sp>
+        <p:nvSpPr>
+          <p:cNvPr id="24" name="TextBox 23">
+            <a:extLst>
+              <a:ext uri="{FF2B5EF4-FFF2-40B4-BE49-F238E27FC236}">
+                <a16:creationId xmlns:a16="http://schemas.microsoft.com/office/drawing/2014/main" id="{C748F83C-DF06-5111-03A2-CB5BFA764AD9}"/>
+              </a:ext>
+            </a:extLst>
+          </p:cNvPr>
+          <p:cNvSpPr txBox="1"/>
+          <p:nvPr/>
+        </p:nvSpPr>
+        <p:spPr>
+          <a:xfrm>
+            <a:off x="1961540" y="5096219"/>
+            <a:ext cx="7477692" cy="461665"/>
+          </a:xfrm>
+          <a:prstGeom prst="rect">
+            <a:avLst/>
+          </a:prstGeom>
+          <a:noFill/>
+        </p:spPr>
+        <p:txBody>
+          <a:bodyPr wrap="square">
+            <a:spAutoFit/>
+          </a:bodyPr>
+          <a:lstStyle/>
+          <a:p>
+            <a:pPr algn="l" fontAlgn="base"/>
+            <a:r>
+              <a:rPr lang="en-US" sz="2400" b="1" dirty="0">
+                <a:solidFill>
+                  <a:srgbClr val="273239"/>
+                </a:solidFill>
+                <a:latin typeface="Calibri Body"/>
+              </a:rPr>
+              <a:t>Step 2</a:t>
+            </a:r>
+            <a:r>
+              <a:rPr lang="en-US" sz="2400" dirty="0">
+                <a:solidFill>
+                  <a:srgbClr val="273239"/>
+                </a:solidFill>
+                <a:latin typeface="Calibri Body"/>
+              </a:rPr>
+              <a:t>: Get the </a:t>
+            </a:r>
+            <a:r>
+              <a:rPr lang="en-US" sz="2400" b="1" dirty="0">
+                <a:solidFill>
+                  <a:srgbClr val="00B050"/>
+                </a:solidFill>
+                <a:latin typeface="Calibri Body"/>
+              </a:rPr>
+              <a:t>cumulative sum </a:t>
+            </a:r>
+            <a:r>
+              <a:rPr lang="en-US" sz="2400" dirty="0">
+                <a:solidFill>
+                  <a:srgbClr val="273239"/>
+                </a:solidFill>
+                <a:latin typeface="Calibri Body"/>
+              </a:rPr>
+              <a:t>of each element</a:t>
+            </a:r>
+            <a:r>
+              <a:rPr lang="en-US" sz="2400" b="0" dirty="0">
+                <a:solidFill>
+                  <a:srgbClr val="273239"/>
+                </a:solidFill>
+                <a:effectLst/>
+                <a:latin typeface="Calibri Body"/>
+              </a:rPr>
+              <a:t>.</a:t>
+            </a:r>
+          </a:p>
+        </p:txBody>
+      </p:sp>
+      <p:sp>
+        <p:nvSpPr>
+          <p:cNvPr id="25" name="Arrow: Right 24">
+            <a:extLst>
+              <a:ext uri="{FF2B5EF4-FFF2-40B4-BE49-F238E27FC236}">
+                <a16:creationId xmlns:a16="http://schemas.microsoft.com/office/drawing/2014/main" id="{94471ECB-BEF2-4C3D-9615-6F09B50E88D6}"/>
+              </a:ext>
+            </a:extLst>
+          </p:cNvPr>
+          <p:cNvSpPr/>
+          <p:nvPr/>
+        </p:nvSpPr>
+        <p:spPr>
+          <a:xfrm>
+            <a:off x="6425166" y="2822948"/>
+            <a:ext cx="978408" cy="484632"/>
+          </a:xfrm>
+          <a:prstGeom prst="rightArrow">
+            <a:avLst/>
+          </a:prstGeom>
+        </p:spPr>
+        <p:style>
+          <a:lnRef idx="0">
+            <a:schemeClr val="accent6"/>
+          </a:lnRef>
+          <a:fillRef idx="3">
+            <a:schemeClr val="accent6"/>
+          </a:fillRef>
+          <a:effectRef idx="3">
+            <a:schemeClr val="accent6"/>
+          </a:effectRef>
+          <a:fontRef idx="minor">
+            <a:schemeClr val="lt1"/>
+          </a:fontRef>
+        </p:style>
+        <p:txBody>
+          <a:bodyPr rtlCol="0" anchor="ctr"/>
+          <a:lstStyle/>
+          <a:p>
+            <a:pPr algn="ctr"/>
+            <a:endParaRPr lang="en-PH"/>
+          </a:p>
+        </p:txBody>
+      </p:sp>
+      <p:sp>
+        <p:nvSpPr>
+          <p:cNvPr id="27" name="TextBox 26">
+            <a:extLst>
+              <a:ext uri="{FF2B5EF4-FFF2-40B4-BE49-F238E27FC236}">
+                <a16:creationId xmlns:a16="http://schemas.microsoft.com/office/drawing/2014/main" id="{8B9A895F-103A-A706-1BA3-D26C1D5AA6AE}"/>
+              </a:ext>
+            </a:extLst>
+          </p:cNvPr>
+          <p:cNvSpPr txBox="1"/>
+          <p:nvPr/>
+        </p:nvSpPr>
+        <p:spPr>
+          <a:xfrm>
+            <a:off x="4051309" y="2817338"/>
+            <a:ext cx="2317663" cy="461665"/>
+          </a:xfrm>
+          <a:prstGeom prst="rect">
+            <a:avLst/>
+          </a:prstGeom>
+          <a:noFill/>
+        </p:spPr>
+        <p:txBody>
+          <a:bodyPr wrap="square">
+            <a:spAutoFit/>
+          </a:bodyPr>
+          <a:lstStyle/>
+          <a:p>
+            <a:pPr algn="l" fontAlgn="base"/>
+            <a:r>
+              <a:rPr lang="en-US" sz="2400" b="1" dirty="0">
+                <a:solidFill>
+                  <a:srgbClr val="00B050"/>
+                </a:solidFill>
+                <a:latin typeface="Calibri Body"/>
+              </a:rPr>
+              <a:t>Cumulative sum</a:t>
+            </a:r>
+            <a:endParaRPr lang="en-US" sz="2400" b="0" dirty="0">
+              <a:solidFill>
+                <a:srgbClr val="273239"/>
+              </a:solidFill>
+              <a:effectLst/>
+              <a:latin typeface="Calibri Body"/>
+            </a:endParaRPr>
+          </a:p>
+        </p:txBody>
+      </p:sp>
     </p:spTree>
     <p:extLst>
       <p:ext uri="{BB962C8B-B14F-4D97-AF65-F5344CB8AC3E}">
@@ -7186,89 +7434,20 @@
                             </p:stCondLst>
                             <p:childTnLst>
                               <p:par>
-                                <p:cTn id="5" presetID="1" presetClass="emph" presetSubtype="2" fill="hold" nodeType="clickEffect">
-                                  <p:stCondLst>
-                                    <p:cond delay="0"/>
-                                  </p:stCondLst>
-                                  <p:childTnLst>
-                                    <p:animClr clrSpc="rgb" dir="cw">
-                                      <p:cBhvr>
-                                        <p:cTn id="6" dur="2000" fill="hold"/>
-                                        <p:tgtEl>
-                                          <p:spTgt spid="4"/>
-                                        </p:tgtEl>
-                                        <p:attrNameLst>
-                                          <p:attrName>fillcolor</p:attrName>
-                                        </p:attrNameLst>
-                                      </p:cBhvr>
-                                      <p:to>
-                                        <a:srgbClr val="00B050"/>
-                                      </p:to>
-                                    </p:animClr>
-                                    <p:set>
-                                      <p:cBhvr>
-                                        <p:cTn id="7" dur="2000" fill="hold"/>
-                                        <p:tgtEl>
-                                          <p:spTgt spid="4"/>
-                                        </p:tgtEl>
-                                        <p:attrNameLst>
-                                          <p:attrName>fill.type</p:attrName>
-                                        </p:attrNameLst>
-                                      </p:cBhvr>
-                                      <p:to>
-                                        <p:strVal val="solid"/>
-                                      </p:to>
-                                    </p:set>
-                                    <p:set>
-                                      <p:cBhvr>
-                                        <p:cTn id="8" dur="2000" fill="hold"/>
-                                        <p:tgtEl>
-                                          <p:spTgt spid="4"/>
-                                        </p:tgtEl>
-                                        <p:attrNameLst>
-                                          <p:attrName>fill.on</p:attrName>
-                                        </p:attrNameLst>
-                                      </p:cBhvr>
-                                      <p:to>
-                                        <p:strVal val="true"/>
-                                      </p:to>
-                                    </p:set>
-                                  </p:childTnLst>
-                                </p:cTn>
-                              </p:par>
-                            </p:childTnLst>
-                          </p:cTn>
-                        </p:par>
-                      </p:childTnLst>
-                    </p:cTn>
-                  </p:par>
-                  <p:par>
-                    <p:cTn id="9" fill="hold">
-                      <p:stCondLst>
-                        <p:cond delay="indefinite"/>
-                      </p:stCondLst>
-                      <p:childTnLst>
-                        <p:par>
-                          <p:cTn id="10" fill="hold">
-                            <p:stCondLst>
-                              <p:cond delay="0"/>
-                            </p:stCondLst>
-                            <p:childTnLst>
-                              <p:par>
-                                <p:cTn id="11" presetID="42" presetClass="entr" presetSubtype="0" fill="hold" nodeType="clickEffect">
+                                <p:cTn id="5" presetID="42" presetClass="entr" presetSubtype="0" fill="hold" grpId="0" nodeType="clickEffect">
                                   <p:stCondLst>
                                     <p:cond delay="0"/>
                                   </p:stCondLst>
                                   <p:childTnLst>
                                     <p:set>
                                       <p:cBhvr>
-                                        <p:cTn id="12" dur="1" fill="hold">
+                                        <p:cTn id="6" dur="1" fill="hold">
                                           <p:stCondLst>
                                             <p:cond delay="0"/>
                                           </p:stCondLst>
                                         </p:cTn>
                                         <p:tgtEl>
-                                          <p:spTgt spid="5"/>
+                                          <p:spTgt spid="27"/>
                                         </p:tgtEl>
                                         <p:attrNameLst>
                                           <p:attrName>style.visibility</p:attrName>
@@ -7280,17 +7459,17 @@
                                     </p:set>
                                     <p:animEffect transition="in" filter="fade">
                                       <p:cBhvr>
-                                        <p:cTn id="13" dur="1000"/>
-                                        <p:tgtEl>
-                                          <p:spTgt spid="5"/>
+                                        <p:cTn id="7" dur="1000"/>
+                                        <p:tgtEl>
+                                          <p:spTgt spid="27"/>
                                         </p:tgtEl>
                                       </p:cBhvr>
                                     </p:animEffect>
                                     <p:anim calcmode="lin" valueType="num">
                                       <p:cBhvr>
-                                        <p:cTn id="14" dur="1000" fill="hold"/>
-                                        <p:tgtEl>
-                                          <p:spTgt spid="5"/>
+                                        <p:cTn id="8" dur="1000" fill="hold"/>
+                                        <p:tgtEl>
+                                          <p:spTgt spid="27"/>
                                         </p:tgtEl>
                                         <p:attrNameLst>
                                           <p:attrName>ppt_x</p:attrName>
@@ -7311,9 +7490,90 @@
                                     </p:anim>
                                     <p:anim calcmode="lin" valueType="num">
                                       <p:cBhvr>
-                                        <p:cTn id="15" dur="1000" fill="hold"/>
-                                        <p:tgtEl>
-                                          <p:spTgt spid="5"/>
+                                        <p:cTn id="9" dur="1000" fill="hold"/>
+                                        <p:tgtEl>
+                                          <p:spTgt spid="27"/>
+                                        </p:tgtEl>
+                                        <p:attrNameLst>
+                                          <p:attrName>ppt_y</p:attrName>
+                                        </p:attrNameLst>
+                                      </p:cBhvr>
+                                      <p:tavLst>
+                                        <p:tav tm="0">
+                                          <p:val>
+                                            <p:strVal val="#ppt_y+.1"/>
+                                          </p:val>
+                                        </p:tav>
+                                        <p:tav tm="100000">
+                                          <p:val>
+                                            <p:strVal val="#ppt_y"/>
+                                          </p:val>
+                                        </p:tav>
+                                      </p:tavLst>
+                                    </p:anim>
+                                  </p:childTnLst>
+                                </p:cTn>
+                              </p:par>
+                              <p:par>
+                                <p:cTn id="10" presetID="42" presetClass="entr" presetSubtype="0" fill="hold" grpId="0" nodeType="withEffect">
+                                  <p:stCondLst>
+                                    <p:cond delay="0"/>
+                                  </p:stCondLst>
+                                  <p:childTnLst>
+                                    <p:set>
+                                      <p:cBhvr>
+                                        <p:cTn id="11" dur="1" fill="hold">
+                                          <p:stCondLst>
+                                            <p:cond delay="0"/>
+                                          </p:stCondLst>
+                                        </p:cTn>
+                                        <p:tgtEl>
+                                          <p:spTgt spid="25"/>
+                                        </p:tgtEl>
+                                        <p:attrNameLst>
+                                          <p:attrName>style.visibility</p:attrName>
+                                        </p:attrNameLst>
+                                      </p:cBhvr>
+                                      <p:to>
+                                        <p:strVal val="visible"/>
+                                      </p:to>
+                                    </p:set>
+                                    <p:animEffect transition="in" filter="fade">
+                                      <p:cBhvr>
+                                        <p:cTn id="12" dur="1000"/>
+                                        <p:tgtEl>
+                                          <p:spTgt spid="25"/>
+                                        </p:tgtEl>
+                                      </p:cBhvr>
+                                    </p:animEffect>
+                                    <p:anim calcmode="lin" valueType="num">
+                                      <p:cBhvr>
+                                        <p:cTn id="13" dur="1000" fill="hold"/>
+                                        <p:tgtEl>
+                                          <p:spTgt spid="25"/>
+                                        </p:tgtEl>
+                                        <p:attrNameLst>
+                                          <p:attrName>ppt_x</p:attrName>
+                                        </p:attrNameLst>
+                                      </p:cBhvr>
+                                      <p:tavLst>
+                                        <p:tav tm="0">
+                                          <p:val>
+                                            <p:strVal val="#ppt_x"/>
+                                          </p:val>
+                                        </p:tav>
+                                        <p:tav tm="100000">
+                                          <p:val>
+                                            <p:strVal val="#ppt_x"/>
+                                          </p:val>
+                                        </p:tav>
+                                      </p:tavLst>
+                                    </p:anim>
+                                    <p:anim calcmode="lin" valueType="num">
+                                      <p:cBhvr>
+                                        <p:cTn id="14" dur="1000" fill="hold"/>
+                                        <p:tgtEl>
+                                          <p:spTgt spid="25"/>
                                         </p:tgtEl>
                                         <p:attrNameLst>
                                           <p:attrName>ppt_y</p:attrName>
@@ -7342,28 +7602,28 @@
                     </p:cTn>
                   </p:par>
                   <p:par>
-                    <p:cTn id="16" fill="hold">
+                    <p:cTn id="15" fill="hold">
                       <p:stCondLst>
                         <p:cond delay="indefinite"/>
                       </p:stCondLst>
                       <p:childTnLst>
                         <p:par>
-                          <p:cTn id="17" fill="hold">
+                          <p:cTn id="16" fill="hold">
                             <p:stCondLst>
                               <p:cond delay="0"/>
                             </p:stCondLst>
                             <p:childTnLst>
                               <p:par>
-                                <p:cTn id="18" presetID="1" presetClass="emph" presetSubtype="2" fill="hold" nodeType="clickEffect">
+                                <p:cTn id="17" presetID="1" presetClass="emph" presetSubtype="2" fill="hold" nodeType="clickEffect">
                                   <p:stCondLst>
                                     <p:cond delay="0"/>
                                   </p:stCondLst>
                                   <p:childTnLst>
                                     <p:animClr clrSpc="rgb" dir="cw">
                                       <p:cBhvr>
-                                        <p:cTn id="19" dur="2000" fill="hold"/>
-                                        <p:tgtEl>
-                                          <p:spTgt spid="3"/>
+                                        <p:cTn id="18" dur="2000" fill="hold"/>
+                                        <p:tgtEl>
+                                          <p:spTgt spid="4"/>
                                         </p:tgtEl>
                                         <p:attrNameLst>
                                           <p:attrName>fillcolor</p:attrName>
@@ -7375,9 +7635,9 @@
                                     </p:animClr>
                                     <p:set>
                                       <p:cBhvr>
-                                        <p:cTn id="20" dur="2000" fill="hold"/>
-                                        <p:tgtEl>
-                                          <p:spTgt spid="3"/>
+                                        <p:cTn id="19" dur="2000" fill="hold"/>
+                                        <p:tgtEl>
+                                          <p:spTgt spid="4"/>
                                         </p:tgtEl>
                                         <p:attrNameLst>
                                           <p:attrName>fill.type</p:attrName>
@@ -7389,9 +7649,9 @@
                                     </p:set>
                                     <p:set>
                                       <p:cBhvr>
-                                        <p:cTn id="21" dur="2000" fill="hold"/>
-                                        <p:tgtEl>
-                                          <p:spTgt spid="3"/>
+                                        <p:cTn id="20" dur="2000" fill="hold"/>
+                                        <p:tgtEl>
+                                          <p:spTgt spid="4"/>
                                         </p:tgtEl>
                                         <p:attrNameLst>
                                           <p:attrName>fill.on</p:attrName>
@@ -7411,32 +7671,32 @@
                     </p:cTn>
                   </p:par>
                   <p:par>
-                    <p:cTn id="22" fill="hold">
+                    <p:cTn id="21" fill="hold">
                       <p:stCondLst>
                         <p:cond delay="indefinite"/>
                       </p:stCondLst>
                       <p:childTnLst>
                         <p:par>
-                          <p:cTn id="23" fill="hold">
+                          <p:cTn id="22" fill="hold">
                             <p:stCondLst>
                               <p:cond delay="0"/>
                             </p:stCondLst>
                             <p:childTnLst>
                               <p:par>
-                                <p:cTn id="24" presetID="42" presetClass="entr" presetSubtype="0" fill="hold" nodeType="clickEffect">
+                                <p:cTn id="23" presetID="42" presetClass="entr" presetSubtype="0" fill="hold" nodeType="clickEffect">
                                   <p:stCondLst>
                                     <p:cond delay="0"/>
                                   </p:stCondLst>
                                   <p:childTnLst>
                                     <p:set>
                                       <p:cBhvr>
-                                        <p:cTn id="25" dur="1" fill="hold">
+                                        <p:cTn id="24" dur="1" fill="hold">
                                           <p:stCondLst>
                                             <p:cond delay="0"/>
                                           </p:stCondLst>
                                         </p:cTn>
                                         <p:tgtEl>
-                                          <p:spTgt spid="13"/>
+                                          <p:spTgt spid="5"/>
                                         </p:tgtEl>
                                         <p:attrNameLst>
                                           <p:attrName>style.visibility</p:attrName>
@@ -7448,17 +7708,17 @@
                                     </p:set>
                                     <p:animEffect transition="in" filter="fade">
                                       <p:cBhvr>
-                                        <p:cTn id="26" dur="1000"/>
-                                        <p:tgtEl>
-                                          <p:spTgt spid="13"/>
+                                        <p:cTn id="25" dur="1000"/>
+                                        <p:tgtEl>
+                                          <p:spTgt spid="5"/>
                                         </p:tgtEl>
                                       </p:cBhvr>
                                     </p:animEffect>
                                     <p:anim calcmode="lin" valueType="num">
                                       <p:cBhvr>
-                                        <p:cTn id="27" dur="1000" fill="hold"/>
-                                        <p:tgtEl>
-                                          <p:spTgt spid="13"/>
+                                        <p:cTn id="26" dur="1000" fill="hold"/>
+                                        <p:tgtEl>
+                                          <p:spTgt spid="5"/>
                                         </p:tgtEl>
                                         <p:attrNameLst>
                                           <p:attrName>ppt_x</p:attrName>
@@ -7479,9 +7739,9 @@
                                     </p:anim>
                                     <p:anim calcmode="lin" valueType="num">
                                       <p:cBhvr>
-                                        <p:cTn id="28" dur="1000" fill="hold"/>
-                                        <p:tgtEl>
-                                          <p:spTgt spid="13"/>
+                                        <p:cTn id="27" dur="1000" fill="hold"/>
+                                        <p:tgtEl>
+                                          <p:spTgt spid="5"/>
                                         </p:tgtEl>
                                         <p:attrNameLst>
                                           <p:attrName>ppt_y</p:attrName>
@@ -7510,28 +7770,28 @@
                     </p:cTn>
                   </p:par>
                   <p:par>
-                    <p:cTn id="29" fill="hold">
+                    <p:cTn id="28" fill="hold">
                       <p:stCondLst>
                         <p:cond delay="indefinite"/>
                       </p:stCondLst>
                       <p:childTnLst>
                         <p:par>
-                          <p:cTn id="30" fill="hold">
+                          <p:cTn id="29" fill="hold">
                             <p:stCondLst>
                               <p:cond delay="0"/>
                             </p:stCondLst>
                             <p:childTnLst>
                               <p:par>
-                                <p:cTn id="31" presetID="1" presetClass="emph" presetSubtype="2" fill="hold" nodeType="clickEffect">
+                                <p:cTn id="30" presetID="1" presetClass="emph" presetSubtype="2" fill="hold" nodeType="clickEffect">
                                   <p:stCondLst>
                                     <p:cond delay="0"/>
                                   </p:stCondLst>
                                   <p:childTnLst>
                                     <p:animClr clrSpc="rgb" dir="cw">
                                       <p:cBhvr>
-                                        <p:cTn id="32" dur="2000" fill="hold"/>
-                                        <p:tgtEl>
-                                          <p:spTgt spid="7"/>
+                                        <p:cTn id="31" dur="2000" fill="hold"/>
+                                        <p:tgtEl>
+                                          <p:spTgt spid="3"/>
                                         </p:tgtEl>
                                         <p:attrNameLst>
                                           <p:attrName>fillcolor</p:attrName>
@@ -7543,9 +7803,9 @@
                                     </p:animClr>
                                     <p:set>
                                       <p:cBhvr>
-                                        <p:cTn id="33" dur="2000" fill="hold"/>
-                                        <p:tgtEl>
-                                          <p:spTgt spid="7"/>
+                                        <p:cTn id="32" dur="2000" fill="hold"/>
+                                        <p:tgtEl>
+                                          <p:spTgt spid="3"/>
                                         </p:tgtEl>
                                         <p:attrNameLst>
                                           <p:attrName>fill.type</p:attrName>
@@ -7557,9 +7817,9 @@
                                     </p:set>
                                     <p:set>
                                       <p:cBhvr>
-                                        <p:cTn id="34" dur="2000" fill="hold"/>
-                                        <p:tgtEl>
-                                          <p:spTgt spid="7"/>
+                                        <p:cTn id="33" dur="2000" fill="hold"/>
+                                        <p:tgtEl>
+                                          <p:spTgt spid="3"/>
                                         </p:tgtEl>
                                         <p:attrNameLst>
                                           <p:attrName>fill.on</p:attrName>
@@ -7579,32 +7839,32 @@
                     </p:cTn>
                   </p:par>
                   <p:par>
-                    <p:cTn id="35" fill="hold">
+                    <p:cTn id="34" fill="hold">
                       <p:stCondLst>
                         <p:cond delay="indefinite"/>
                       </p:stCondLst>
                       <p:childTnLst>
                         <p:par>
-                          <p:cTn id="36" fill="hold">
+                          <p:cTn id="35" fill="hold">
                             <p:stCondLst>
                               <p:cond delay="0"/>
                             </p:stCondLst>
                             <p:childTnLst>
                               <p:par>
-                                <p:cTn id="37" presetID="42" presetClass="entr" presetSubtype="0" fill="hold" nodeType="clickEffect">
+                                <p:cTn id="36" presetID="42" presetClass="entr" presetSubtype="0" fill="hold" nodeType="clickEffect">
                                   <p:stCondLst>
                                     <p:cond delay="0"/>
                                   </p:stCondLst>
                                   <p:childTnLst>
                                     <p:set>
                                       <p:cBhvr>
-                                        <p:cTn id="38" dur="1" fill="hold">
+                                        <p:cTn id="37" dur="1" fill="hold">
                                           <p:stCondLst>
                                             <p:cond delay="0"/>
                                           </p:stCondLst>
                                         </p:cTn>
                                         <p:tgtEl>
-                                          <p:spTgt spid="17"/>
+                                          <p:spTgt spid="13"/>
                                         </p:tgtEl>
                                         <p:attrNameLst>
                                           <p:attrName>style.visibility</p:attrName>
@@ -7616,17 +7876,17 @@
                                     </p:set>
                                     <p:animEffect transition="in" filter="fade">
                                       <p:cBhvr>
-                                        <p:cTn id="39" dur="1000"/>
-                                        <p:tgtEl>
-                                          <p:spTgt spid="17"/>
+                                        <p:cTn id="38" dur="1000"/>
+                                        <p:tgtEl>
+                                          <p:spTgt spid="13"/>
                                         </p:tgtEl>
                                       </p:cBhvr>
                                     </p:animEffect>
                                     <p:anim calcmode="lin" valueType="num">
                                       <p:cBhvr>
-                                        <p:cTn id="40" dur="1000" fill="hold"/>
-                                        <p:tgtEl>
-                                          <p:spTgt spid="17"/>
+                                        <p:cTn id="39" dur="1000" fill="hold"/>
+                                        <p:tgtEl>
+                                          <p:spTgt spid="13"/>
                                         </p:tgtEl>
                                         <p:attrNameLst>
                                           <p:attrName>ppt_x</p:attrName>
@@ -7647,9 +7907,9 @@
                                     </p:anim>
                                     <p:anim calcmode="lin" valueType="num">
                                       <p:cBhvr>
-                                        <p:cTn id="41" dur="1000" fill="hold"/>
-                                        <p:tgtEl>
-                                          <p:spTgt spid="17"/>
+                                        <p:cTn id="40" dur="1000" fill="hold"/>
+                                        <p:tgtEl>
+                                          <p:spTgt spid="13"/>
                                         </p:tgtEl>
                                         <p:attrNameLst>
                                           <p:attrName>ppt_y</p:attrName>
@@ -7678,28 +7938,28 @@
                     </p:cTn>
                   </p:par>
                   <p:par>
-                    <p:cTn id="42" fill="hold">
+                    <p:cTn id="41" fill="hold">
                       <p:stCondLst>
                         <p:cond delay="indefinite"/>
                       </p:stCondLst>
                       <p:childTnLst>
                         <p:par>
-                          <p:cTn id="43" fill="hold">
+                          <p:cTn id="42" fill="hold">
                             <p:stCondLst>
                               <p:cond delay="0"/>
                             </p:stCondLst>
                             <p:childTnLst>
                               <p:par>
-                                <p:cTn id="44" presetID="1" presetClass="emph" presetSubtype="2" fill="hold" nodeType="clickEffect">
+                                <p:cTn id="43" presetID="1" presetClass="emph" presetSubtype="2" fill="hold" nodeType="clickEffect">
                                   <p:stCondLst>
                                     <p:cond delay="0"/>
                                   </p:stCondLst>
                                   <p:childTnLst>
                                     <p:animClr clrSpc="rgb" dir="cw">
                                       <p:cBhvr>
-                                        <p:cTn id="45" dur="2000" fill="hold"/>
-                                        <p:tgtEl>
-                                          <p:spTgt spid="8"/>
+                                        <p:cTn id="44" dur="2000" fill="hold"/>
+                                        <p:tgtEl>
+                                          <p:spTgt spid="7"/>
                                         </p:tgtEl>
                                         <p:attrNameLst>
                                           <p:attrName>fillcolor</p:attrName>
@@ -7711,9 +7971,9 @@
                                     </p:animClr>
                                     <p:set>
                                       <p:cBhvr>
-                                        <p:cTn id="46" dur="2000" fill="hold"/>
-                                        <p:tgtEl>
-                                          <p:spTgt spid="8"/>
+                                        <p:cTn id="45" dur="2000" fill="hold"/>
+                                        <p:tgtEl>
+                                          <p:spTgt spid="7"/>
                                         </p:tgtEl>
                                         <p:attrNameLst>
                                           <p:attrName>fill.type</p:attrName>
@@ -7725,9 +7985,9 @@
                                     </p:set>
                                     <p:set>
                                       <p:cBhvr>
-                                        <p:cTn id="47" dur="2000" fill="hold"/>
-                                        <p:tgtEl>
-                                          <p:spTgt spid="8"/>
+                                        <p:cTn id="46" dur="2000" fill="hold"/>
+                                        <p:tgtEl>
+                                          <p:spTgt spid="7"/>
                                         </p:tgtEl>
                                         <p:attrNameLst>
                                           <p:attrName>fill.on</p:attrName>
@@ -7747,32 +8007,32 @@
                     </p:cTn>
                   </p:par>
                   <p:par>
-                    <p:cTn id="48" fill="hold">
+                    <p:cTn id="47" fill="hold">
                       <p:stCondLst>
                         <p:cond delay="indefinite"/>
                       </p:stCondLst>
                       <p:childTnLst>
                         <p:par>
-                          <p:cTn id="49" fill="hold">
+                          <p:cTn id="48" fill="hold">
                             <p:stCondLst>
                               <p:cond delay="0"/>
                             </p:stCondLst>
                             <p:childTnLst>
                               <p:par>
-                                <p:cTn id="50" presetID="42" presetClass="entr" presetSubtype="0" fill="hold" nodeType="clickEffect">
+                                <p:cTn id="49" presetID="42" presetClass="entr" presetSubtype="0" fill="hold" nodeType="clickEffect">
                                   <p:stCondLst>
                                     <p:cond delay="0"/>
                                   </p:stCondLst>
                                   <p:childTnLst>
                                     <p:set>
                                       <p:cBhvr>
-                                        <p:cTn id="51" dur="1" fill="hold">
+                                        <p:cTn id="50" dur="1" fill="hold">
                                           <p:stCondLst>
                                             <p:cond delay="0"/>
                                           </p:stCondLst>
                                         </p:cTn>
                                         <p:tgtEl>
-                                          <p:spTgt spid="18"/>
+                                          <p:spTgt spid="17"/>
                                         </p:tgtEl>
                                         <p:attrNameLst>
                                           <p:attrName>style.visibility</p:attrName>
@@ -7784,17 +8044,17 @@
                                     </p:set>
                                     <p:animEffect transition="in" filter="fade">
                                       <p:cBhvr>
-                                        <p:cTn id="52" dur="1000"/>
-                                        <p:tgtEl>
-                                          <p:spTgt spid="18"/>
+                                        <p:cTn id="51" dur="1000"/>
+                                        <p:tgtEl>
+                                          <p:spTgt spid="17"/>
                                         </p:tgtEl>
                                       </p:cBhvr>
                                     </p:animEffect>
                                     <p:anim calcmode="lin" valueType="num">
                                       <p:cBhvr>
-                                        <p:cTn id="53" dur="1000" fill="hold"/>
-                                        <p:tgtEl>
-                                          <p:spTgt spid="18"/>
+                                        <p:cTn id="52" dur="1000" fill="hold"/>
+                                        <p:tgtEl>
+                                          <p:spTgt spid="17"/>
                                         </p:tgtEl>
                                         <p:attrNameLst>
                                           <p:attrName>ppt_x</p:attrName>
@@ -7815,9 +8075,9 @@
                                     </p:anim>
                                     <p:anim calcmode="lin" valueType="num">
                                       <p:cBhvr>
-                                        <p:cTn id="54" dur="1000" fill="hold"/>
-                                        <p:tgtEl>
-                                          <p:spTgt spid="18"/>
+                                        <p:cTn id="53" dur="1000" fill="hold"/>
+                                        <p:tgtEl>
+                                          <p:spTgt spid="17"/>
                                         </p:tgtEl>
                                         <p:attrNameLst>
                                           <p:attrName>ppt_y</p:attrName>
@@ -7846,28 +8106,28 @@
                     </p:cTn>
                   </p:par>
                   <p:par>
-                    <p:cTn id="55" fill="hold">
+                    <p:cTn id="54" fill="hold">
                       <p:stCondLst>
                         <p:cond delay="indefinite"/>
                       </p:stCondLst>
                       <p:childTnLst>
                         <p:par>
-                          <p:cTn id="56" fill="hold">
+                          <p:cTn id="55" fill="hold">
                             <p:stCondLst>
                               <p:cond delay="0"/>
                             </p:stCondLst>
                             <p:childTnLst>
                               <p:par>
-                                <p:cTn id="57" presetID="1" presetClass="emph" presetSubtype="2" fill="hold" nodeType="clickEffect">
+                                <p:cTn id="56" presetID="1" presetClass="emph" presetSubtype="2" fill="hold" nodeType="clickEffect">
                                   <p:stCondLst>
                                     <p:cond delay="0"/>
                                   </p:stCondLst>
                                   <p:childTnLst>
                                     <p:animClr clrSpc="rgb" dir="cw">
                                       <p:cBhvr>
-                                        <p:cTn id="58" dur="2000" fill="hold"/>
-                                        <p:tgtEl>
-                                          <p:spTgt spid="9"/>
+                                        <p:cTn id="57" dur="2000" fill="hold"/>
+                                        <p:tgtEl>
+                                          <p:spTgt spid="8"/>
                                         </p:tgtEl>
                                         <p:attrNameLst>
                                           <p:attrName>fillcolor</p:attrName>
@@ -7879,9 +8139,9 @@
                                     </p:animClr>
                                     <p:set>
                                       <p:cBhvr>
-                                        <p:cTn id="59" dur="2000" fill="hold"/>
-                                        <p:tgtEl>
-                                          <p:spTgt spid="9"/>
+                                        <p:cTn id="58" dur="2000" fill="hold"/>
+                                        <p:tgtEl>
+                                          <p:spTgt spid="8"/>
                                         </p:tgtEl>
                                         <p:attrNameLst>
                                           <p:attrName>fill.type</p:attrName>
@@ -7893,9 +8153,9 @@
                                     </p:set>
                                     <p:set>
                                       <p:cBhvr>
-                                        <p:cTn id="60" dur="2000" fill="hold"/>
-                                        <p:tgtEl>
-                                          <p:spTgt spid="9"/>
+                                        <p:cTn id="59" dur="2000" fill="hold"/>
+                                        <p:tgtEl>
+                                          <p:spTgt spid="8"/>
                                         </p:tgtEl>
                                         <p:attrNameLst>
                                           <p:attrName>fill.on</p:attrName>
@@ -7915,32 +8175,32 @@
                     </p:cTn>
                   </p:par>
                   <p:par>
-                    <p:cTn id="61" fill="hold">
+                    <p:cTn id="60" fill="hold">
                       <p:stCondLst>
                         <p:cond delay="indefinite"/>
                       </p:stCondLst>
                       <p:childTnLst>
                         <p:par>
-                          <p:cTn id="62" fill="hold">
+                          <p:cTn id="61" fill="hold">
                             <p:stCondLst>
                               <p:cond delay="0"/>
                             </p:stCondLst>
                             <p:childTnLst>
                               <p:par>
-                                <p:cTn id="63" presetID="42" presetClass="entr" presetSubtype="0" fill="hold" nodeType="clickEffect">
+                                <p:cTn id="62" presetID="42" presetClass="entr" presetSubtype="0" fill="hold" nodeType="clickEffect">
                                   <p:stCondLst>
                                     <p:cond delay="0"/>
                                   </p:stCondLst>
                                   <p:childTnLst>
                                     <p:set>
                                       <p:cBhvr>
-                                        <p:cTn id="64" dur="1" fill="hold">
+                                        <p:cTn id="63" dur="1" fill="hold">
                                           <p:stCondLst>
                                             <p:cond delay="0"/>
                                           </p:stCondLst>
                                         </p:cTn>
                                         <p:tgtEl>
-                                          <p:spTgt spid="19"/>
+                                          <p:spTgt spid="18"/>
                                         </p:tgtEl>
                                         <p:attrNameLst>
                                           <p:attrName>style.visibility</p:attrName>
@@ -7952,17 +8212,17 @@
                                     </p:set>
                                     <p:animEffect transition="in" filter="fade">
                                       <p:cBhvr>
-                                        <p:cTn id="65" dur="1000"/>
-                                        <p:tgtEl>
-                                          <p:spTgt spid="19"/>
+                                        <p:cTn id="64" dur="1000"/>
+                                        <p:tgtEl>
+                                          <p:spTgt spid="18"/>
                                         </p:tgtEl>
                                       </p:cBhvr>
                                     </p:animEffect>
                                     <p:anim calcmode="lin" valueType="num">
                                       <p:cBhvr>
-                                        <p:cTn id="66" dur="1000" fill="hold"/>
-                                        <p:tgtEl>
-                                          <p:spTgt spid="19"/>
+                                        <p:cTn id="65" dur="1000" fill="hold"/>
+                                        <p:tgtEl>
+                                          <p:spTgt spid="18"/>
                                         </p:tgtEl>
                                         <p:attrNameLst>
                                           <p:attrName>ppt_x</p:attrName>
@@ -7983,9 +8243,9 @@
                                     </p:anim>
                                     <p:anim calcmode="lin" valueType="num">
                                       <p:cBhvr>
-                                        <p:cTn id="67" dur="1000" fill="hold"/>
-                                        <p:tgtEl>
-                                          <p:spTgt spid="19"/>
+                                        <p:cTn id="66" dur="1000" fill="hold"/>
+                                        <p:tgtEl>
+                                          <p:spTgt spid="18"/>
                                         </p:tgtEl>
                                         <p:attrNameLst>
                                           <p:attrName>ppt_y</p:attrName>
@@ -8014,28 +8274,28 @@
                     </p:cTn>
                   </p:par>
                   <p:par>
-                    <p:cTn id="68" fill="hold">
+                    <p:cTn id="67" fill="hold">
                       <p:stCondLst>
                         <p:cond delay="indefinite"/>
                       </p:stCondLst>
                       <p:childTnLst>
                         <p:par>
-                          <p:cTn id="69" fill="hold">
+                          <p:cTn id="68" fill="hold">
                             <p:stCondLst>
                               <p:cond delay="0"/>
                             </p:stCondLst>
                             <p:childTnLst>
                               <p:par>
-                                <p:cTn id="70" presetID="1" presetClass="emph" presetSubtype="2" fill="hold" nodeType="clickEffect">
+                                <p:cTn id="69" presetID="1" presetClass="emph" presetSubtype="2" fill="hold" nodeType="clickEffect">
                                   <p:stCondLst>
                                     <p:cond delay="0"/>
                                   </p:stCondLst>
                                   <p:childTnLst>
                                     <p:animClr clrSpc="rgb" dir="cw">
                                       <p:cBhvr>
-                                        <p:cTn id="71" dur="2000" fill="hold"/>
-                                        <p:tgtEl>
-                                          <p:spTgt spid="10"/>
+                                        <p:cTn id="70" dur="2000" fill="hold"/>
+                                        <p:tgtEl>
+                                          <p:spTgt spid="9"/>
                                         </p:tgtEl>
                                         <p:attrNameLst>
                                           <p:attrName>fillcolor</p:attrName>
@@ -8047,9 +8307,9 @@
                                     </p:animClr>
                                     <p:set>
                                       <p:cBhvr>
-                                        <p:cTn id="72" dur="2000" fill="hold"/>
-                                        <p:tgtEl>
-                                          <p:spTgt spid="10"/>
+                                        <p:cTn id="71" dur="2000" fill="hold"/>
+                                        <p:tgtEl>
+                                          <p:spTgt spid="9"/>
                                         </p:tgtEl>
                                         <p:attrNameLst>
                                           <p:attrName>fill.type</p:attrName>
@@ -8061,9 +8321,9 @@
                                     </p:set>
                                     <p:set>
                                       <p:cBhvr>
-                                        <p:cTn id="73" dur="2000" fill="hold"/>
-                                        <p:tgtEl>
-                                          <p:spTgt spid="10"/>
+                                        <p:cTn id="72" dur="2000" fill="hold"/>
+                                        <p:tgtEl>
+                                          <p:spTgt spid="9"/>
                                         </p:tgtEl>
                                         <p:attrNameLst>
                                           <p:attrName>fill.on</p:attrName>
@@ -8083,32 +8343,32 @@
                     </p:cTn>
                   </p:par>
                   <p:par>
-                    <p:cTn id="74" fill="hold">
+                    <p:cTn id="73" fill="hold">
                       <p:stCondLst>
                         <p:cond delay="indefinite"/>
                       </p:stCondLst>
                       <p:childTnLst>
                         <p:par>
-                          <p:cTn id="75" fill="hold">
+                          <p:cTn id="74" fill="hold">
                             <p:stCondLst>
                               <p:cond delay="0"/>
                             </p:stCondLst>
                             <p:childTnLst>
                               <p:par>
-                                <p:cTn id="76" presetID="42" presetClass="entr" presetSubtype="0" fill="hold" nodeType="clickEffect">
+                                <p:cTn id="75" presetID="42" presetClass="entr" presetSubtype="0" fill="hold" nodeType="clickEffect">
                                   <p:stCondLst>
                                     <p:cond delay="0"/>
                                   </p:stCondLst>
                                   <p:childTnLst>
                                     <p:set>
                                       <p:cBhvr>
-                                        <p:cTn id="77" dur="1" fill="hold">
+                                        <p:cTn id="76" dur="1" fill="hold">
                                           <p:stCondLst>
                                             <p:cond delay="0"/>
                                           </p:stCondLst>
                                         </p:cTn>
                                         <p:tgtEl>
-                                          <p:spTgt spid="20"/>
+                                          <p:spTgt spid="19"/>
                                         </p:tgtEl>
                                         <p:attrNameLst>
                                           <p:attrName>style.visibility</p:attrName>
@@ -8120,17 +8380,17 @@
                                     </p:set>
                                     <p:animEffect transition="in" filter="fade">
                                       <p:cBhvr>
-                                        <p:cTn id="78" dur="1000"/>
-                                        <p:tgtEl>
-                                          <p:spTgt spid="20"/>
+                                        <p:cTn id="77" dur="1000"/>
+                                        <p:tgtEl>
+                                          <p:spTgt spid="19"/>
                                         </p:tgtEl>
                                       </p:cBhvr>
                                     </p:animEffect>
                                     <p:anim calcmode="lin" valueType="num">
                                       <p:cBhvr>
-                                        <p:cTn id="79" dur="1000" fill="hold"/>
-                                        <p:tgtEl>
-                                          <p:spTgt spid="20"/>
+                                        <p:cTn id="78" dur="1000" fill="hold"/>
+                                        <p:tgtEl>
+                                          <p:spTgt spid="19"/>
                                         </p:tgtEl>
                                         <p:attrNameLst>
                                           <p:attrName>ppt_x</p:attrName>
@@ -8151,9 +8411,9 @@
                                     </p:anim>
                                     <p:anim calcmode="lin" valueType="num">
                                       <p:cBhvr>
-                                        <p:cTn id="80" dur="1000" fill="hold"/>
-                                        <p:tgtEl>
-                                          <p:spTgt spid="20"/>
+                                        <p:cTn id="79" dur="1000" fill="hold"/>
+                                        <p:tgtEl>
+                                          <p:spTgt spid="19"/>
                                         </p:tgtEl>
                                         <p:attrNameLst>
                                           <p:attrName>ppt_y</p:attrName>
@@ -8182,28 +8442,28 @@
                     </p:cTn>
                   </p:par>
                   <p:par>
-                    <p:cTn id="81" fill="hold">
+                    <p:cTn id="80" fill="hold">
                       <p:stCondLst>
                         <p:cond delay="indefinite"/>
                       </p:stCondLst>
                       <p:childTnLst>
                         <p:par>
-                          <p:cTn id="82" fill="hold">
+                          <p:cTn id="81" fill="hold">
                             <p:stCondLst>
                               <p:cond delay="0"/>
                             </p:stCondLst>
                             <p:childTnLst>
                               <p:par>
-                                <p:cTn id="83" presetID="1" presetClass="emph" presetSubtype="2" fill="hold" nodeType="clickEffect">
+                                <p:cTn id="82" presetID="1" presetClass="emph" presetSubtype="2" fill="hold" nodeType="clickEffect">
                                   <p:stCondLst>
                                     <p:cond delay="0"/>
                                   </p:stCondLst>
                                   <p:childTnLst>
                                     <p:animClr clrSpc="rgb" dir="cw">
                                       <p:cBhvr>
-                                        <p:cTn id="84" dur="2000" fill="hold"/>
-                                        <p:tgtEl>
-                                          <p:spTgt spid="11"/>
+                                        <p:cTn id="83" dur="2000" fill="hold"/>
+                                        <p:tgtEl>
+                                          <p:spTgt spid="10"/>
                                         </p:tgtEl>
                                         <p:attrNameLst>
                                           <p:attrName>fillcolor</p:attrName>
@@ -8215,9 +8475,9 @@
                                     </p:animClr>
                                     <p:set>
                                       <p:cBhvr>
-                                        <p:cTn id="85" dur="2000" fill="hold"/>
-                                        <p:tgtEl>
-                                          <p:spTgt spid="11"/>
+                                        <p:cTn id="84" dur="2000" fill="hold"/>
+                                        <p:tgtEl>
+                                          <p:spTgt spid="10"/>
                                         </p:tgtEl>
                                         <p:attrNameLst>
                                           <p:attrName>fill.type</p:attrName>
@@ -8229,9 +8489,9 @@
                                     </p:set>
                                     <p:set>
                                       <p:cBhvr>
-                                        <p:cTn id="86" dur="2000" fill="hold"/>
-                                        <p:tgtEl>
-                                          <p:spTgt spid="11"/>
+                                        <p:cTn id="85" dur="2000" fill="hold"/>
+                                        <p:tgtEl>
+                                          <p:spTgt spid="10"/>
                                         </p:tgtEl>
                                         <p:attrNameLst>
                                           <p:attrName>fill.on</p:attrName>
@@ -8251,32 +8511,32 @@
                     </p:cTn>
                   </p:par>
                   <p:par>
-                    <p:cTn id="87" fill="hold">
+                    <p:cTn id="86" fill="hold">
                       <p:stCondLst>
                         <p:cond delay="indefinite"/>
                       </p:stCondLst>
                       <p:childTnLst>
                         <p:par>
-                          <p:cTn id="88" fill="hold">
+                          <p:cTn id="87" fill="hold">
                             <p:stCondLst>
                               <p:cond delay="0"/>
                             </p:stCondLst>
                             <p:childTnLst>
                               <p:par>
-                                <p:cTn id="89" presetID="42" presetClass="entr" presetSubtype="0" fill="hold" nodeType="clickEffect">
+                                <p:cTn id="88" presetID="42" presetClass="entr" presetSubtype="0" fill="hold" nodeType="clickEffect">
                                   <p:stCondLst>
                                     <p:cond delay="0"/>
                                   </p:stCondLst>
                                   <p:childTnLst>
                                     <p:set>
                                       <p:cBhvr>
-                                        <p:cTn id="90" dur="1" fill="hold">
+                                        <p:cTn id="89" dur="1" fill="hold">
                                           <p:stCondLst>
                                             <p:cond delay="0"/>
                                           </p:stCondLst>
                                         </p:cTn>
                                         <p:tgtEl>
-                                          <p:spTgt spid="21"/>
+                                          <p:spTgt spid="20"/>
                                         </p:tgtEl>
                                         <p:attrNameLst>
                                           <p:attrName>style.visibility</p:attrName>
@@ -8288,17 +8548,17 @@
                                     </p:set>
                                     <p:animEffect transition="in" filter="fade">
                                       <p:cBhvr>
-                                        <p:cTn id="91" dur="1000"/>
-                                        <p:tgtEl>
-                                          <p:spTgt spid="21"/>
+                                        <p:cTn id="90" dur="1000"/>
+                                        <p:tgtEl>
+                                          <p:spTgt spid="20"/>
                                         </p:tgtEl>
                                       </p:cBhvr>
                                     </p:animEffect>
                                     <p:anim calcmode="lin" valueType="num">
                                       <p:cBhvr>
-                                        <p:cTn id="92" dur="1000" fill="hold"/>
-                                        <p:tgtEl>
-                                          <p:spTgt spid="21"/>
+                                        <p:cTn id="91" dur="1000" fill="hold"/>
+                                        <p:tgtEl>
+                                          <p:spTgt spid="20"/>
                                         </p:tgtEl>
                                         <p:attrNameLst>
                                           <p:attrName>ppt_x</p:attrName>
@@ -8319,9 +8579,9 @@
                                     </p:anim>
                                     <p:anim calcmode="lin" valueType="num">
                                       <p:cBhvr>
-                                        <p:cTn id="93" dur="1000" fill="hold"/>
-                                        <p:tgtEl>
-                                          <p:spTgt spid="21"/>
+                                        <p:cTn id="92" dur="1000" fill="hold"/>
+                                        <p:tgtEl>
+                                          <p:spTgt spid="20"/>
                                         </p:tgtEl>
                                         <p:attrNameLst>
                                           <p:attrName>ppt_y</p:attrName>
@@ -8350,28 +8610,28 @@
                     </p:cTn>
                   </p:par>
                   <p:par>
-                    <p:cTn id="94" fill="hold">
+                    <p:cTn id="93" fill="hold">
                       <p:stCondLst>
                         <p:cond delay="indefinite"/>
                       </p:stCondLst>
                       <p:childTnLst>
                         <p:par>
-                          <p:cTn id="95" fill="hold">
+                          <p:cTn id="94" fill="hold">
                             <p:stCondLst>
                               <p:cond delay="0"/>
                             </p:stCondLst>
                             <p:childTnLst>
                               <p:par>
-                                <p:cTn id="96" presetID="1" presetClass="emph" presetSubtype="2" fill="hold" nodeType="clickEffect">
+                                <p:cTn id="95" presetID="1" presetClass="emph" presetSubtype="2" fill="hold" nodeType="clickEffect">
                                   <p:stCondLst>
                                     <p:cond delay="0"/>
                                   </p:stCondLst>
                                   <p:childTnLst>
                                     <p:animClr clrSpc="rgb" dir="cw">
                                       <p:cBhvr>
-                                        <p:cTn id="97" dur="2000" fill="hold"/>
-                                        <p:tgtEl>
-                                          <p:spTgt spid="14"/>
+                                        <p:cTn id="96" dur="2000" fill="hold"/>
+                                        <p:tgtEl>
+                                          <p:spTgt spid="11"/>
                                         </p:tgtEl>
                                         <p:attrNameLst>
                                           <p:attrName>fillcolor</p:attrName>
@@ -8383,9 +8643,9 @@
                                     </p:animClr>
                                     <p:set>
                                       <p:cBhvr>
-                                        <p:cTn id="98" dur="2000" fill="hold"/>
-                                        <p:tgtEl>
-                                          <p:spTgt spid="14"/>
+                                        <p:cTn id="97" dur="2000" fill="hold"/>
+                                        <p:tgtEl>
+                                          <p:spTgt spid="11"/>
                                         </p:tgtEl>
                                         <p:attrNameLst>
                                           <p:attrName>fill.type</p:attrName>
@@ -8397,9 +8657,9 @@
                                     </p:set>
                                     <p:set>
                                       <p:cBhvr>
-                                        <p:cTn id="99" dur="2000" fill="hold"/>
-                                        <p:tgtEl>
-                                          <p:spTgt spid="14"/>
+                                        <p:cTn id="98" dur="2000" fill="hold"/>
+                                        <p:tgtEl>
+                                          <p:spTgt spid="11"/>
                                         </p:tgtEl>
                                         <p:attrNameLst>
                                           <p:attrName>fill.on</p:attrName>
@@ -8419,32 +8679,32 @@
                     </p:cTn>
                   </p:par>
                   <p:par>
-                    <p:cTn id="100" fill="hold">
+                    <p:cTn id="99" fill="hold">
                       <p:stCondLst>
                         <p:cond delay="indefinite"/>
                       </p:stCondLst>
                       <p:childTnLst>
                         <p:par>
-                          <p:cTn id="101" fill="hold">
+                          <p:cTn id="100" fill="hold">
                             <p:stCondLst>
                               <p:cond delay="0"/>
                             </p:stCondLst>
                             <p:childTnLst>
                               <p:par>
-                                <p:cTn id="102" presetID="42" presetClass="entr" presetSubtype="0" fill="hold" nodeType="clickEffect">
+                                <p:cTn id="101" presetID="42" presetClass="entr" presetSubtype="0" fill="hold" nodeType="clickEffect">
                                   <p:stCondLst>
                                     <p:cond delay="0"/>
                                   </p:stCondLst>
                                   <p:childTnLst>
                                     <p:set>
                                       <p:cBhvr>
-                                        <p:cTn id="103" dur="1" fill="hold">
+                                        <p:cTn id="102" dur="1" fill="hold">
                                           <p:stCondLst>
                                             <p:cond delay="0"/>
                                           </p:stCondLst>
                                         </p:cTn>
                                         <p:tgtEl>
-                                          <p:spTgt spid="22"/>
+                                          <p:spTgt spid="21"/>
                                         </p:tgtEl>
                                         <p:attrNameLst>
                                           <p:attrName>style.visibility</p:attrName>
@@ -8456,17 +8716,17 @@
                                     </p:set>
                                     <p:animEffect transition="in" filter="fade">
                                       <p:cBhvr>
-                                        <p:cTn id="104" dur="1000"/>
-                                        <p:tgtEl>
-                                          <p:spTgt spid="22"/>
+                                        <p:cTn id="103" dur="1000"/>
+                                        <p:tgtEl>
+                                          <p:spTgt spid="21"/>
                                         </p:tgtEl>
                                       </p:cBhvr>
                                     </p:animEffect>
                                     <p:anim calcmode="lin" valueType="num">
                                       <p:cBhvr>
-                                        <p:cTn id="105" dur="1000" fill="hold"/>
-                                        <p:tgtEl>
-                                          <p:spTgt spid="22"/>
+                                        <p:cTn id="104" dur="1000" fill="hold"/>
+                                        <p:tgtEl>
+                                          <p:spTgt spid="21"/>
                                         </p:tgtEl>
                                         <p:attrNameLst>
                                           <p:attrName>ppt_x</p:attrName>
@@ -8487,9 +8747,9 @@
                                     </p:anim>
                                     <p:anim calcmode="lin" valueType="num">
                                       <p:cBhvr>
-                                        <p:cTn id="106" dur="1000" fill="hold"/>
-                                        <p:tgtEl>
-                                          <p:spTgt spid="22"/>
+                                        <p:cTn id="105" dur="1000" fill="hold"/>
+                                        <p:tgtEl>
+                                          <p:spTgt spid="21"/>
                                         </p:tgtEl>
                                         <p:attrNameLst>
                                           <p:attrName>ppt_y</p:attrName>
@@ -8518,28 +8778,28 @@
                     </p:cTn>
                   </p:par>
                   <p:par>
-                    <p:cTn id="107" fill="hold">
+                    <p:cTn id="106" fill="hold">
                       <p:stCondLst>
                         <p:cond delay="indefinite"/>
                       </p:stCondLst>
                       <p:childTnLst>
                         <p:par>
-                          <p:cTn id="108" fill="hold">
+                          <p:cTn id="107" fill="hold">
                             <p:stCondLst>
                               <p:cond delay="0"/>
                             </p:stCondLst>
                             <p:childTnLst>
                               <p:par>
-                                <p:cTn id="109" presetID="1" presetClass="emph" presetSubtype="2" fill="hold" nodeType="clickEffect">
+                                <p:cTn id="108" presetID="1" presetClass="emph" presetSubtype="2" fill="hold" nodeType="clickEffect">
                                   <p:stCondLst>
                                     <p:cond delay="0"/>
                                   </p:stCondLst>
                                   <p:childTnLst>
                                     <p:animClr clrSpc="rgb" dir="cw">
                                       <p:cBhvr>
-                                        <p:cTn id="110" dur="2000" fill="hold"/>
-                                        <p:tgtEl>
-                                          <p:spTgt spid="15"/>
+                                        <p:cTn id="109" dur="2000" fill="hold"/>
+                                        <p:tgtEl>
+                                          <p:spTgt spid="14"/>
                                         </p:tgtEl>
                                         <p:attrNameLst>
                                           <p:attrName>fillcolor</p:attrName>
@@ -8551,9 +8811,9 @@
                                     </p:animClr>
                                     <p:set>
                                       <p:cBhvr>
-                                        <p:cTn id="111" dur="2000" fill="hold"/>
-                                        <p:tgtEl>
-                                          <p:spTgt spid="15"/>
+                                        <p:cTn id="110" dur="2000" fill="hold"/>
+                                        <p:tgtEl>
+                                          <p:spTgt spid="14"/>
                                         </p:tgtEl>
                                         <p:attrNameLst>
                                           <p:attrName>fill.type</p:attrName>
@@ -8565,9 +8825,9 @@
                                     </p:set>
                                     <p:set>
                                       <p:cBhvr>
-                                        <p:cTn id="112" dur="2000" fill="hold"/>
-                                        <p:tgtEl>
-                                          <p:spTgt spid="15"/>
+                                        <p:cTn id="111" dur="2000" fill="hold"/>
+                                        <p:tgtEl>
+                                          <p:spTgt spid="14"/>
                                         </p:tgtEl>
                                         <p:attrNameLst>
                                           <p:attrName>fill.on</p:attrName>
@@ -8587,32 +8847,32 @@
                     </p:cTn>
                   </p:par>
                   <p:par>
-                    <p:cTn id="113" fill="hold">
+                    <p:cTn id="112" fill="hold">
                       <p:stCondLst>
                         <p:cond delay="indefinite"/>
                       </p:stCondLst>
                       <p:childTnLst>
                         <p:par>
-                          <p:cTn id="114" fill="hold">
+                          <p:cTn id="113" fill="hold">
                             <p:stCondLst>
                               <p:cond delay="0"/>
                             </p:stCondLst>
                             <p:childTnLst>
                               <p:par>
-                                <p:cTn id="115" presetID="42" presetClass="entr" presetSubtype="0" fill="hold" nodeType="clickEffect">
+                                <p:cTn id="114" presetID="42" presetClass="entr" presetSubtype="0" fill="hold" nodeType="clickEffect">
                                   <p:stCondLst>
                                     <p:cond delay="0"/>
                                   </p:stCondLst>
                                   <p:childTnLst>
                                     <p:set>
                                       <p:cBhvr>
-                                        <p:cTn id="116" dur="1" fill="hold">
+                                        <p:cTn id="115" dur="1" fill="hold">
                                           <p:stCondLst>
                                             <p:cond delay="0"/>
                                           </p:stCondLst>
                                         </p:cTn>
                                         <p:tgtEl>
-                                          <p:spTgt spid="23"/>
+                                          <p:spTgt spid="22"/>
                                         </p:tgtEl>
                                         <p:attrNameLst>
                                           <p:attrName>style.visibility</p:attrName>
@@ -8624,17 +8884,17 @@
                                     </p:set>
                                     <p:animEffect transition="in" filter="fade">
                                       <p:cBhvr>
-                                        <p:cTn id="117" dur="1000"/>
-                                        <p:tgtEl>
-                                          <p:spTgt spid="23"/>
+                                        <p:cTn id="116" dur="1000"/>
+                                        <p:tgtEl>
+                                          <p:spTgt spid="22"/>
                                         </p:tgtEl>
                                       </p:cBhvr>
                                     </p:animEffect>
                                     <p:anim calcmode="lin" valueType="num">
                                       <p:cBhvr>
-                                        <p:cTn id="118" dur="1000" fill="hold"/>
-                                        <p:tgtEl>
-                                          <p:spTgt spid="23"/>
+                                        <p:cTn id="117" dur="1000" fill="hold"/>
+                                        <p:tgtEl>
+                                          <p:spTgt spid="22"/>
                                         </p:tgtEl>
                                         <p:attrNameLst>
                                           <p:attrName>ppt_x</p:attrName>
@@ -8655,9 +8915,9 @@
                                     </p:anim>
                                     <p:anim calcmode="lin" valueType="num">
                                       <p:cBhvr>
-                                        <p:cTn id="119" dur="1000" fill="hold"/>
-                                        <p:tgtEl>
-                                          <p:spTgt spid="23"/>
+                                        <p:cTn id="118" dur="1000" fill="hold"/>
+                                        <p:tgtEl>
+                                          <p:spTgt spid="22"/>
                                         </p:tgtEl>
                                         <p:attrNameLst>
                                           <p:attrName>ppt_y</p:attrName>
@@ -8686,28 +8946,28 @@
                     </p:cTn>
                   </p:par>
                   <p:par>
-                    <p:cTn id="120" fill="hold">
+                    <p:cTn id="119" fill="hold">
                       <p:stCondLst>
                         <p:cond delay="indefinite"/>
                       </p:stCondLst>
                       <p:childTnLst>
                         <p:par>
-                          <p:cTn id="121" fill="hold">
+                          <p:cTn id="120" fill="hold">
                             <p:stCondLst>
                               <p:cond delay="0"/>
                             </p:stCondLst>
                             <p:childTnLst>
                               <p:par>
-                                <p:cTn id="122" presetID="1" presetClass="emph" presetSubtype="2" fill="hold" nodeType="clickEffect">
+                                <p:cTn id="121" presetID="1" presetClass="emph" presetSubtype="2" fill="hold" nodeType="clickEffect">
                                   <p:stCondLst>
                                     <p:cond delay="0"/>
                                   </p:stCondLst>
                                   <p:childTnLst>
                                     <p:animClr clrSpc="rgb" dir="cw">
                                       <p:cBhvr>
-                                        <p:cTn id="123" dur="2000" fill="hold"/>
-                                        <p:tgtEl>
-                                          <p:spTgt spid="16"/>
+                                        <p:cTn id="122" dur="2000" fill="hold"/>
+                                        <p:tgtEl>
+                                          <p:spTgt spid="15"/>
                                         </p:tgtEl>
                                         <p:attrNameLst>
                                           <p:attrName>fillcolor</p:attrName>
@@ -8719,9 +8979,9 @@
                                     </p:animClr>
                                     <p:set>
                                       <p:cBhvr>
-                                        <p:cTn id="124" dur="2000" fill="hold"/>
-                                        <p:tgtEl>
-                                          <p:spTgt spid="16"/>
+                                        <p:cTn id="123" dur="2000" fill="hold"/>
+                                        <p:tgtEl>
+                                          <p:spTgt spid="15"/>
                                         </p:tgtEl>
                                         <p:attrNameLst>
                                           <p:attrName>fill.type</p:attrName>
@@ -8733,9 +8993,9 @@
                                     </p:set>
                                     <p:set>
                                       <p:cBhvr>
-                                        <p:cTn id="125" dur="2000" fill="hold"/>
-                                        <p:tgtEl>
-                                          <p:spTgt spid="16"/>
+                                        <p:cTn id="124" dur="2000" fill="hold"/>
+                                        <p:tgtEl>
+                                          <p:spTgt spid="15"/>
                                         </p:tgtEl>
                                         <p:attrNameLst>
                                           <p:attrName>fill.on</p:attrName>
@@ -8755,32 +9015,32 @@
                     </p:cTn>
                   </p:par>
                   <p:par>
-                    <p:cTn id="126" fill="hold">
+                    <p:cTn id="125" fill="hold">
                       <p:stCondLst>
                         <p:cond delay="indefinite"/>
                       </p:stCondLst>
                       <p:childTnLst>
                         <p:par>
-                          <p:cTn id="127" fill="hold">
+                          <p:cTn id="126" fill="hold">
                             <p:stCondLst>
                               <p:cond delay="0"/>
                             </p:stCondLst>
                             <p:childTnLst>
                               <p:par>
-                                <p:cTn id="128" presetID="42" presetClass="entr" presetSubtype="0" fill="hold" nodeType="clickEffect">
+                                <p:cTn id="127" presetID="42" presetClass="entr" presetSubtype="0" fill="hold" nodeType="clickEffect">
                                   <p:stCondLst>
                                     <p:cond delay="0"/>
                                   </p:stCondLst>
                                   <p:childTnLst>
                                     <p:set>
                                       <p:cBhvr>
-                                        <p:cTn id="129" dur="1" fill="hold">
+                                        <p:cTn id="128" dur="1" fill="hold">
                                           <p:stCondLst>
                                             <p:cond delay="0"/>
                                           </p:stCondLst>
                                         </p:cTn>
                                         <p:tgtEl>
-                                          <p:spTgt spid="26"/>
+                                          <p:spTgt spid="23"/>
                                         </p:tgtEl>
                                         <p:attrNameLst>
                                           <p:attrName>style.visibility</p:attrName>
@@ -8792,17 +9052,17 @@
                                     </p:set>
                                     <p:animEffect transition="in" filter="fade">
                                       <p:cBhvr>
-                                        <p:cTn id="130" dur="1000"/>
-                                        <p:tgtEl>
-                                          <p:spTgt spid="26"/>
+                                        <p:cTn id="129" dur="1000"/>
+                                        <p:tgtEl>
+                                          <p:spTgt spid="23"/>
                                         </p:tgtEl>
                                       </p:cBhvr>
                                     </p:animEffect>
                                     <p:anim calcmode="lin" valueType="num">
                                       <p:cBhvr>
-                                        <p:cTn id="131" dur="1000" fill="hold"/>
-                                        <p:tgtEl>
-                                          <p:spTgt spid="26"/>
+                                        <p:cTn id="130" dur="1000" fill="hold"/>
+                                        <p:tgtEl>
+                                          <p:spTgt spid="23"/>
                                         </p:tgtEl>
                                         <p:attrNameLst>
                                           <p:attrName>ppt_x</p:attrName>
@@ -8823,7 +9083,175 @@
                                     </p:anim>
                                     <p:anim calcmode="lin" valueType="num">
                                       <p:cBhvr>
-                                        <p:cTn id="132" dur="1000" fill="hold"/>
+                                        <p:cTn id="131" dur="1000" fill="hold"/>
+                                        <p:tgtEl>
+                                          <p:spTgt spid="23"/>
+                                        </p:tgtEl>
+                                        <p:attrNameLst>
+                                          <p:attrName>ppt_y</p:attrName>
+                                        </p:attrNameLst>
+                                      </p:cBhvr>
+                                      <p:tavLst>
+                                        <p:tav tm="0">
+                                          <p:val>
+                                            <p:strVal val="#ppt_y+.1"/>
+                                          </p:val>
+                                        </p:tav>
+                                        <p:tav tm="100000">
+                                          <p:val>
+                                            <p:strVal val="#ppt_y"/>
+                                          </p:val>
+                                        </p:tav>
+                                      </p:tavLst>
+                                    </p:anim>
+                                  </p:childTnLst>
+                                </p:cTn>
+                              </p:par>
+                            </p:childTnLst>
+                          </p:cTn>
+                        </p:par>
+                      </p:childTnLst>
+                    </p:cTn>
+                  </p:par>
+                  <p:par>
+                    <p:cTn id="132" fill="hold">
+                      <p:stCondLst>
+                        <p:cond delay="indefinite"/>
+                      </p:stCondLst>
+                      <p:childTnLst>
+                        <p:par>
+                          <p:cTn id="133" fill="hold">
+                            <p:stCondLst>
+                              <p:cond delay="0"/>
+                            </p:stCondLst>
+                            <p:childTnLst>
+                              <p:par>
+                                <p:cTn id="134" presetID="1" presetClass="emph" presetSubtype="2" fill="hold" nodeType="clickEffect">
+                                  <p:stCondLst>
+                                    <p:cond delay="0"/>
+                                  </p:stCondLst>
+                                  <p:childTnLst>
+                                    <p:animClr clrSpc="rgb" dir="cw">
+                                      <p:cBhvr>
+                                        <p:cTn id="135" dur="2000" fill="hold"/>
+                                        <p:tgtEl>
+                                          <p:spTgt spid="16"/>
+                                        </p:tgtEl>
+                                        <p:attrNameLst>
+                                          <p:attrName>fillcolor</p:attrName>
+                                        </p:attrNameLst>
+                                      </p:cBhvr>
+                                      <p:to>
+                                        <a:srgbClr val="00B050"/>
+                                      </p:to>
+                                    </p:animClr>
+                                    <p:set>
+                                      <p:cBhvr>
+                                        <p:cTn id="136" dur="2000" fill="hold"/>
+                                        <p:tgtEl>
+                                          <p:spTgt spid="16"/>
+                                        </p:tgtEl>
+                                        <p:attrNameLst>
+                                          <p:attrName>fill.type</p:attrName>
+                                        </p:attrNameLst>
+                                      </p:cBhvr>
+                                      <p:to>
+                                        <p:strVal val="solid"/>
+                                      </p:to>
+                                    </p:set>
+                                    <p:set>
+                                      <p:cBhvr>
+                                        <p:cTn id="137" dur="2000" fill="hold"/>
+                                        <p:tgtEl>
+                                          <p:spTgt spid="16"/>
+                                        </p:tgtEl>
+                                        <p:attrNameLst>
+                                          <p:attrName>fill.on</p:attrName>
+                                        </p:attrNameLst>
+                                      </p:cBhvr>
+                                      <p:to>
+                                        <p:strVal val="true"/>
+                                      </p:to>
+                                    </p:set>
+                                  </p:childTnLst>
+                                </p:cTn>
+                              </p:par>
+                            </p:childTnLst>
+                          </p:cTn>
+                        </p:par>
+                      </p:childTnLst>
+                    </p:cTn>
+                  </p:par>
+                  <p:par>
+                    <p:cTn id="138" fill="hold">
+                      <p:stCondLst>
+                        <p:cond delay="indefinite"/>
+                      </p:stCondLst>
+                      <p:childTnLst>
+                        <p:par>
+                          <p:cTn id="139" fill="hold">
+                            <p:stCondLst>
+                              <p:cond delay="0"/>
+                            </p:stCondLst>
+                            <p:childTnLst>
+                              <p:par>
+                                <p:cTn id="140" presetID="42" presetClass="entr" presetSubtype="0" fill="hold" nodeType="clickEffect">
+                                  <p:stCondLst>
+                                    <p:cond delay="0"/>
+                                  </p:stCondLst>
+                                  <p:childTnLst>
+                                    <p:set>
+                                      <p:cBhvr>
+                                        <p:cTn id="141" dur="1" fill="hold">
+                                          <p:stCondLst>
+                                            <p:cond delay="0"/>
+                                          </p:stCondLst>
+                                        </p:cTn>
+                                        <p:tgtEl>
+                                          <p:spTgt spid="26"/>
+                                        </p:tgtEl>
+                                        <p:attrNameLst>
+                                          <p:attrName>style.visibility</p:attrName>
+                                        </p:attrNameLst>
+                                      </p:cBhvr>
+                                      <p:to>
+                                        <p:strVal val="visible"/>
+                                      </p:to>
+                                    </p:set>
+                                    <p:animEffect transition="in" filter="fade">
+                                      <p:cBhvr>
+                                        <p:cTn id="142" dur="1000"/>
+                                        <p:tgtEl>
+                                          <p:spTgt spid="26"/>
+                                        </p:tgtEl>
+                                      </p:cBhvr>
+                                    </p:animEffect>
+                                    <p:anim calcmode="lin" valueType="num">
+                                      <p:cBhvr>
+                                        <p:cTn id="143" dur="1000" fill="hold"/>
+                                        <p:tgtEl>
+                                          <p:spTgt spid="26"/>
+                                        </p:tgtEl>
+                                        <p:attrNameLst>
+                                          <p:attrName>ppt_x</p:attrName>
+                                        </p:attrNameLst>
+                                      </p:cBhvr>
+                                      <p:tavLst>
+                                        <p:tav tm="0">
+                                          <p:val>
+                                            <p:strVal val="#ppt_x"/>
+                                          </p:val>
+                                        </p:tav>
+                                        <p:tav tm="100000">
+                                          <p:val>
+                                            <p:strVal val="#ppt_x"/>
+                                          </p:val>
+                                        </p:tav>
+                                      </p:tavLst>
+                                    </p:anim>
+                                    <p:anim calcmode="lin" valueType="num">
+                                      <p:cBhvr>
+                                        <p:cTn id="144" dur="1000" fill="hold"/>
                                         <p:tgtEl>
                                           <p:spTgt spid="26"/>
                                         </p:tgtEl>
@@ -8874,6 +9302,10 @@
         </p:cTn>
       </p:par>
     </p:tnLst>
+    <p:bldLst>
+      <p:bldP spid="25" grpId="0" animBg="1"/>
+      <p:bldP spid="27" grpId="0"/>
+    </p:bldLst>
   </p:timing>
 </p:sld>
 </file>
@@ -9691,7 +10123,7 @@
           <p:nvPr>
             <p:extLst>
               <p:ext uri="{D42A27DB-BD31-4B8C-83A1-F6EECF244321}">
-                <p14:modId xmlns:p14="http://schemas.microsoft.com/office/powerpoint/2010/main" val="1018347915"/>
+                <p14:modId xmlns:p14="http://schemas.microsoft.com/office/powerpoint/2010/main" val="3641554124"/>
               </p:ext>
             </p:extLst>
           </p:nvPr>
@@ -10217,14 +10649,14 @@
           <p:nvPr>
             <p:extLst>
               <p:ext uri="{D42A27DB-BD31-4B8C-83A1-F6EECF244321}">
-                <p14:modId xmlns:p14="http://schemas.microsoft.com/office/powerpoint/2010/main" val="900264033"/>
+                <p14:modId xmlns:p14="http://schemas.microsoft.com/office/powerpoint/2010/main" val="4155476069"/>
               </p:ext>
             </p:extLst>
           </p:nvPr>
         </p:nvGraphicFramePr>
         <p:xfrm>
-          <a:off x="1636386" y="1584941"/>
-          <a:ext cx="8128000" cy="370840"/>
+          <a:off x="989556" y="1584941"/>
+          <a:ext cx="8774832" cy="640080"/>
         </p:xfrm>
         <a:graphic>
           <a:graphicData uri="http://schemas.openxmlformats.org/drawingml/2006/table">
@@ -10233,56 +10665,56 @@
                 <a:tableStyleId>{5940675A-B579-460E-94D1-54222C63F5DA}</a:tableStyleId>
               </a:tblPr>
               <a:tblGrid>
-                <a:gridCol w="1016000">
+                <a:gridCol w="1096854">
                   <a:extLst>
                     <a:ext uri="{9D8B030D-6E8A-4147-A177-3AD203B41FA5}">
                       <a16:colId xmlns:a16="http://schemas.microsoft.com/office/drawing/2014/main" val="1065926120"/>
                     </a:ext>
                   </a:extLst>
                 </a:gridCol>
-                <a:gridCol w="1016000">
+                <a:gridCol w="1096854">
                   <a:extLst>
                     <a:ext uri="{9D8B030D-6E8A-4147-A177-3AD203B41FA5}">
                       <a16:colId xmlns:a16="http://schemas.microsoft.com/office/drawing/2014/main" val="3331542925"/>
                     </a:ext>
                   </a:extLst>
                 </a:gridCol>
-                <a:gridCol w="1016000">
+                <a:gridCol w="1096854">
                   <a:extLst>
                     <a:ext uri="{9D8B030D-6E8A-4147-A177-3AD203B41FA5}">
                       <a16:colId xmlns:a16="http://schemas.microsoft.com/office/drawing/2014/main" val="544996489"/>
                     </a:ext>
                   </a:extLst>
                 </a:gridCol>
-                <a:gridCol w="1016000">
+                <a:gridCol w="1096854">
                   <a:extLst>
                     <a:ext uri="{9D8B030D-6E8A-4147-A177-3AD203B41FA5}">
                       <a16:colId xmlns:a16="http://schemas.microsoft.com/office/drawing/2014/main" val="2673185317"/>
                     </a:ext>
                   </a:extLst>
                 </a:gridCol>
-                <a:gridCol w="1016000">
+                <a:gridCol w="1096854">
                   <a:extLst>
                     <a:ext uri="{9D8B030D-6E8A-4147-A177-3AD203B41FA5}">
                       <a16:colId xmlns:a16="http://schemas.microsoft.com/office/drawing/2014/main" val="2544289847"/>
                     </a:ext>
                   </a:extLst>
                 </a:gridCol>
-                <a:gridCol w="1016000">
+                <a:gridCol w="1096854">
                   <a:extLst>
                     <a:ext uri="{9D8B030D-6E8A-4147-A177-3AD203B41FA5}">
                       <a16:colId xmlns:a16="http://schemas.microsoft.com/office/drawing/2014/main" val="1681066479"/>
                     </a:ext>
                   </a:extLst>
                 </a:gridCol>
-                <a:gridCol w="1016000">
+                <a:gridCol w="1096854">
                   <a:extLst>
                     <a:ext uri="{9D8B030D-6E8A-4147-A177-3AD203B41FA5}">
                       <a16:colId xmlns:a16="http://schemas.microsoft.com/office/drawing/2014/main" val="3170948052"/>
                     </a:ext>
                   </a:extLst>
                 </a:gridCol>
-                <a:gridCol w="1016000">
+                <a:gridCol w="1096854">
                   <a:extLst>
                     <a:ext uri="{9D8B030D-6E8A-4147-A177-3AD203B41FA5}">
                       <a16:colId xmlns:a16="http://schemas.microsoft.com/office/drawing/2014/main" val="3603424921"/>
@@ -10298,8 +10730,20 @@
                     <a:p>
                       <a:pPr algn="ctr"/>
                       <a:r>
-                        <a:rPr lang="en-US" b="1" dirty="0"/>
-                        <a:t>List:</a:t>
+                        <a:rPr lang="en-US" b="1" dirty="0" err="1">
+                          <a:solidFill>
+                            <a:srgbClr val="00B0F0"/>
+                          </a:solidFill>
+                        </a:rPr>
+                        <a:t>UnsortedList</a:t>
+                      </a:r>
+                      <a:r>
+                        <a:rPr lang="en-US" b="1" dirty="0">
+                          <a:solidFill>
+                            <a:srgbClr val="00B0F0"/>
+                          </a:solidFill>
+                        </a:rPr>
+                        <a:t>:</a:t>
                       </a:r>
                     </a:p>
                   </a:txBody>
@@ -10443,7 +10887,7 @@
         </p:nvSpPr>
         <p:spPr>
           <a:xfrm>
-            <a:off x="8753344" y="1588968"/>
+            <a:off x="8695641" y="1735642"/>
             <a:ext cx="1011042" cy="369332"/>
           </a:xfrm>
           <a:prstGeom prst="rect">
@@ -10479,7 +10923,7 @@
         </p:nvSpPr>
         <p:spPr>
           <a:xfrm>
-            <a:off x="7742302" y="1581925"/>
+            <a:off x="7626894" y="1726902"/>
             <a:ext cx="1011042" cy="369332"/>
           </a:xfrm>
           <a:prstGeom prst="rect">
@@ -10515,7 +10959,7 @@
         </p:nvSpPr>
         <p:spPr>
           <a:xfrm>
-            <a:off x="6711428" y="1591817"/>
+            <a:off x="6500442" y="1720315"/>
             <a:ext cx="1011042" cy="369332"/>
           </a:xfrm>
           <a:prstGeom prst="rect">
@@ -10551,7 +10995,7 @@
         </p:nvSpPr>
         <p:spPr>
           <a:xfrm>
-            <a:off x="5700386" y="1581925"/>
+            <a:off x="5447625" y="1720315"/>
             <a:ext cx="1011042" cy="369332"/>
           </a:xfrm>
           <a:prstGeom prst="rect">
@@ -10587,7 +11031,7 @@
         </p:nvSpPr>
         <p:spPr>
           <a:xfrm>
-            <a:off x="4689344" y="1586449"/>
+            <a:off x="4358615" y="1712925"/>
             <a:ext cx="1011042" cy="369332"/>
           </a:xfrm>
           <a:prstGeom prst="rect">
@@ -10623,7 +11067,7 @@
         </p:nvSpPr>
         <p:spPr>
           <a:xfrm>
-            <a:off x="3678302" y="1581925"/>
+            <a:off x="3206266" y="1720315"/>
             <a:ext cx="991210" cy="369332"/>
           </a:xfrm>
           <a:prstGeom prst="rect">
@@ -10659,7 +11103,7 @@
         </p:nvSpPr>
         <p:spPr>
           <a:xfrm>
-            <a:off x="2647428" y="1582422"/>
+            <a:off x="2141905" y="1726902"/>
             <a:ext cx="1011042" cy="369332"/>
           </a:xfrm>
           <a:prstGeom prst="rect">
@@ -10677,6 +11121,205 @@
             <a:r>
               <a:rPr lang="en-US" b="1" dirty="0"/>
               <a:t>1</a:t>
+            </a:r>
+          </a:p>
+        </p:txBody>
+      </p:sp>
+      <p:sp>
+        <p:nvSpPr>
+          <p:cNvPr id="3" name="TextBox 2">
+            <a:extLst>
+              <a:ext uri="{FF2B5EF4-FFF2-40B4-BE49-F238E27FC236}">
+                <a16:creationId xmlns:a16="http://schemas.microsoft.com/office/drawing/2014/main" id="{649EF382-06D6-9600-9184-D9E6D882E32F}"/>
+              </a:ext>
+            </a:extLst>
+          </p:cNvPr>
+          <p:cNvSpPr txBox="1"/>
+          <p:nvPr/>
+        </p:nvSpPr>
+        <p:spPr>
+          <a:xfrm>
+            <a:off x="1962149" y="5281070"/>
+            <a:ext cx="8127999" cy="830997"/>
+          </a:xfrm>
+          <a:prstGeom prst="rect">
+            <a:avLst/>
+          </a:prstGeom>
+          <a:noFill/>
+        </p:spPr>
+        <p:txBody>
+          <a:bodyPr wrap="square">
+            <a:spAutoFit/>
+          </a:bodyPr>
+          <a:lstStyle/>
+          <a:p>
+            <a:pPr algn="l" fontAlgn="base"/>
+            <a:r>
+              <a:rPr lang="en-US" sz="2400" b="1" dirty="0">
+                <a:solidFill>
+                  <a:srgbClr val="273239"/>
+                </a:solidFill>
+                <a:latin typeface="Calibri Body"/>
+              </a:rPr>
+              <a:t>Step 2</a:t>
+            </a:r>
+            <a:r>
+              <a:rPr lang="en-US" sz="2400" dirty="0">
+                <a:solidFill>
+                  <a:srgbClr val="273239"/>
+                </a:solidFill>
+                <a:latin typeface="Calibri Body"/>
+              </a:rPr>
+              <a:t>: Starting from right to left from the </a:t>
+            </a:r>
+            <a:r>
+              <a:rPr lang="en-US" sz="2400" b="1" dirty="0">
+                <a:solidFill>
+                  <a:srgbClr val="00B0F0"/>
+                </a:solidFill>
+                <a:latin typeface="Calibri Body"/>
+              </a:rPr>
+              <a:t>original list</a:t>
+            </a:r>
+            <a:r>
+              <a:rPr lang="en-US" sz="2400" dirty="0">
+                <a:solidFill>
+                  <a:srgbClr val="273239"/>
+                </a:solidFill>
+                <a:latin typeface="Calibri Body"/>
+              </a:rPr>
+              <a:t>, the </a:t>
+            </a:r>
+            <a:r>
+              <a:rPr lang="en-US" sz="2400" b="1" dirty="0">
+                <a:solidFill>
+                  <a:srgbClr val="00B050"/>
+                </a:solidFill>
+                <a:latin typeface="Calibri Body"/>
+              </a:rPr>
+              <a:t>cumulative sum </a:t>
+            </a:r>
+            <a:r>
+              <a:rPr lang="en-US" sz="2400" b="1" dirty="0">
+                <a:solidFill>
+                  <a:srgbClr val="FF0000"/>
+                </a:solidFill>
+                <a:latin typeface="Calibri Body"/>
+              </a:rPr>
+              <a:t>- 1</a:t>
+            </a:r>
+            <a:r>
+              <a:rPr lang="en-US" sz="2400" b="1" dirty="0">
+                <a:solidFill>
+                  <a:srgbClr val="00B050"/>
+                </a:solidFill>
+                <a:latin typeface="Calibri Body"/>
+              </a:rPr>
+              <a:t> </a:t>
+            </a:r>
+            <a:r>
+              <a:rPr lang="en-US" sz="2400" dirty="0">
+                <a:solidFill>
+                  <a:srgbClr val="273239"/>
+                </a:solidFill>
+                <a:latin typeface="Calibri Body"/>
+              </a:rPr>
+              <a:t>will determine the position of each element</a:t>
+            </a:r>
+            <a:endParaRPr lang="en-US" sz="2400" b="0" dirty="0">
+              <a:solidFill>
+                <a:srgbClr val="273239"/>
+              </a:solidFill>
+              <a:effectLst/>
+              <a:latin typeface="Calibri Body"/>
+            </a:endParaRPr>
+          </a:p>
+        </p:txBody>
+      </p:sp>
+      <p:sp>
+        <p:nvSpPr>
+          <p:cNvPr id="4" name="TextBox 3">
+            <a:extLst>
+              <a:ext uri="{FF2B5EF4-FFF2-40B4-BE49-F238E27FC236}">
+                <a16:creationId xmlns:a16="http://schemas.microsoft.com/office/drawing/2014/main" id="{FA6D899A-66D3-530E-CCEC-6E70C7195B5E}"/>
+              </a:ext>
+            </a:extLst>
+          </p:cNvPr>
+          <p:cNvSpPr txBox="1"/>
+          <p:nvPr/>
+        </p:nvSpPr>
+        <p:spPr>
+          <a:xfrm>
+            <a:off x="1887819" y="4356232"/>
+            <a:ext cx="1265130" cy="369332"/>
+          </a:xfrm>
+          <a:prstGeom prst="rect">
+            <a:avLst/>
+          </a:prstGeom>
+          <a:noFill/>
+        </p:spPr>
+        <p:txBody>
+          <a:bodyPr wrap="square" rtlCol="0">
+            <a:spAutoFit/>
+          </a:bodyPr>
+          <a:lstStyle/>
+          <a:p>
+            <a:pPr algn="ctr"/>
+            <a:r>
+              <a:rPr lang="en-US" b="1" dirty="0" err="1">
+                <a:solidFill>
+                  <a:srgbClr val="00B0F0"/>
+                </a:solidFill>
+              </a:rPr>
+              <a:t>SortedList</a:t>
+            </a:r>
+            <a:r>
+              <a:rPr lang="en-US" b="1" dirty="0">
+                <a:solidFill>
+                  <a:srgbClr val="00B0F0"/>
+                </a:solidFill>
+              </a:rPr>
+              <a:t>:</a:t>
+            </a:r>
+          </a:p>
+        </p:txBody>
+      </p:sp>
+      <p:sp>
+        <p:nvSpPr>
+          <p:cNvPr id="6" name="TextBox 5">
+            <a:extLst>
+              <a:ext uri="{FF2B5EF4-FFF2-40B4-BE49-F238E27FC236}">
+                <a16:creationId xmlns:a16="http://schemas.microsoft.com/office/drawing/2014/main" id="{934A66E8-15C2-9840-143D-E694E274DE15}"/>
+              </a:ext>
+            </a:extLst>
+          </p:cNvPr>
+          <p:cNvSpPr txBox="1"/>
+          <p:nvPr/>
+        </p:nvSpPr>
+        <p:spPr>
+          <a:xfrm>
+            <a:off x="183848" y="2715385"/>
+            <a:ext cx="1739466" cy="646331"/>
+          </a:xfrm>
+          <a:prstGeom prst="rect">
+            <a:avLst/>
+          </a:prstGeom>
+          <a:noFill/>
+        </p:spPr>
+        <p:txBody>
+          <a:bodyPr wrap="square" rtlCol="0">
+            <a:spAutoFit/>
+          </a:bodyPr>
+          <a:lstStyle/>
+          <a:p>
+            <a:pPr algn="ctr"/>
+            <a:r>
+              <a:rPr lang="en-US" b="1" dirty="0">
+                <a:solidFill>
+                  <a:srgbClr val="00B0F0"/>
+                </a:solidFill>
+              </a:rPr>
+              <a:t>Cumulative Sum:</a:t>
             </a:r>
           </a:p>
         </p:txBody>
@@ -12943,12 +13586,9 @@
 </file>
 
 <file path=customXml/item1.xml><?xml version="1.0" encoding="utf-8"?>
-<?mso-contentType ?>
-<FormTemplates xmlns="http://schemas.microsoft.com/sharepoint/v3/contenttype/forms">
-  <Display>DocumentLibraryForm</Display>
-  <Edit>DocumentLibraryForm</Edit>
-  <New>DocumentLibraryForm</New>
-</FormTemplates>
+<p:properties xmlns:p="http://schemas.microsoft.com/office/2006/metadata/properties" xmlns:xsi="http://www.w3.org/2001/XMLSchema-instance" xmlns:pc="http://schemas.microsoft.com/office/infopath/2007/PartnerControls">
+  <documentManagement/>
+</p:properties>
 </file>
 
 <file path=customXml/item2.xml><?xml version="1.0" encoding="utf-8"?>
@@ -13084,15 +13724,19 @@
 </file>
 
 <file path=customXml/item3.xml><?xml version="1.0" encoding="utf-8"?>
-<p:properties xmlns:p="http://schemas.microsoft.com/office/2006/metadata/properties" xmlns:xsi="http://www.w3.org/2001/XMLSchema-instance" xmlns:pc="http://schemas.microsoft.com/office/infopath/2007/PartnerControls">
-  <documentManagement/>
-</p:properties>
+<?mso-contentType ?>
+<FormTemplates xmlns="http://schemas.microsoft.com/sharepoint/v3/contenttype/forms">
+  <Display>DocumentLibraryForm</Display>
+  <Edit>DocumentLibraryForm</Edit>
+  <New>DocumentLibraryForm</New>
+</FormTemplates>
 </file>
 
 <file path=customXml/itemProps1.xml><?xml version="1.0" encoding="utf-8"?>
-<ds:datastoreItem xmlns:ds="http://schemas.openxmlformats.org/officeDocument/2006/customXml" ds:itemID="{651370AF-26B9-4AFA-BA9D-5D4A7E1A6722}">
+<ds:datastoreItem xmlns:ds="http://schemas.openxmlformats.org/officeDocument/2006/customXml" ds:itemID="{EA3362E2-FA54-4262-AE94-2FA98FF8142D}">
   <ds:schemaRefs>
-    <ds:schemaRef ds:uri="http://schemas.microsoft.com/sharepoint/v3/contenttype/forms"/>
+    <ds:schemaRef ds:uri="http://schemas.microsoft.com/office/2006/metadata/properties"/>
+    <ds:schemaRef ds:uri="http://schemas.microsoft.com/office/infopath/2007/PartnerControls"/>
   </ds:schemaRefs>
 </ds:datastoreItem>
 </file>
@@ -13116,10 +13760,9 @@
 </file>
 
 <file path=customXml/itemProps3.xml><?xml version="1.0" encoding="utf-8"?>
-<ds:datastoreItem xmlns:ds="http://schemas.openxmlformats.org/officeDocument/2006/customXml" ds:itemID="{EA3362E2-FA54-4262-AE94-2FA98FF8142D}">
+<ds:datastoreItem xmlns:ds="http://schemas.openxmlformats.org/officeDocument/2006/customXml" ds:itemID="{651370AF-26B9-4AFA-BA9D-5D4A7E1A6722}">
   <ds:schemaRefs>
-    <ds:schemaRef ds:uri="http://schemas.microsoft.com/office/2006/metadata/properties"/>
-    <ds:schemaRef ds:uri="http://schemas.microsoft.com/office/infopath/2007/PartnerControls"/>
+    <ds:schemaRef ds:uri="http://schemas.microsoft.com/sharepoint/v3/contenttype/forms"/>
   </ds:schemaRefs>
 </ds:datastoreItem>
 </file>
--- a/5 - Sorting Algorithms/Counting Sort.pptx
+++ b/5 - Sorting Algorithms/Counting Sort.pptx
@@ -209,7 +209,7 @@
           <a:p>
             <a:fld id="{F666E1FD-E7A0-497B-BBC0-740BAAC97C64}" type="datetimeFigureOut">
               <a:rPr lang="en-PH" smtClean="0"/>
-              <a:t>15/09/2023</a:t>
+              <a:t>9/18/23</a:t>
             </a:fld>
             <a:endParaRPr lang="en-PH"/>
           </a:p>
@@ -1046,7 +1046,7 @@
           <a:p>
             <a:fld id="{0CCF0B81-6BD8-4C65-9459-815598C5F1F4}" type="datetimeFigureOut">
               <a:rPr lang="en-PH" smtClean="0"/>
-              <a:t>15/09/2023</a:t>
+              <a:t>9/18/23</a:t>
             </a:fld>
             <a:endParaRPr lang="en-PH"/>
           </a:p>
@@ -1246,7 +1246,7 @@
           <a:p>
             <a:fld id="{0CCF0B81-6BD8-4C65-9459-815598C5F1F4}" type="datetimeFigureOut">
               <a:rPr lang="en-PH" smtClean="0"/>
-              <a:t>15/09/2023</a:t>
+              <a:t>9/18/23</a:t>
             </a:fld>
             <a:endParaRPr lang="en-PH"/>
           </a:p>
@@ -1456,7 +1456,7 @@
           <a:p>
             <a:fld id="{0CCF0B81-6BD8-4C65-9459-815598C5F1F4}" type="datetimeFigureOut">
               <a:rPr lang="en-PH" smtClean="0"/>
-              <a:t>15/09/2023</a:t>
+              <a:t>9/18/23</a:t>
             </a:fld>
             <a:endParaRPr lang="en-PH"/>
           </a:p>
@@ -1656,7 +1656,7 @@
           <a:p>
             <a:fld id="{0CCF0B81-6BD8-4C65-9459-815598C5F1F4}" type="datetimeFigureOut">
               <a:rPr lang="en-PH" smtClean="0"/>
-              <a:t>15/09/2023</a:t>
+              <a:t>9/18/23</a:t>
             </a:fld>
             <a:endParaRPr lang="en-PH"/>
           </a:p>
@@ -1932,7 +1932,7 @@
           <a:p>
             <a:fld id="{0CCF0B81-6BD8-4C65-9459-815598C5F1F4}" type="datetimeFigureOut">
               <a:rPr lang="en-PH" smtClean="0"/>
-              <a:t>15/09/2023</a:t>
+              <a:t>9/18/23</a:t>
             </a:fld>
             <a:endParaRPr lang="en-PH"/>
           </a:p>
@@ -2200,7 +2200,7 @@
           <a:p>
             <a:fld id="{0CCF0B81-6BD8-4C65-9459-815598C5F1F4}" type="datetimeFigureOut">
               <a:rPr lang="en-PH" smtClean="0"/>
-              <a:t>15/09/2023</a:t>
+              <a:t>9/18/23</a:t>
             </a:fld>
             <a:endParaRPr lang="en-PH"/>
           </a:p>
@@ -2615,7 +2615,7 @@
           <a:p>
             <a:fld id="{0CCF0B81-6BD8-4C65-9459-815598C5F1F4}" type="datetimeFigureOut">
               <a:rPr lang="en-PH" smtClean="0"/>
-              <a:t>15/09/2023</a:t>
+              <a:t>9/18/23</a:t>
             </a:fld>
             <a:endParaRPr lang="en-PH"/>
           </a:p>
@@ -2757,7 +2757,7 @@
           <a:p>
             <a:fld id="{0CCF0B81-6BD8-4C65-9459-815598C5F1F4}" type="datetimeFigureOut">
               <a:rPr lang="en-PH" smtClean="0"/>
-              <a:t>15/09/2023</a:t>
+              <a:t>9/18/23</a:t>
             </a:fld>
             <a:endParaRPr lang="en-PH"/>
           </a:p>
@@ -2870,7 +2870,7 @@
           <a:p>
             <a:fld id="{0CCF0B81-6BD8-4C65-9459-815598C5F1F4}" type="datetimeFigureOut">
               <a:rPr lang="en-PH" smtClean="0"/>
-              <a:t>15/09/2023</a:t>
+              <a:t>9/18/23</a:t>
             </a:fld>
             <a:endParaRPr lang="en-PH"/>
           </a:p>
@@ -3183,7 +3183,7 @@
           <a:p>
             <a:fld id="{0CCF0B81-6BD8-4C65-9459-815598C5F1F4}" type="datetimeFigureOut">
               <a:rPr lang="en-PH" smtClean="0"/>
-              <a:t>15/09/2023</a:t>
+              <a:t>9/18/23</a:t>
             </a:fld>
             <a:endParaRPr lang="en-PH"/>
           </a:p>
@@ -3472,7 +3472,7 @@
           <a:p>
             <a:fld id="{0CCF0B81-6BD8-4C65-9459-815598C5F1F4}" type="datetimeFigureOut">
               <a:rPr lang="en-PH" smtClean="0"/>
-              <a:t>15/09/2023</a:t>
+              <a:t>9/18/23</a:t>
             </a:fld>
             <a:endParaRPr lang="en-PH"/>
           </a:p>
@@ -3715,7 +3715,7 @@
           <a:p>
             <a:fld id="{0CCF0B81-6BD8-4C65-9459-815598C5F1F4}" type="datetimeFigureOut">
               <a:rPr lang="en-PH" smtClean="0"/>
-              <a:t>15/09/2023</a:t>
+              <a:t>9/18/23</a:t>
             </a:fld>
             <a:endParaRPr lang="en-PH"/>
           </a:p>
@@ -13586,9 +13586,12 @@
 </file>
 
 <file path=customXml/item1.xml><?xml version="1.0" encoding="utf-8"?>
-<p:properties xmlns:p="http://schemas.microsoft.com/office/2006/metadata/properties" xmlns:xsi="http://www.w3.org/2001/XMLSchema-instance" xmlns:pc="http://schemas.microsoft.com/office/infopath/2007/PartnerControls">
-  <documentManagement/>
-</p:properties>
+<?mso-contentType ?>
+<FormTemplates xmlns="http://schemas.microsoft.com/sharepoint/v3/contenttype/forms">
+  <Display>DocumentLibraryForm</Display>
+  <Edit>DocumentLibraryForm</Edit>
+  <New>DocumentLibraryForm</New>
+</FormTemplates>
 </file>
 
 <file path=customXml/item2.xml><?xml version="1.0" encoding="utf-8"?>
@@ -13724,19 +13727,15 @@
 </file>
 
 <file path=customXml/item3.xml><?xml version="1.0" encoding="utf-8"?>
-<?mso-contentType ?>
-<FormTemplates xmlns="http://schemas.microsoft.com/sharepoint/v3/contenttype/forms">
-  <Display>DocumentLibraryForm</Display>
-  <Edit>DocumentLibraryForm</Edit>
-  <New>DocumentLibraryForm</New>
-</FormTemplates>
+<p:properties xmlns:p="http://schemas.microsoft.com/office/2006/metadata/properties" xmlns:xsi="http://www.w3.org/2001/XMLSchema-instance" xmlns:pc="http://schemas.microsoft.com/office/infopath/2007/PartnerControls">
+  <documentManagement/>
+</p:properties>
 </file>
 
 <file path=customXml/itemProps1.xml><?xml version="1.0" encoding="utf-8"?>
-<ds:datastoreItem xmlns:ds="http://schemas.openxmlformats.org/officeDocument/2006/customXml" ds:itemID="{EA3362E2-FA54-4262-AE94-2FA98FF8142D}">
+<ds:datastoreItem xmlns:ds="http://schemas.openxmlformats.org/officeDocument/2006/customXml" ds:itemID="{651370AF-26B9-4AFA-BA9D-5D4A7E1A6722}">
   <ds:schemaRefs>
-    <ds:schemaRef ds:uri="http://schemas.microsoft.com/office/2006/metadata/properties"/>
-    <ds:schemaRef ds:uri="http://schemas.microsoft.com/office/infopath/2007/PartnerControls"/>
+    <ds:schemaRef ds:uri="http://schemas.microsoft.com/sharepoint/v3/contenttype/forms"/>
   </ds:schemaRefs>
 </ds:datastoreItem>
 </file>
@@ -13760,9 +13759,10 @@
 </file>
 
 <file path=customXml/itemProps3.xml><?xml version="1.0" encoding="utf-8"?>
-<ds:datastoreItem xmlns:ds="http://schemas.openxmlformats.org/officeDocument/2006/customXml" ds:itemID="{651370AF-26B9-4AFA-BA9D-5D4A7E1A6722}">
+<ds:datastoreItem xmlns:ds="http://schemas.openxmlformats.org/officeDocument/2006/customXml" ds:itemID="{EA3362E2-FA54-4262-AE94-2FA98FF8142D}">
   <ds:schemaRefs>
-    <ds:schemaRef ds:uri="http://schemas.microsoft.com/sharepoint/v3/contenttype/forms"/>
+    <ds:schemaRef ds:uri="http://schemas.microsoft.com/office/2006/metadata/properties"/>
+    <ds:schemaRef ds:uri="http://schemas.microsoft.com/office/infopath/2007/PartnerControls"/>
   </ds:schemaRefs>
 </ds:datastoreItem>
 </file>
--- a/5 - Sorting Algorithms/Counting Sort.pptx
+++ b/5 - Sorting Algorithms/Counting Sort.pptx
@@ -209,7 +209,7 @@
           <a:p>
             <a:fld id="{F666E1FD-E7A0-497B-BBC0-740BAAC97C64}" type="datetimeFigureOut">
               <a:rPr lang="en-PH" smtClean="0"/>
-              <a:t>9/18/23</a:t>
+              <a:t>9/19/23</a:t>
             </a:fld>
             <a:endParaRPr lang="en-PH"/>
           </a:p>
@@ -1046,7 +1046,7 @@
           <a:p>
             <a:fld id="{0CCF0B81-6BD8-4C65-9459-815598C5F1F4}" type="datetimeFigureOut">
               <a:rPr lang="en-PH" smtClean="0"/>
-              <a:t>9/18/23</a:t>
+              <a:t>9/19/23</a:t>
             </a:fld>
             <a:endParaRPr lang="en-PH"/>
           </a:p>
@@ -1246,7 +1246,7 @@
           <a:p>
             <a:fld id="{0CCF0B81-6BD8-4C65-9459-815598C5F1F4}" type="datetimeFigureOut">
               <a:rPr lang="en-PH" smtClean="0"/>
-              <a:t>9/18/23</a:t>
+              <a:t>9/19/23</a:t>
             </a:fld>
             <a:endParaRPr lang="en-PH"/>
           </a:p>
@@ -1456,7 +1456,7 @@
           <a:p>
             <a:fld id="{0CCF0B81-6BD8-4C65-9459-815598C5F1F4}" type="datetimeFigureOut">
               <a:rPr lang="en-PH" smtClean="0"/>
-              <a:t>9/18/23</a:t>
+              <a:t>9/19/23</a:t>
             </a:fld>
             <a:endParaRPr lang="en-PH"/>
           </a:p>
@@ -1656,7 +1656,7 @@
           <a:p>
             <a:fld id="{0CCF0B81-6BD8-4C65-9459-815598C5F1F4}" type="datetimeFigureOut">
               <a:rPr lang="en-PH" smtClean="0"/>
-              <a:t>9/18/23</a:t>
+              <a:t>9/19/23</a:t>
             </a:fld>
             <a:endParaRPr lang="en-PH"/>
           </a:p>
@@ -1932,7 +1932,7 @@
           <a:p>
             <a:fld id="{0CCF0B81-6BD8-4C65-9459-815598C5F1F4}" type="datetimeFigureOut">
               <a:rPr lang="en-PH" smtClean="0"/>
-              <a:t>9/18/23</a:t>
+              <a:t>9/19/23</a:t>
             </a:fld>
             <a:endParaRPr lang="en-PH"/>
           </a:p>
@@ -2200,7 +2200,7 @@
           <a:p>
             <a:fld id="{0CCF0B81-6BD8-4C65-9459-815598C5F1F4}" type="datetimeFigureOut">
               <a:rPr lang="en-PH" smtClean="0"/>
-              <a:t>9/18/23</a:t>
+              <a:t>9/19/23</a:t>
             </a:fld>
             <a:endParaRPr lang="en-PH"/>
           </a:p>
@@ -2615,7 +2615,7 @@
           <a:p>
             <a:fld id="{0CCF0B81-6BD8-4C65-9459-815598C5F1F4}" type="datetimeFigureOut">
               <a:rPr lang="en-PH" smtClean="0"/>
-              <a:t>9/18/23</a:t>
+              <a:t>9/19/23</a:t>
             </a:fld>
             <a:endParaRPr lang="en-PH"/>
           </a:p>
@@ -2757,7 +2757,7 @@
           <a:p>
             <a:fld id="{0CCF0B81-6BD8-4C65-9459-815598C5F1F4}" type="datetimeFigureOut">
               <a:rPr lang="en-PH" smtClean="0"/>
-              <a:t>9/18/23</a:t>
+              <a:t>9/19/23</a:t>
             </a:fld>
             <a:endParaRPr lang="en-PH"/>
           </a:p>
@@ -2870,7 +2870,7 @@
           <a:p>
             <a:fld id="{0CCF0B81-6BD8-4C65-9459-815598C5F1F4}" type="datetimeFigureOut">
               <a:rPr lang="en-PH" smtClean="0"/>
-              <a:t>9/18/23</a:t>
+              <a:t>9/19/23</a:t>
             </a:fld>
             <a:endParaRPr lang="en-PH"/>
           </a:p>
@@ -3183,7 +3183,7 @@
           <a:p>
             <a:fld id="{0CCF0B81-6BD8-4C65-9459-815598C5F1F4}" type="datetimeFigureOut">
               <a:rPr lang="en-PH" smtClean="0"/>
-              <a:t>9/18/23</a:t>
+              <a:t>9/19/23</a:t>
             </a:fld>
             <a:endParaRPr lang="en-PH"/>
           </a:p>
@@ -3472,7 +3472,7 @@
           <a:p>
             <a:fld id="{0CCF0B81-6BD8-4C65-9459-815598C5F1F4}" type="datetimeFigureOut">
               <a:rPr lang="en-PH" smtClean="0"/>
-              <a:t>9/18/23</a:t>
+              <a:t>9/19/23</a:t>
             </a:fld>
             <a:endParaRPr lang="en-PH"/>
           </a:p>
@@ -3715,7 +3715,7 @@
           <a:p>
             <a:fld id="{0CCF0B81-6BD8-4C65-9459-815598C5F1F4}" type="datetimeFigureOut">
               <a:rPr lang="en-PH" smtClean="0"/>
-              <a:t>9/18/23</a:t>
+              <a:t>9/19/23</a:t>
             </a:fld>
             <a:endParaRPr lang="en-PH"/>
           </a:p>
@@ -11155,13 +11155,22 @@
           <a:p>
             <a:pPr algn="l" fontAlgn="base"/>
             <a:r>
-              <a:rPr lang="en-US" sz="2400" b="1" dirty="0">
+              <a:rPr lang="en-US" sz="2400" b="1">
                 <a:solidFill>
                   <a:srgbClr val="273239"/>
                 </a:solidFill>
                 <a:latin typeface="Calibri Body"/>
               </a:rPr>
-              <a:t>Step 2</a:t>
+              <a:t>Step 3</a:t>
+            </a:r>
+            <a:r>
+              <a:rPr lang="en-US" sz="2400">
+                <a:solidFill>
+                  <a:srgbClr val="273239"/>
+                </a:solidFill>
+                <a:latin typeface="Calibri Body"/>
+              </a:rPr>
+              <a:t>: </a:t>
             </a:r>
             <a:r>
               <a:rPr lang="en-US" sz="2400" dirty="0">
@@ -11170,7 +11179,7 @@
                 </a:solidFill>
                 <a:latin typeface="Calibri Body"/>
               </a:rPr>
-              <a:t>: Starting from right to left from the </a:t>
+              <a:t>Starting from right to left from the </a:t>
             </a:r>
             <a:r>
               <a:rPr lang="en-US" sz="2400" b="1" dirty="0">
@@ -13586,12 +13595,9 @@
 </file>
 
 <file path=customXml/item1.xml><?xml version="1.0" encoding="utf-8"?>
-<?mso-contentType ?>
-<FormTemplates xmlns="http://schemas.microsoft.com/sharepoint/v3/contenttype/forms">
-  <Display>DocumentLibraryForm</Display>
-  <Edit>DocumentLibraryForm</Edit>
-  <New>DocumentLibraryForm</New>
-</FormTemplates>
+<p:properties xmlns:p="http://schemas.microsoft.com/office/2006/metadata/properties" xmlns:xsi="http://www.w3.org/2001/XMLSchema-instance" xmlns:pc="http://schemas.microsoft.com/office/infopath/2007/PartnerControls">
+  <documentManagement/>
+</p:properties>
 </file>
 
 <file path=customXml/item2.xml><?xml version="1.0" encoding="utf-8"?>
@@ -13727,15 +13733,19 @@
 </file>
 
 <file path=customXml/item3.xml><?xml version="1.0" encoding="utf-8"?>
-<p:properties xmlns:p="http://schemas.microsoft.com/office/2006/metadata/properties" xmlns:xsi="http://www.w3.org/2001/XMLSchema-instance" xmlns:pc="http://schemas.microsoft.com/office/infopath/2007/PartnerControls">
-  <documentManagement/>
-</p:properties>
+<?mso-contentType ?>
+<FormTemplates xmlns="http://schemas.microsoft.com/sharepoint/v3/contenttype/forms">
+  <Display>DocumentLibraryForm</Display>
+  <Edit>DocumentLibraryForm</Edit>
+  <New>DocumentLibraryForm</New>
+</FormTemplates>
 </file>
 
 <file path=customXml/itemProps1.xml><?xml version="1.0" encoding="utf-8"?>
-<ds:datastoreItem xmlns:ds="http://schemas.openxmlformats.org/officeDocument/2006/customXml" ds:itemID="{651370AF-26B9-4AFA-BA9D-5D4A7E1A6722}">
+<ds:datastoreItem xmlns:ds="http://schemas.openxmlformats.org/officeDocument/2006/customXml" ds:itemID="{EA3362E2-FA54-4262-AE94-2FA98FF8142D}">
   <ds:schemaRefs>
-    <ds:schemaRef ds:uri="http://schemas.microsoft.com/sharepoint/v3/contenttype/forms"/>
+    <ds:schemaRef ds:uri="http://schemas.microsoft.com/office/2006/metadata/properties"/>
+    <ds:schemaRef ds:uri="http://schemas.microsoft.com/office/infopath/2007/PartnerControls"/>
   </ds:schemaRefs>
 </ds:datastoreItem>
 </file>
@@ -13759,10 +13769,9 @@
 </file>
 
 <file path=customXml/itemProps3.xml><?xml version="1.0" encoding="utf-8"?>
-<ds:datastoreItem xmlns:ds="http://schemas.openxmlformats.org/officeDocument/2006/customXml" ds:itemID="{EA3362E2-FA54-4262-AE94-2FA98FF8142D}">
+<ds:datastoreItem xmlns:ds="http://schemas.openxmlformats.org/officeDocument/2006/customXml" ds:itemID="{651370AF-26B9-4AFA-BA9D-5D4A7E1A6722}">
   <ds:schemaRefs>
-    <ds:schemaRef ds:uri="http://schemas.microsoft.com/office/2006/metadata/properties"/>
-    <ds:schemaRef ds:uri="http://schemas.microsoft.com/office/infopath/2007/PartnerControls"/>
+    <ds:schemaRef ds:uri="http://schemas.microsoft.com/sharepoint/v3/contenttype/forms"/>
   </ds:schemaRefs>
 </ds:datastoreItem>
 </file>